--- a/spark-sharing.pptx
+++ b/spark-sharing.pptx
@@ -9615,7 +9615,7 @@
         <p:spPr>
           <a:xfrm>
             <a:off x="1201320" y="7223040"/>
-            <a:ext cx="14354640" cy="1901880"/>
+            <a:ext cx="14354280" cy="1901520"/>
           </a:xfrm>
           <a:prstGeom prst="rect">
             <a:avLst/>
@@ -9645,7 +9645,7 @@
         <p:spPr>
           <a:xfrm>
             <a:off x="1095120" y="2954880"/>
-            <a:ext cx="9329760" cy="3885480"/>
+            <a:ext cx="9329400" cy="3885120"/>
           </a:xfrm>
           <a:prstGeom prst="rect">
             <a:avLst/>
@@ -9664,7 +9664,7 @@
         <p:spPr>
           <a:xfrm>
             <a:off x="1920240" y="8229600"/>
-            <a:ext cx="5576400" cy="750600"/>
+            <a:ext cx="5576040" cy="750240"/>
           </a:xfrm>
           <a:prstGeom prst="rect">
             <a:avLst/>
@@ -9762,9 +9762,9 @@
         <p:grpSpPr>
           <a:xfrm>
             <a:off x="1701000" y="5954400"/>
-            <a:ext cx="19791360" cy="809280"/>
+            <a:ext cx="19791000" cy="808920"/>
             <a:chOff x="1701000" y="5954400"/>
-            <a:chExt cx="19791360" cy="809280"/>
+            <a:chExt cx="19791000" cy="808920"/>
           </a:xfrm>
         </p:grpSpPr>
         <p:sp>
@@ -9776,7 +9776,7 @@
           <p:spPr>
             <a:xfrm>
               <a:off x="1701000" y="5998680"/>
-              <a:ext cx="19791360" cy="720720"/>
+              <a:ext cx="19791000" cy="720360"/>
             </a:xfrm>
             <a:prstGeom prst="rect">
               <a:avLst/>
@@ -9804,7 +9804,7 @@
           <p:spPr>
             <a:xfrm>
               <a:off x="1701000" y="5954400"/>
-              <a:ext cx="19791360" cy="809280"/>
+              <a:ext cx="19791000" cy="808920"/>
             </a:xfrm>
             <a:prstGeom prst="rect">
               <a:avLst/>
@@ -9864,9 +9864,9 @@
         <p:grpSpPr>
           <a:xfrm>
             <a:off x="1701000" y="5142240"/>
-            <a:ext cx="19791360" cy="809280"/>
+            <a:ext cx="19791000" cy="808920"/>
             <a:chOff x="1701000" y="5142240"/>
-            <a:chExt cx="19791360" cy="809280"/>
+            <a:chExt cx="19791000" cy="808920"/>
           </a:xfrm>
         </p:grpSpPr>
         <p:sp>
@@ -9878,7 +9878,7 @@
           <p:spPr>
             <a:xfrm>
               <a:off x="1701000" y="5186520"/>
-              <a:ext cx="19791360" cy="720720"/>
+              <a:ext cx="19791000" cy="720360"/>
             </a:xfrm>
             <a:prstGeom prst="rect">
               <a:avLst/>
@@ -9906,7 +9906,7 @@
           <p:spPr>
             <a:xfrm>
               <a:off x="1701000" y="5142240"/>
-              <a:ext cx="19791360" cy="809280"/>
+              <a:ext cx="19791000" cy="808920"/>
             </a:xfrm>
             <a:prstGeom prst="rect">
               <a:avLst/>
@@ -9956,7 +9956,7 @@
         <p:spPr>
           <a:xfrm>
             <a:off x="0" y="7772400"/>
-            <a:ext cx="24380640" cy="3508560"/>
+            <a:ext cx="24380280" cy="3508200"/>
           </a:xfrm>
           <a:prstGeom prst="rect">
             <a:avLst/>
@@ -9984,7 +9984,7 @@
               </a:spcBef>
             </a:pPr>
             <a:r>
-              <a:rPr b="1" lang="en-US" sz="3700" spc="-75" strike="noStrike">
+              <a:rPr b="1" lang="en-US" sz="3700" spc="-72" strike="noStrike">
                 <a:solidFill>
                   <a:srgbClr val="000000"/>
                 </a:solidFill>
@@ -9994,7 +9994,7 @@
               <a:t>4. Spark</a:t>
             </a:r>
             <a:r>
-              <a:rPr b="1" lang="en-US" sz="3700" spc="-75" strike="noStrike">
+              <a:rPr b="1" lang="en-US" sz="3700" spc="-72" strike="noStrike">
                 <a:solidFill>
                   <a:srgbClr val="000000"/>
                 </a:solidFill>
@@ -10268,7 +10268,7 @@
         <p:spPr>
           <a:xfrm>
             <a:off x="261360" y="182880"/>
-            <a:ext cx="23327280" cy="5653800"/>
+            <a:ext cx="23326920" cy="5653440"/>
           </a:xfrm>
           <a:prstGeom prst="rect">
             <a:avLst/>
@@ -10747,7 +10747,7 @@
         <p:spPr>
           <a:xfrm>
             <a:off x="170640" y="801720"/>
-            <a:ext cx="10263240" cy="1520640"/>
+            <a:ext cx="10262880" cy="1520280"/>
           </a:xfrm>
           <a:prstGeom prst="rect">
             <a:avLst/>
@@ -10856,9 +10856,9 @@
         <p:grpSpPr>
           <a:xfrm>
             <a:off x="1440000" y="2319480"/>
-            <a:ext cx="19791360" cy="7042680"/>
+            <a:ext cx="19791000" cy="7042320"/>
             <a:chOff x="1440000" y="2319480"/>
-            <a:chExt cx="19791360" cy="7042680"/>
+            <a:chExt cx="19791000" cy="7042320"/>
           </a:xfrm>
         </p:grpSpPr>
         <p:sp>
@@ -10870,7 +10870,7 @@
           <p:spPr>
             <a:xfrm>
               <a:off x="1440000" y="2319480"/>
-              <a:ext cx="19791360" cy="7042680"/>
+              <a:ext cx="19791000" cy="7042320"/>
             </a:xfrm>
             <a:prstGeom prst="rect">
               <a:avLst/>
@@ -10898,7 +10898,7 @@
           <p:spPr>
             <a:xfrm>
               <a:off x="1440000" y="3258000"/>
-              <a:ext cx="19791360" cy="5165640"/>
+              <a:ext cx="19791000" cy="5165280"/>
             </a:xfrm>
             <a:prstGeom prst="rect">
               <a:avLst/>
@@ -11121,7 +11121,7 @@
         <p:spPr>
           <a:xfrm>
             <a:off x="1238400" y="2028600"/>
-            <a:ext cx="17614440" cy="3909600"/>
+            <a:ext cx="17614080" cy="3909240"/>
           </a:xfrm>
           <a:prstGeom prst="rect">
             <a:avLst/>
@@ -11140,9 +11140,9 @@
         <p:grpSpPr>
           <a:xfrm>
             <a:off x="1234440" y="326160"/>
-            <a:ext cx="19791360" cy="809280"/>
+            <a:ext cx="19791000" cy="808920"/>
             <a:chOff x="1234440" y="326160"/>
-            <a:chExt cx="19791360" cy="809280"/>
+            <a:chExt cx="19791000" cy="808920"/>
           </a:xfrm>
         </p:grpSpPr>
         <p:sp>
@@ -11154,7 +11154,7 @@
           <p:spPr>
             <a:xfrm>
               <a:off x="1234440" y="370440"/>
-              <a:ext cx="19791360" cy="720720"/>
+              <a:ext cx="19791000" cy="720360"/>
             </a:xfrm>
             <a:prstGeom prst="rect">
               <a:avLst/>
@@ -11182,7 +11182,7 @@
           <p:spPr>
             <a:xfrm>
               <a:off x="1234440" y="326160"/>
-              <a:ext cx="19791360" cy="809280"/>
+              <a:ext cx="19791000" cy="808920"/>
             </a:xfrm>
             <a:prstGeom prst="rect">
               <a:avLst/>
@@ -11232,7 +11232,7 @@
         <p:spPr>
           <a:xfrm>
             <a:off x="1193040" y="1228320"/>
-            <a:ext cx="17614440" cy="663120"/>
+            <a:ext cx="17614080" cy="662760"/>
           </a:xfrm>
           <a:prstGeom prst="rect">
             <a:avLst/>
@@ -11281,7 +11281,7 @@
         <p:spPr>
           <a:xfrm>
             <a:off x="1238400" y="6076080"/>
-            <a:ext cx="17614440" cy="663120"/>
+            <a:ext cx="17614080" cy="662760"/>
           </a:xfrm>
           <a:prstGeom prst="rect">
             <a:avLst/>
@@ -11399,7 +11399,7 @@
         <p:spPr>
           <a:xfrm>
             <a:off x="1206360" y="532800"/>
-            <a:ext cx="21969000" cy="1130040"/>
+            <a:ext cx="21968640" cy="1129680"/>
           </a:xfrm>
           <a:prstGeom prst="rect">
             <a:avLst/>
@@ -11418,7 +11418,7 @@
         <p:txBody>
           <a:bodyPr lIns="50760" rIns="50760" tIns="50760" bIns="50760"/>
           <a:p>
-            <a:pPr marL="698400" indent="-696240">
+            <a:pPr marL="698400" indent="-695880">
               <a:lnSpc>
                 <a:spcPct val="100000"/>
               </a:lnSpc>
@@ -11433,7 +11433,7 @@
               <a:buChar char=""/>
             </a:pPr>
             <a:r>
-              <a:rPr b="1" lang="en-US" sz="5500" spc="-83" strike="noStrike">
+              <a:rPr b="1" lang="en-US" sz="5500" spc="-80" strike="noStrike">
                 <a:solidFill>
                   <a:srgbClr val="000000"/>
                 </a:solidFill>
@@ -11443,7 +11443,7 @@
               <a:t>RDD </a:t>
             </a:r>
             <a:r>
-              <a:rPr b="1" lang="en-US" sz="5500" spc="-83" strike="noStrike">
+              <a:rPr b="1" lang="en-US" sz="5500" spc="-80" strike="noStrike">
                 <a:solidFill>
                   <a:srgbClr val="000000"/>
                 </a:solidFill>
@@ -11467,7 +11467,7 @@
         <p:spPr>
           <a:xfrm>
             <a:off x="1650960" y="1860840"/>
-            <a:ext cx="22350960" cy="11740680"/>
+            <a:ext cx="22350600" cy="11740320"/>
           </a:xfrm>
           <a:prstGeom prst="rect">
             <a:avLst/>
@@ -11497,7 +11497,7 @@
               </a:spcBef>
             </a:pPr>
             <a:r>
-              <a:rPr b="1" lang="en-US" sz="5000" spc="-83" strike="noStrike">
+              <a:rPr b="1" lang="en-US" sz="5000" spc="-80" strike="noStrike">
                 <a:solidFill>
                   <a:srgbClr val="000000"/>
                 </a:solidFill>
@@ -11507,7 +11507,7 @@
               <a:t>RDD</a:t>
             </a:r>
             <a:r>
-              <a:rPr b="1" lang="en-US" sz="5000" spc="-83" strike="noStrike">
+              <a:rPr b="1" lang="en-US" sz="5000" spc="-80" strike="noStrike">
                 <a:solidFill>
                   <a:srgbClr val="000000"/>
                 </a:solidFill>
@@ -11530,7 +11530,7 @@
               </a:spcBef>
             </a:pPr>
             <a:r>
-              <a:rPr b="1" lang="en-US" sz="5000" spc="-35" strike="noStrike">
+              <a:rPr b="1" lang="en-US" sz="5000" spc="-32" strike="noStrike">
                 <a:solidFill>
                   <a:srgbClr val="000000"/>
                 </a:solidFill>
@@ -11540,7 +11540,7 @@
               <a:t>Resilient: </a:t>
             </a:r>
             <a:r>
-              <a:rPr b="1" lang="en-US" sz="5000" spc="-35" strike="noStrike">
+              <a:rPr b="1" lang="en-US" sz="5000" spc="-32" strike="noStrike">
                 <a:solidFill>
                   <a:srgbClr val="000000"/>
                 </a:solidFill>
@@ -11563,7 +11563,7 @@
               </a:spcBef>
             </a:pPr>
             <a:r>
-              <a:rPr b="1" lang="en-US" sz="5000" spc="-35" strike="noStrike">
+              <a:rPr b="1" lang="en-US" sz="5000" spc="-32" strike="noStrike">
                 <a:solidFill>
                   <a:srgbClr val="000000"/>
                 </a:solidFill>
@@ -11573,7 +11573,7 @@
               <a:t>Distributed: </a:t>
             </a:r>
             <a:r>
-              <a:rPr b="1" lang="en-US" sz="5000" spc="-35" strike="noStrike">
+              <a:rPr b="1" lang="en-US" sz="5000" spc="-32" strike="noStrike">
                 <a:solidFill>
                   <a:srgbClr val="000000"/>
                 </a:solidFill>
@@ -11596,7 +11596,7 @@
               </a:spcBef>
             </a:pPr>
             <a:r>
-              <a:rPr b="1" lang="en-US" sz="5000" spc="-35" strike="noStrike">
+              <a:rPr b="1" lang="en-US" sz="5000" spc="-32" strike="noStrike">
                 <a:solidFill>
                   <a:srgbClr val="000000"/>
                 </a:solidFill>
@@ -11606,7 +11606,7 @@
               <a:t>Dataset: rdd</a:t>
             </a:r>
             <a:r>
-              <a:rPr b="1" lang="en-US" sz="5000" spc="-35" strike="noStrike">
+              <a:rPr b="1" lang="en-US" sz="5000" spc="-32" strike="noStrike">
                 <a:solidFill>
                   <a:srgbClr val="000000"/>
                 </a:solidFill>
@@ -11616,7 +11616,7 @@
               <a:t>的数据集由</a:t>
             </a:r>
             <a:r>
-              <a:rPr b="1" lang="en-US" sz="5000" spc="-35" strike="noStrike">
+              <a:rPr b="1" lang="en-US" sz="5000" spc="-32" strike="noStrike">
                 <a:solidFill>
                   <a:srgbClr val="000000"/>
                 </a:solidFill>
@@ -11626,7 +11626,7 @@
               <a:t>records</a:t>
             </a:r>
             <a:r>
-              <a:rPr b="1" lang="en-US" sz="5000" spc="-35" strike="noStrike">
+              <a:rPr b="1" lang="en-US" sz="5000" spc="-32" strike="noStrike">
                 <a:solidFill>
                   <a:srgbClr val="000000"/>
                 </a:solidFill>
@@ -11636,7 +11636,7 @@
               <a:t>组成，独立可辨识的数据，类似表的一行或</a:t>
             </a:r>
             <a:r>
-              <a:rPr b="1" lang="en-US" sz="5000" spc="-35" strike="noStrike">
+              <a:rPr b="1" lang="en-US" sz="5000" spc="-32" strike="noStrike">
                 <a:solidFill>
                   <a:srgbClr val="000000"/>
                 </a:solidFill>
@@ -11646,7 +11646,7 @@
               <a:t>text</a:t>
             </a:r>
             <a:r>
-              <a:rPr b="1" lang="en-US" sz="5000" spc="-35" strike="noStrike">
+              <a:rPr b="1" lang="en-US" sz="5000" spc="-32" strike="noStrike">
                 <a:solidFill>
                   <a:srgbClr val="000000"/>
                 </a:solidFill>
@@ -11669,7 +11669,7 @@
               </a:spcBef>
             </a:pPr>
             <a:r>
-              <a:rPr b="0" lang="en-US" sz="4500" spc="-83" strike="noStrike">
+              <a:rPr b="0" lang="en-US" sz="4500" spc="-80" strike="noStrike">
                 <a:solidFill>
                   <a:srgbClr val="000000"/>
                 </a:solidFill>
@@ -11679,7 +11679,7 @@
               <a:t>弹性分布式数据集</a:t>
             </a:r>
             <a:r>
-              <a:rPr b="0" lang="en-US" sz="4500" spc="-83" strike="noStrike">
+              <a:rPr b="0" lang="en-US" sz="4500" spc="-80" strike="noStrike">
                 <a:solidFill>
                   <a:srgbClr val="000000"/>
                 </a:solidFill>
@@ -11689,7 +11689,7 @@
               <a:t>(Resilient Distrubuted Dataset)</a:t>
             </a:r>
             <a:r>
-              <a:rPr b="0" lang="en-US" sz="4500" spc="-83" strike="noStrike">
+              <a:rPr b="0" lang="en-US" sz="4500" spc="-80" strike="noStrike">
                 <a:solidFill>
                   <a:srgbClr val="000000"/>
                 </a:solidFill>
@@ -11699,7 +11699,7 @@
               <a:t>，简称</a:t>
             </a:r>
             <a:r>
-              <a:rPr b="0" lang="en-US" sz="4500" spc="-83" strike="noStrike">
+              <a:rPr b="0" lang="en-US" sz="4500" spc="-80" strike="noStrike">
                 <a:solidFill>
                   <a:srgbClr val="000000"/>
                 </a:solidFill>
@@ -11709,7 +11709,7 @@
               <a:t>RDD,</a:t>
             </a:r>
             <a:r>
-              <a:rPr b="0" lang="en-US" sz="4500" spc="-83" strike="noStrike">
+              <a:rPr b="0" lang="en-US" sz="4500" spc="-80" strike="noStrike">
                 <a:solidFill>
                   <a:srgbClr val="000000"/>
                 </a:solidFill>
@@ -11719,7 +11719,7 @@
               <a:t>是分布式内存的一个抽象概念，提供了一种高度受限的共享内存模型</a:t>
             </a:r>
             <a:r>
-              <a:rPr b="0" lang="en-US" sz="4500" spc="-83" strike="noStrike">
+              <a:rPr b="0" lang="en-US" sz="4500" spc="-80" strike="noStrike">
                 <a:solidFill>
                   <a:srgbClr val="000000"/>
                 </a:solidFill>
@@ -11729,7 +11729,7 @@
               <a:t>.</a:t>
             </a:r>
             <a:r>
-              <a:rPr b="0" lang="en-US" sz="4500" spc="-83" strike="noStrike">
+              <a:rPr b="0" lang="en-US" sz="4500" spc="-80" strike="noStrike">
                 <a:solidFill>
                   <a:srgbClr val="000000"/>
                 </a:solidFill>
@@ -11739,7 +11739,7 @@
               <a:t>每个</a:t>
             </a:r>
             <a:r>
-              <a:rPr b="0" lang="en-US" sz="4500" spc="-83" strike="noStrike">
+              <a:rPr b="0" lang="en-US" sz="4500" spc="-80" strike="noStrike">
                 <a:solidFill>
                   <a:srgbClr val="000000"/>
                 </a:solidFill>
@@ -11749,7 +11749,7 @@
               <a:t>RDD</a:t>
             </a:r>
             <a:r>
-              <a:rPr b="0" lang="en-US" sz="4500" spc="-83" strike="noStrike">
+              <a:rPr b="0" lang="en-US" sz="4500" spc="-80" strike="noStrike">
                 <a:solidFill>
                   <a:srgbClr val="000000"/>
                 </a:solidFill>
@@ -11759,7 +11759,7 @@
               <a:t>本质上就是一个只读的分区记录集合，可以分成多个分区，每个分区就是一个数据集片段，并且相同</a:t>
             </a:r>
             <a:r>
-              <a:rPr b="0" lang="en-US" sz="4500" spc="-83" strike="noStrike">
+              <a:rPr b="0" lang="en-US" sz="4500" spc="-80" strike="noStrike">
                 <a:solidFill>
                   <a:srgbClr val="000000"/>
                 </a:solidFill>
@@ -11769,7 +11769,7 @@
               <a:t>RDD</a:t>
             </a:r>
             <a:r>
-              <a:rPr b="0" lang="en-US" sz="4500" spc="-83" strike="noStrike">
+              <a:rPr b="0" lang="en-US" sz="4500" spc="-80" strike="noStrike">
                 <a:solidFill>
                   <a:srgbClr val="000000"/>
                 </a:solidFill>
@@ -11779,7 +11779,7 @@
               <a:t>上的不同分区可以被保存在集群的不同节点上，从而可以在集群中的不同节点上进行并行计算。不能直接修改，只能基于稳定的物理存储中的数据集来创建</a:t>
             </a:r>
             <a:r>
-              <a:rPr b="0" lang="en-US" sz="4500" spc="-83" strike="noStrike">
+              <a:rPr b="0" lang="en-US" sz="4500" spc="-80" strike="noStrike">
                 <a:solidFill>
                   <a:srgbClr val="000000"/>
                 </a:solidFill>
@@ -11789,7 +11789,7 @@
               <a:t>RDD</a:t>
             </a:r>
             <a:r>
-              <a:rPr b="0" lang="en-US" sz="4500" spc="-83" strike="noStrike">
+              <a:rPr b="0" lang="en-US" sz="4500" spc="-80" strike="noStrike">
                 <a:solidFill>
                   <a:srgbClr val="000000"/>
                 </a:solidFill>
@@ -11799,7 +11799,7 @@
               <a:t>，或者通过在其他</a:t>
             </a:r>
             <a:r>
-              <a:rPr b="0" lang="en-US" sz="4500" spc="-83" strike="noStrike">
+              <a:rPr b="0" lang="en-US" sz="4500" spc="-80" strike="noStrike">
                 <a:solidFill>
                   <a:srgbClr val="000000"/>
                 </a:solidFill>
@@ -11809,7 +11809,7 @@
               <a:t>RDD</a:t>
             </a:r>
             <a:r>
-              <a:rPr b="0" lang="en-US" sz="4500" spc="-83" strike="noStrike">
+              <a:rPr b="0" lang="en-US" sz="4500" spc="-80" strike="noStrike">
                 <a:solidFill>
                   <a:srgbClr val="000000"/>
                 </a:solidFill>
@@ -11819,7 +11819,7 @@
               <a:t>上执行确定的转换操作（如</a:t>
             </a:r>
             <a:r>
-              <a:rPr b="0" lang="en-US" sz="4500" spc="-83" strike="noStrike">
+              <a:rPr b="0" lang="en-US" sz="4500" spc="-80" strike="noStrike">
                 <a:solidFill>
                   <a:srgbClr val="000000"/>
                 </a:solidFill>
@@ -11829,7 +11829,7 @@
               <a:t>map</a:t>
             </a:r>
             <a:r>
-              <a:rPr b="0" lang="en-US" sz="4500" spc="-83" strike="noStrike">
+              <a:rPr b="0" lang="en-US" sz="4500" spc="-80" strike="noStrike">
                 <a:solidFill>
                   <a:srgbClr val="000000"/>
                 </a:solidFill>
@@ -11839,7 +11839,7 @@
               <a:t>、</a:t>
             </a:r>
             <a:r>
-              <a:rPr b="0" lang="en-US" sz="4500" spc="-83" strike="noStrike">
+              <a:rPr b="0" lang="en-US" sz="4500" spc="-80" strike="noStrike">
                 <a:solidFill>
                   <a:srgbClr val="000000"/>
                 </a:solidFill>
@@ -11849,7 +11849,7 @@
               <a:t>join</a:t>
             </a:r>
             <a:r>
-              <a:rPr b="0" lang="en-US" sz="4500" spc="-83" strike="noStrike">
+              <a:rPr b="0" lang="en-US" sz="4500" spc="-80" strike="noStrike">
                 <a:solidFill>
                   <a:srgbClr val="000000"/>
                 </a:solidFill>
@@ -11859,7 +11859,7 @@
               <a:t>和</a:t>
             </a:r>
             <a:r>
-              <a:rPr b="0" lang="en-US" sz="4500" spc="-83" strike="noStrike">
+              <a:rPr b="0" lang="en-US" sz="4500" spc="-80" strike="noStrike">
                 <a:solidFill>
                   <a:srgbClr val="000000"/>
                 </a:solidFill>
@@ -11869,7 +11869,7 @@
               <a:t>groupBy</a:t>
             </a:r>
             <a:r>
-              <a:rPr b="0" lang="en-US" sz="4500" spc="-83" strike="noStrike">
+              <a:rPr b="0" lang="en-US" sz="4500" spc="-80" strike="noStrike">
                 <a:solidFill>
                   <a:srgbClr val="000000"/>
                 </a:solidFill>
@@ -11879,7 +11879,7 @@
               <a:t>）而创建得到新的</a:t>
             </a:r>
             <a:r>
-              <a:rPr b="0" lang="en-US" sz="4500" spc="-83" strike="noStrike">
+              <a:rPr b="0" lang="en-US" sz="4500" spc="-80" strike="noStrike">
                 <a:solidFill>
                   <a:srgbClr val="000000"/>
                 </a:solidFill>
@@ -11889,7 +11889,7 @@
               <a:t>RDD</a:t>
             </a:r>
             <a:r>
-              <a:rPr b="0" lang="en-US" sz="4500" spc="-83" strike="noStrike">
+              <a:rPr b="0" lang="en-US" sz="4500" spc="-80" strike="noStrike">
                 <a:solidFill>
                   <a:srgbClr val="000000"/>
                 </a:solidFill>
@@ -11899,7 +11899,7 @@
               <a:t>。</a:t>
             </a:r>
             <a:r>
-              <a:rPr b="0" lang="en-US" sz="4500" spc="-83" strike="noStrike">
+              <a:rPr b="0" lang="en-US" sz="4500" spc="-80" strike="noStrike">
                 <a:solidFill>
                   <a:srgbClr val="000000"/>
                 </a:solidFill>
@@ -11909,7 +11909,7 @@
               <a:t>RDD</a:t>
             </a:r>
             <a:r>
-              <a:rPr b="0" lang="en-US" sz="4500" spc="-83" strike="noStrike">
+              <a:rPr b="0" lang="en-US" sz="4500" spc="-80" strike="noStrike">
                 <a:solidFill>
                   <a:srgbClr val="000000"/>
                 </a:solidFill>
@@ -11919,7 +11919,7 @@
               <a:t>提供了一组丰富的操作以支持常见的数据运算，分为“行动”（</a:t>
             </a:r>
             <a:r>
-              <a:rPr b="0" lang="en-US" sz="4500" spc="-83" strike="noStrike">
+              <a:rPr b="0" lang="en-US" sz="4500" spc="-80" strike="noStrike">
                 <a:solidFill>
                   <a:srgbClr val="000000"/>
                 </a:solidFill>
@@ -11929,7 +11929,7 @@
               <a:t>Action</a:t>
             </a:r>
             <a:r>
-              <a:rPr b="0" lang="en-US" sz="4500" spc="-83" strike="noStrike">
+              <a:rPr b="0" lang="en-US" sz="4500" spc="-80" strike="noStrike">
                 <a:solidFill>
                   <a:srgbClr val="000000"/>
                 </a:solidFill>
@@ -11939,7 +11939,7 @@
               <a:t>）和“转换”（</a:t>
             </a:r>
             <a:r>
-              <a:rPr b="0" lang="en-US" sz="4500" spc="-83" strike="noStrike">
+              <a:rPr b="0" lang="en-US" sz="4500" spc="-80" strike="noStrike">
                 <a:solidFill>
                   <a:srgbClr val="000000"/>
                 </a:solidFill>
@@ -11949,7 +11949,7 @@
               <a:t>Transformation</a:t>
             </a:r>
             <a:r>
-              <a:rPr b="0" lang="en-US" sz="4500" spc="-83" strike="noStrike">
+              <a:rPr b="0" lang="en-US" sz="4500" spc="-80" strike="noStrike">
                 <a:solidFill>
                   <a:srgbClr val="000000"/>
                 </a:solidFill>
@@ -11959,7 +11959,7 @@
               <a:t>）两种类型，前者用于执行计算并指定输出的形式，后者指定</a:t>
             </a:r>
             <a:r>
-              <a:rPr b="0" lang="en-US" sz="4500" spc="-83" strike="noStrike">
+              <a:rPr b="0" lang="en-US" sz="4500" spc="-80" strike="noStrike">
                 <a:solidFill>
                   <a:srgbClr val="000000"/>
                 </a:solidFill>
@@ -11969,7 +11969,7 @@
               <a:t>RDD</a:t>
             </a:r>
             <a:r>
-              <a:rPr b="0" lang="en-US" sz="4500" spc="-83" strike="noStrike">
+              <a:rPr b="0" lang="en-US" sz="4500" spc="-80" strike="noStrike">
                 <a:solidFill>
                   <a:srgbClr val="000000"/>
                 </a:solidFill>
@@ -11979,7 +11979,7 @@
               <a:t>之间的相互依赖关系。两类操作的主要区别是，转换操作（比如</a:t>
             </a:r>
             <a:r>
-              <a:rPr b="0" lang="en-US" sz="4500" spc="-83" strike="noStrike">
+              <a:rPr b="0" lang="en-US" sz="4500" spc="-80" strike="noStrike">
                 <a:solidFill>
                   <a:srgbClr val="000000"/>
                 </a:solidFill>
@@ -11989,7 +11989,7 @@
               <a:t>map</a:t>
             </a:r>
             <a:r>
-              <a:rPr b="0" lang="en-US" sz="4500" spc="-83" strike="noStrike">
+              <a:rPr b="0" lang="en-US" sz="4500" spc="-80" strike="noStrike">
                 <a:solidFill>
                   <a:srgbClr val="000000"/>
                 </a:solidFill>
@@ -11999,7 +11999,7 @@
               <a:t>、</a:t>
             </a:r>
             <a:r>
-              <a:rPr b="0" lang="en-US" sz="4500" spc="-83" strike="noStrike">
+              <a:rPr b="0" lang="en-US" sz="4500" spc="-80" strike="noStrike">
                 <a:solidFill>
                   <a:srgbClr val="000000"/>
                 </a:solidFill>
@@ -12009,7 +12009,7 @@
               <a:t>filter</a:t>
             </a:r>
             <a:r>
-              <a:rPr b="0" lang="en-US" sz="4500" spc="-83" strike="noStrike">
+              <a:rPr b="0" lang="en-US" sz="4500" spc="-80" strike="noStrike">
                 <a:solidFill>
                   <a:srgbClr val="000000"/>
                 </a:solidFill>
@@ -12019,7 +12019,7 @@
               <a:t>、</a:t>
             </a:r>
             <a:r>
-              <a:rPr b="0" lang="en-US" sz="4500" spc="-83" strike="noStrike">
+              <a:rPr b="0" lang="en-US" sz="4500" spc="-80" strike="noStrike">
                 <a:solidFill>
                   <a:srgbClr val="000000"/>
                 </a:solidFill>
@@ -12029,7 +12029,7 @@
               <a:t>groupBy</a:t>
             </a:r>
             <a:r>
-              <a:rPr b="0" lang="en-US" sz="4500" spc="-83" strike="noStrike">
+              <a:rPr b="0" lang="en-US" sz="4500" spc="-80" strike="noStrike">
                 <a:solidFill>
                   <a:srgbClr val="000000"/>
                 </a:solidFill>
@@ -12039,7 +12039,7 @@
               <a:t>、</a:t>
             </a:r>
             <a:r>
-              <a:rPr b="0" lang="en-US" sz="4500" spc="-83" strike="noStrike">
+              <a:rPr b="0" lang="en-US" sz="4500" spc="-80" strike="noStrike">
                 <a:solidFill>
                   <a:srgbClr val="000000"/>
                 </a:solidFill>
@@ -12049,7 +12049,7 @@
               <a:t>join</a:t>
             </a:r>
             <a:r>
-              <a:rPr b="0" lang="en-US" sz="4500" spc="-83" strike="noStrike">
+              <a:rPr b="0" lang="en-US" sz="4500" spc="-80" strike="noStrike">
                 <a:solidFill>
                   <a:srgbClr val="000000"/>
                 </a:solidFill>
@@ -12059,7 +12059,7 @@
               <a:t>等）接受</a:t>
             </a:r>
             <a:r>
-              <a:rPr b="0" lang="en-US" sz="4500" spc="-83" strike="noStrike">
+              <a:rPr b="0" lang="en-US" sz="4500" spc="-80" strike="noStrike">
                 <a:solidFill>
                   <a:srgbClr val="000000"/>
                 </a:solidFill>
@@ -12069,7 +12069,7 @@
               <a:t>RDD</a:t>
             </a:r>
             <a:r>
-              <a:rPr b="0" lang="en-US" sz="4500" spc="-83" strike="noStrike">
+              <a:rPr b="0" lang="en-US" sz="4500" spc="-80" strike="noStrike">
                 <a:solidFill>
                   <a:srgbClr val="000000"/>
                 </a:solidFill>
@@ -12079,7 +12079,7 @@
               <a:t>并返回</a:t>
             </a:r>
             <a:r>
-              <a:rPr b="0" lang="en-US" sz="4500" spc="-83" strike="noStrike">
+              <a:rPr b="0" lang="en-US" sz="4500" spc="-80" strike="noStrike">
                 <a:solidFill>
                   <a:srgbClr val="000000"/>
                 </a:solidFill>
@@ -12089,7 +12089,7 @@
               <a:t>RDD</a:t>
             </a:r>
             <a:r>
-              <a:rPr b="0" lang="en-US" sz="4500" spc="-83" strike="noStrike">
+              <a:rPr b="0" lang="en-US" sz="4500" spc="-80" strike="noStrike">
                 <a:solidFill>
                   <a:srgbClr val="000000"/>
                 </a:solidFill>
@@ -12099,7 +12099,7 @@
               <a:t>，而行动操作（比如</a:t>
             </a:r>
             <a:r>
-              <a:rPr b="0" lang="en-US" sz="4500" spc="-83" strike="noStrike">
+              <a:rPr b="0" lang="en-US" sz="4500" spc="-80" strike="noStrike">
                 <a:solidFill>
                   <a:srgbClr val="000000"/>
                 </a:solidFill>
@@ -12109,7 +12109,7 @@
               <a:t>count</a:t>
             </a:r>
             <a:r>
-              <a:rPr b="0" lang="en-US" sz="4500" spc="-83" strike="noStrike">
+              <a:rPr b="0" lang="en-US" sz="4500" spc="-80" strike="noStrike">
                 <a:solidFill>
                   <a:srgbClr val="000000"/>
                 </a:solidFill>
@@ -12119,7 +12119,7 @@
               <a:t>、</a:t>
             </a:r>
             <a:r>
-              <a:rPr b="0" lang="en-US" sz="4500" spc="-83" strike="noStrike">
+              <a:rPr b="0" lang="en-US" sz="4500" spc="-80" strike="noStrike">
                 <a:solidFill>
                   <a:srgbClr val="000000"/>
                 </a:solidFill>
@@ -12129,7 +12129,7 @@
               <a:t>collect</a:t>
             </a:r>
             <a:r>
-              <a:rPr b="0" lang="en-US" sz="4500" spc="-83" strike="noStrike">
+              <a:rPr b="0" lang="en-US" sz="4500" spc="-80" strike="noStrike">
                 <a:solidFill>
                   <a:srgbClr val="000000"/>
                 </a:solidFill>
@@ -12139,7 +12139,7 @@
               <a:t>等）接受</a:t>
             </a:r>
             <a:r>
-              <a:rPr b="0" lang="en-US" sz="4500" spc="-83" strike="noStrike">
+              <a:rPr b="0" lang="en-US" sz="4500" spc="-80" strike="noStrike">
                 <a:solidFill>
                   <a:srgbClr val="000000"/>
                 </a:solidFill>
@@ -12149,7 +12149,7 @@
               <a:t>RDD</a:t>
             </a:r>
             <a:r>
-              <a:rPr b="0" lang="en-US" sz="4500" spc="-83" strike="noStrike">
+              <a:rPr b="0" lang="en-US" sz="4500" spc="-80" strike="noStrike">
                 <a:solidFill>
                   <a:srgbClr val="000000"/>
                 </a:solidFill>
@@ -12159,7 +12159,7 @@
               <a:t>但是返回非</a:t>
             </a:r>
             <a:r>
-              <a:rPr b="0" lang="en-US" sz="4500" spc="-83" strike="noStrike">
+              <a:rPr b="0" lang="en-US" sz="4500" spc="-80" strike="noStrike">
                 <a:solidFill>
                   <a:srgbClr val="000000"/>
                 </a:solidFill>
@@ -12169,7 +12169,7 @@
               <a:t>RDD</a:t>
             </a:r>
             <a:r>
-              <a:rPr b="0" lang="en-US" sz="4500" spc="-83" strike="noStrike">
+              <a:rPr b="0" lang="en-US" sz="4500" spc="-80" strike="noStrike">
                 <a:solidFill>
                   <a:srgbClr val="000000"/>
                 </a:solidFill>
@@ -12242,7 +12242,7 @@
         <p:spPr>
           <a:xfrm>
             <a:off x="1793520" y="9000"/>
-            <a:ext cx="22349880" cy="11739600"/>
+            <a:ext cx="22349520" cy="11739240"/>
           </a:xfrm>
           <a:prstGeom prst="rect">
             <a:avLst/>
@@ -12293,7 +12293,7 @@
             </a:endParaRPr>
           </a:p>
           <a:p>
-            <a:pPr lvl="2" marL="542880" indent="-230760">
+            <a:pPr lvl="2" marL="542880" indent="-230400">
               <a:lnSpc>
                 <a:spcPts val="4300"/>
               </a:lnSpc>
@@ -12328,7 +12328,7 @@
             </a:endParaRPr>
           </a:p>
           <a:p>
-            <a:pPr lvl="2" marL="542880" indent="-230760">
+            <a:pPr lvl="2" marL="542880" indent="-230400">
               <a:lnSpc>
                 <a:spcPts val="4300"/>
               </a:lnSpc>
@@ -12383,7 +12383,7 @@
             </a:endParaRPr>
           </a:p>
           <a:p>
-            <a:pPr lvl="2" marL="542880" indent="-230760">
+            <a:pPr lvl="2" marL="542880" indent="-230400">
               <a:lnSpc>
                 <a:spcPts val="4300"/>
               </a:lnSpc>
@@ -12752,7 +12752,7 @@
         <p:spPr>
           <a:xfrm>
             <a:off x="2403360" y="3486240"/>
-            <a:ext cx="17332200" cy="4784760"/>
+            <a:ext cx="17331840" cy="4784400"/>
           </a:xfrm>
           <a:prstGeom prst="rect">
             <a:avLst/>
@@ -12820,7 +12820,7 @@
         <p:spPr>
           <a:xfrm>
             <a:off x="91440" y="-548640"/>
-            <a:ext cx="24342840" cy="6054120"/>
+            <a:ext cx="24342480" cy="6053760"/>
           </a:xfrm>
           <a:prstGeom prst="rect">
             <a:avLst/>
@@ -13232,9 +13232,9 @@
         <p:grpSpPr>
           <a:xfrm>
             <a:off x="442800" y="6973560"/>
-            <a:ext cx="19791360" cy="809280"/>
+            <a:ext cx="19791000" cy="808920"/>
             <a:chOff x="442800" y="6973560"/>
-            <a:chExt cx="19791360" cy="809280"/>
+            <a:chExt cx="19791000" cy="808920"/>
           </a:xfrm>
         </p:grpSpPr>
         <p:sp>
@@ -13246,7 +13246,7 @@
           <p:spPr>
             <a:xfrm>
               <a:off x="442800" y="7017840"/>
-              <a:ext cx="19791360" cy="720720"/>
+              <a:ext cx="19791000" cy="720360"/>
             </a:xfrm>
             <a:prstGeom prst="rect">
               <a:avLst/>
@@ -13274,7 +13274,7 @@
           <p:spPr>
             <a:xfrm>
               <a:off x="442800" y="6973560"/>
-              <a:ext cx="19791360" cy="809280"/>
+              <a:ext cx="19791000" cy="808920"/>
             </a:xfrm>
             <a:prstGeom prst="rect">
               <a:avLst/>
@@ -13324,7 +13324,7 @@
         <p:spPr>
           <a:xfrm>
             <a:off x="433440" y="6295320"/>
-            <a:ext cx="13668480" cy="617040"/>
+            <a:ext cx="13668120" cy="616680"/>
           </a:xfrm>
           <a:prstGeom prst="rect">
             <a:avLst/>
@@ -13413,7 +13413,7 @@
         <p:spPr>
           <a:xfrm>
             <a:off x="477360" y="7843680"/>
-            <a:ext cx="23426280" cy="2155680"/>
+            <a:ext cx="23425920" cy="2155320"/>
           </a:xfrm>
           <a:prstGeom prst="rect">
             <a:avLst/>
@@ -13562,9 +13562,9 @@
         <p:grpSpPr>
           <a:xfrm>
             <a:off x="442800" y="9959040"/>
-            <a:ext cx="19791360" cy="1520640"/>
+            <a:ext cx="19791000" cy="1520280"/>
             <a:chOff x="442800" y="9959040"/>
-            <a:chExt cx="19791360" cy="1520640"/>
+            <a:chExt cx="19791000" cy="1520280"/>
           </a:xfrm>
         </p:grpSpPr>
         <p:sp>
@@ -13576,7 +13576,7 @@
           <p:spPr>
             <a:xfrm>
               <a:off x="442800" y="10013040"/>
-              <a:ext cx="19791360" cy="1413000"/>
+              <a:ext cx="19791000" cy="1412640"/>
             </a:xfrm>
             <a:prstGeom prst="rect">
               <a:avLst/>
@@ -13604,7 +13604,7 @@
           <p:spPr>
             <a:xfrm>
               <a:off x="442800" y="9959040"/>
-              <a:ext cx="19791360" cy="1520640"/>
+              <a:ext cx="19791000" cy="1520280"/>
             </a:xfrm>
             <a:prstGeom prst="rect">
               <a:avLst/>
@@ -13674,7 +13674,7 @@
         <p:spPr>
           <a:xfrm>
             <a:off x="477360" y="11410920"/>
-            <a:ext cx="23426280" cy="2155680"/>
+            <a:ext cx="23425920" cy="2155320"/>
           </a:xfrm>
           <a:prstGeom prst="rect">
             <a:avLst/>
@@ -13833,7 +13833,7 @@
         <p:spPr>
           <a:xfrm>
             <a:off x="195840" y="5523120"/>
-            <a:ext cx="13668480" cy="648000"/>
+            <a:ext cx="13668120" cy="647640"/>
           </a:xfrm>
           <a:prstGeom prst="rect">
             <a:avLst/>
@@ -13941,7 +13941,7 @@
         <p:spPr>
           <a:xfrm>
             <a:off x="477360" y="405360"/>
-            <a:ext cx="23426280" cy="1469880"/>
+            <a:ext cx="23425920" cy="1469520"/>
           </a:xfrm>
           <a:prstGeom prst="rect">
             <a:avLst/>
@@ -14040,7 +14040,7 @@
         <p:spPr>
           <a:xfrm>
             <a:off x="477360" y="2625840"/>
-            <a:ext cx="23426280" cy="784080"/>
+            <a:ext cx="23425920" cy="783720"/>
           </a:xfrm>
           <a:prstGeom prst="rect">
             <a:avLst/>
@@ -14149,7 +14149,7 @@
         <p:spPr>
           <a:xfrm>
             <a:off x="290880" y="3619800"/>
-            <a:ext cx="13668480" cy="617040"/>
+            <a:ext cx="13668120" cy="616680"/>
           </a:xfrm>
           <a:prstGeom prst="rect">
             <a:avLst/>
@@ -14218,9 +14218,9 @@
         <p:grpSpPr>
           <a:xfrm>
             <a:off x="428760" y="1909080"/>
-            <a:ext cx="19961640" cy="809640"/>
+            <a:ext cx="19961280" cy="809280"/>
             <a:chOff x="428760" y="1909080"/>
-            <a:chExt cx="19961640" cy="809640"/>
+            <a:chExt cx="19961280" cy="809280"/>
           </a:xfrm>
         </p:grpSpPr>
         <p:sp>
@@ -14232,7 +14232,7 @@
           <p:spPr>
             <a:xfrm>
               <a:off x="428760" y="1909080"/>
-              <a:ext cx="19961640" cy="805680"/>
+              <a:ext cx="19961280" cy="805320"/>
             </a:xfrm>
             <a:prstGeom prst="rect">
               <a:avLst/>
@@ -14260,7 +14260,7 @@
           <p:spPr>
             <a:xfrm>
               <a:off x="428760" y="1909080"/>
-              <a:ext cx="19961640" cy="809640"/>
+              <a:ext cx="19961280" cy="809280"/>
             </a:xfrm>
             <a:prstGeom prst="rect">
               <a:avLst/>
@@ -14310,9 +14310,9 @@
         <p:grpSpPr>
           <a:xfrm>
             <a:off x="464760" y="4454640"/>
-            <a:ext cx="20222280" cy="3714480"/>
+            <a:ext cx="20221920" cy="3714120"/>
             <a:chOff x="464760" y="4454640"/>
-            <a:chExt cx="20222280" cy="3714480"/>
+            <a:chExt cx="20221920" cy="3714120"/>
           </a:xfrm>
         </p:grpSpPr>
         <p:sp>
@@ -14324,7 +14324,7 @@
           <p:spPr>
             <a:xfrm>
               <a:off x="464760" y="4454640"/>
-              <a:ext cx="20222280" cy="3714480"/>
+              <a:ext cx="20221920" cy="3714120"/>
             </a:xfrm>
             <a:prstGeom prst="rect">
               <a:avLst/>
@@ -14352,7 +14352,7 @@
           <p:spPr>
             <a:xfrm>
               <a:off x="464760" y="4840560"/>
-              <a:ext cx="20222280" cy="2943360"/>
+              <a:ext cx="20221920" cy="2943000"/>
             </a:xfrm>
             <a:prstGeom prst="rect">
               <a:avLst/>
@@ -14455,6 +14455,33 @@
       </p:grpSp>
     </p:spTree>
   </p:cSld>
+  <p:timing>
+    <p:tnLst>
+      <p:par>
+        <p:cTn id="31" dur="indefinite" restart="never" nodeType="tmRoot">
+          <p:childTnLst>
+            <p:seq>
+              <p:cTn id="32" dur="indefinite" nodeType="mainSeq"/>
+              <p:prevCondLst>
+                <p:cond delay="0" evt="onPrev">
+                  <p:tgtEl>
+                    <p:sldTgt/>
+                  </p:tgtEl>
+                </p:cond>
+              </p:prevCondLst>
+              <p:nextCondLst>
+                <p:cond delay="0" evt="onNext">
+                  <p:tgtEl>
+                    <p:sldTgt/>
+                  </p:tgtEl>
+                </p:cond>
+              </p:nextCondLst>
+            </p:seq>
+          </p:childTnLst>
+        </p:cTn>
+      </p:par>
+    </p:tnLst>
+  </p:timing>
 </p:sld>
 </file>
 
@@ -14484,7 +14511,7 @@
         <p:spPr>
           <a:xfrm>
             <a:off x="-4320" y="-72720"/>
-            <a:ext cx="24285600" cy="13650840"/>
+            <a:ext cx="24285240" cy="13650480"/>
           </a:xfrm>
           <a:prstGeom prst="rect">
             <a:avLst/>
@@ -14566,7 +14593,7 @@
         <p:spPr>
           <a:xfrm>
             <a:off x="444960" y="4570560"/>
-            <a:ext cx="17515080" cy="8938080"/>
+            <a:ext cx="17514720" cy="8937720"/>
           </a:xfrm>
           <a:prstGeom prst="rect">
             <a:avLst/>
@@ -14605,7 +14632,7 @@
             </a:endParaRPr>
           </a:p>
           <a:p>
-            <a:pPr marL="203040" indent="-199800">
+            <a:pPr marL="203040" indent="-199440">
               <a:lnSpc>
                 <a:spcPts val="5800"/>
               </a:lnSpc>
@@ -14671,7 +14698,7 @@
             </a:endParaRPr>
           </a:p>
           <a:p>
-            <a:pPr marL="203040" indent="-199800">
+            <a:pPr marL="203040" indent="-199440">
               <a:lnSpc>
                 <a:spcPts val="5800"/>
               </a:lnSpc>
@@ -15087,9 +15114,9 @@
         <p:grpSpPr>
           <a:xfrm>
             <a:off x="529200" y="690840"/>
-            <a:ext cx="19750320" cy="3258360"/>
+            <a:ext cx="19749960" cy="3258000"/>
             <a:chOff x="529200" y="690840"/>
-            <a:chExt cx="19750320" cy="3258360"/>
+            <a:chExt cx="19749960" cy="3258000"/>
           </a:xfrm>
         </p:grpSpPr>
         <p:sp>
@@ -15101,7 +15128,7 @@
           <p:spPr>
             <a:xfrm>
               <a:off x="529200" y="690840"/>
-              <a:ext cx="19750320" cy="3258360"/>
+              <a:ext cx="19749960" cy="3258000"/>
             </a:xfrm>
             <a:prstGeom prst="rect">
               <a:avLst/>
@@ -15129,7 +15156,7 @@
           <p:spPr>
             <a:xfrm>
               <a:off x="529200" y="848520"/>
-              <a:ext cx="19750320" cy="2943360"/>
+              <a:ext cx="19749960" cy="2943000"/>
             </a:xfrm>
             <a:prstGeom prst="rect">
               <a:avLst/>
@@ -15232,6 +15259,33 @@
       </p:grpSp>
     </p:spTree>
   </p:cSld>
+  <p:timing>
+    <p:tnLst>
+      <p:par>
+        <p:cTn id="33" dur="indefinite" restart="never" nodeType="tmRoot">
+          <p:childTnLst>
+            <p:seq>
+              <p:cTn id="34" dur="indefinite" nodeType="mainSeq"/>
+              <p:prevCondLst>
+                <p:cond delay="0" evt="onPrev">
+                  <p:tgtEl>
+                    <p:sldTgt/>
+                  </p:tgtEl>
+                </p:cond>
+              </p:prevCondLst>
+              <p:nextCondLst>
+                <p:cond delay="0" evt="onNext">
+                  <p:tgtEl>
+                    <p:sldTgt/>
+                  </p:tgtEl>
+                </p:cond>
+              </p:nextCondLst>
+            </p:seq>
+          </p:childTnLst>
+        </p:cTn>
+      </p:par>
+    </p:tnLst>
+  </p:timing>
 </p:sld>
 </file>
 
@@ -15261,7 +15315,7 @@
         <p:spPr>
           <a:xfrm>
             <a:off x="541800" y="318960"/>
-            <a:ext cx="21967920" cy="1128960"/>
+            <a:ext cx="21967560" cy="1128600"/>
           </a:xfrm>
           <a:prstGeom prst="rect">
             <a:avLst/>
@@ -15291,7 +15345,7 @@
               </a:spcBef>
             </a:pPr>
             <a:r>
-              <a:rPr b="1" lang="en-US" sz="5500" spc="-75" strike="noStrike">
+              <a:rPr b="1" lang="en-US" sz="5500" spc="-72" strike="noStrike">
                 <a:solidFill>
                   <a:srgbClr val="000000"/>
                 </a:solidFill>
@@ -15301,7 +15355,7 @@
               <a:t>RDD</a:t>
             </a:r>
             <a:r>
-              <a:rPr b="1" lang="en-US" sz="5500" spc="-75" strike="noStrike">
+              <a:rPr b="1" lang="en-US" sz="5500" spc="-72" strike="noStrike">
                 <a:solidFill>
                   <a:srgbClr val="000000"/>
                 </a:solidFill>
@@ -15325,7 +15379,7 @@
         <p:spPr>
           <a:xfrm>
             <a:off x="392760" y="1528560"/>
-            <a:ext cx="23830560" cy="12133800"/>
+            <a:ext cx="23830200" cy="12133440"/>
           </a:xfrm>
           <a:prstGeom prst="rect">
             <a:avLst/>
@@ -15355,7 +15409,7 @@
               </a:spcBef>
             </a:pPr>
             <a:r>
-              <a:rPr b="0" lang="en-US" sz="3900" spc="-75" strike="noStrike">
+              <a:rPr b="0" lang="en-US" sz="3900" spc="-72" strike="noStrike">
                 <a:solidFill>
                   <a:srgbClr val="000000"/>
                 </a:solidFill>
@@ -15365,7 +15419,7 @@
               <a:t>RDD</a:t>
             </a:r>
             <a:r>
-              <a:rPr b="0" lang="en-US" sz="3900" spc="-75" strike="noStrike">
+              <a:rPr b="0" lang="en-US" sz="3900" spc="-72" strike="noStrike">
                 <a:solidFill>
                   <a:srgbClr val="000000"/>
                 </a:solidFill>
@@ -15375,7 +15429,7 @@
               <a:t>中不同的操作会使得不同</a:t>
             </a:r>
             <a:r>
-              <a:rPr b="0" lang="en-US" sz="3900" spc="-75" strike="noStrike">
+              <a:rPr b="0" lang="en-US" sz="3900" spc="-72" strike="noStrike">
                 <a:solidFill>
                   <a:srgbClr val="000000"/>
                 </a:solidFill>
@@ -15385,7 +15439,7 @@
               <a:t>RDD</a:t>
             </a:r>
             <a:r>
-              <a:rPr b="0" lang="en-US" sz="3900" spc="-75" strike="noStrike">
+              <a:rPr b="0" lang="en-US" sz="3900" spc="-72" strike="noStrike">
                 <a:solidFill>
                   <a:srgbClr val="000000"/>
                 </a:solidFill>
@@ -15395,7 +15449,7 @@
               <a:t>中的分区会产生不同的依赖。</a:t>
             </a:r>
             <a:r>
-              <a:rPr b="0" lang="en-US" sz="3900" spc="-75" strike="noStrike">
+              <a:rPr b="0" lang="en-US" sz="3900" spc="-72" strike="noStrike">
                 <a:solidFill>
                   <a:srgbClr val="000000"/>
                 </a:solidFill>
@@ -15405,7 +15459,7 @@
               <a:t>RDD</a:t>
             </a:r>
             <a:r>
-              <a:rPr b="0" lang="en-US" sz="3900" spc="-75" strike="noStrike">
+              <a:rPr b="0" lang="en-US" sz="3900" spc="-72" strike="noStrike">
                 <a:solidFill>
                   <a:srgbClr val="000000"/>
                 </a:solidFill>
@@ -15415,7 +15469,7 @@
               <a:t>中的依赖关系分为窄依赖（</a:t>
             </a:r>
             <a:r>
-              <a:rPr b="0" lang="en-US" sz="3900" spc="-75" strike="noStrike">
+              <a:rPr b="0" lang="en-US" sz="3900" spc="-72" strike="noStrike">
                 <a:solidFill>
                   <a:srgbClr val="000000"/>
                 </a:solidFill>
@@ -15425,7 +15479,7 @@
               <a:t>Narrow Dependency</a:t>
             </a:r>
             <a:r>
-              <a:rPr b="0" lang="en-US" sz="3900" spc="-75" strike="noStrike">
+              <a:rPr b="0" lang="en-US" sz="3900" spc="-72" strike="noStrike">
                 <a:solidFill>
                   <a:srgbClr val="000000"/>
                 </a:solidFill>
@@ -15435,7 +15489,7 @@
               <a:t>）与宽依赖（</a:t>
             </a:r>
             <a:r>
-              <a:rPr b="0" lang="en-US" sz="3900" spc="-75" strike="noStrike">
+              <a:rPr b="0" lang="en-US" sz="3900" spc="-72" strike="noStrike">
                 <a:solidFill>
                   <a:srgbClr val="000000"/>
                 </a:solidFill>
@@ -15445,7 +15499,7 @@
               <a:t>Wide Dependency</a:t>
             </a:r>
             <a:r>
-              <a:rPr b="0" lang="en-US" sz="3900" spc="-75" strike="noStrike">
+              <a:rPr b="0" lang="en-US" sz="3900" spc="-72" strike="noStrike">
                 <a:solidFill>
                   <a:srgbClr val="000000"/>
                 </a:solidFill>
@@ -15455,7 +15509,7 @@
               <a:t>）</a:t>
             </a:r>
             <a:r>
-              <a:rPr b="0" lang="en-US" sz="3900" spc="-75" strike="noStrike">
+              <a:rPr b="0" lang="en-US" sz="3900" spc="-72" strike="noStrike">
                 <a:solidFill>
                   <a:srgbClr val="000000"/>
                 </a:solidFill>
@@ -15465,7 +15519,7 @@
               <a:t>,</a:t>
             </a:r>
             <a:r>
-              <a:rPr b="0" lang="en-US" sz="3900" spc="-75" strike="noStrike">
+              <a:rPr b="0" lang="en-US" sz="3900" spc="-72" strike="noStrike">
                 <a:solidFill>
                   <a:srgbClr val="000000"/>
                 </a:solidFill>
@@ -15743,7 +15797,7 @@
         <p:spPr>
           <a:xfrm>
             <a:off x="8914680" y="2912040"/>
-            <a:ext cx="14042160" cy="10470960"/>
+            <a:ext cx="14041800" cy="10470600"/>
           </a:xfrm>
           <a:prstGeom prst="rect">
             <a:avLst/>
@@ -15755,6 +15809,33 @@
       </p:pic>
     </p:spTree>
   </p:cSld>
+  <p:timing>
+    <p:tnLst>
+      <p:par>
+        <p:cTn id="35" dur="indefinite" restart="never" nodeType="tmRoot">
+          <p:childTnLst>
+            <p:seq>
+              <p:cTn id="36" dur="indefinite" nodeType="mainSeq"/>
+              <p:prevCondLst>
+                <p:cond delay="0" evt="onPrev">
+                  <p:tgtEl>
+                    <p:sldTgt/>
+                  </p:tgtEl>
+                </p:cond>
+              </p:prevCondLst>
+              <p:nextCondLst>
+                <p:cond delay="0" evt="onNext">
+                  <p:tgtEl>
+                    <p:sldTgt/>
+                  </p:tgtEl>
+                </p:cond>
+              </p:nextCondLst>
+            </p:seq>
+          </p:childTnLst>
+        </p:cTn>
+      </p:par>
+    </p:tnLst>
+  </p:timing>
 </p:sld>
 </file>
 
@@ -15784,7 +15865,7 @@
         <p:spPr>
           <a:xfrm>
             <a:off x="25920" y="26640"/>
-            <a:ext cx="24328440" cy="8043480"/>
+            <a:ext cx="24328080" cy="8043120"/>
           </a:xfrm>
           <a:prstGeom prst="rect">
             <a:avLst/>
@@ -16076,6 +16157,33 @@
       </p:sp>
     </p:spTree>
   </p:cSld>
+  <p:timing>
+    <p:tnLst>
+      <p:par>
+        <p:cTn id="37" dur="indefinite" restart="never" nodeType="tmRoot">
+          <p:childTnLst>
+            <p:seq>
+              <p:cTn id="38" dur="indefinite" nodeType="mainSeq"/>
+              <p:prevCondLst>
+                <p:cond delay="0" evt="onPrev">
+                  <p:tgtEl>
+                    <p:sldTgt/>
+                  </p:tgtEl>
+                </p:cond>
+              </p:prevCondLst>
+              <p:nextCondLst>
+                <p:cond delay="0" evt="onNext">
+                  <p:tgtEl>
+                    <p:sldTgt/>
+                  </p:tgtEl>
+                </p:cond>
+              </p:nextCondLst>
+            </p:seq>
+          </p:childTnLst>
+        </p:cTn>
+      </p:par>
+    </p:tnLst>
+  </p:timing>
 </p:sld>
 </file>
 
@@ -16105,7 +16213,7 @@
         <p:spPr>
           <a:xfrm>
             <a:off x="9445320" y="651960"/>
-            <a:ext cx="21967920" cy="1431720"/>
+            <a:ext cx="21967560" cy="1431360"/>
           </a:xfrm>
           <a:prstGeom prst="rect">
             <a:avLst/>
@@ -16164,7 +16272,7 @@
         <p:spPr>
           <a:xfrm>
             <a:off x="1206360" y="2550960"/>
-            <a:ext cx="21967920" cy="1083960"/>
+            <a:ext cx="21967560" cy="1083600"/>
           </a:xfrm>
           <a:prstGeom prst="rect">
             <a:avLst/>
@@ -16183,7 +16291,7 @@
         <p:txBody>
           <a:bodyPr lIns="50760" rIns="50760" tIns="50760" bIns="50760"/>
           <a:p>
-            <a:pPr marL="698400" indent="-695160">
+            <a:pPr marL="698400" indent="-694800">
               <a:lnSpc>
                 <a:spcPct val="100000"/>
               </a:lnSpc>
@@ -16198,7 +16306,7 @@
               <a:buChar char=""/>
             </a:pPr>
             <a:r>
-              <a:rPr b="1" lang="en-US" sz="5500" spc="-75" strike="noStrike">
+              <a:rPr b="1" lang="en-US" sz="5500" spc="-72" strike="noStrike">
                 <a:solidFill>
                   <a:srgbClr val="000000"/>
                 </a:solidFill>
@@ -16208,7 +16316,7 @@
               <a:t>什么是</a:t>
             </a:r>
             <a:r>
-              <a:rPr b="1" lang="en-US" sz="5500" spc="-75" strike="noStrike">
+              <a:rPr b="1" lang="en-US" sz="5500" spc="-72" strike="noStrike">
                 <a:solidFill>
                   <a:srgbClr val="000000"/>
                 </a:solidFill>
@@ -16232,7 +16340,7 @@
         <p:spPr>
           <a:xfrm>
             <a:off x="1815120" y="3745440"/>
-            <a:ext cx="21166920" cy="1749960"/>
+            <a:ext cx="21166560" cy="1749600"/>
           </a:xfrm>
           <a:prstGeom prst="rect">
             <a:avLst/>
@@ -16262,7 +16370,7 @@
               </a:spcBef>
             </a:pPr>
             <a:r>
-              <a:rPr b="1" lang="en-US" sz="5300" spc="-75" strike="noStrike">
+              <a:rPr b="1" lang="en-US" sz="5300" spc="-72" strike="noStrike">
                 <a:solidFill>
                   <a:srgbClr val="000000"/>
                 </a:solidFill>
@@ -16272,7 +16380,7 @@
               <a:t>Apache Spark™</a:t>
             </a:r>
             <a:r>
-              <a:rPr b="0" lang="en-US" sz="5300" spc="-75" strike="noStrike">
+              <a:rPr b="0" lang="en-US" sz="5300" spc="-72" strike="noStrike">
                 <a:solidFill>
                   <a:srgbClr val="000000"/>
                 </a:solidFill>
@@ -16296,7 +16404,7 @@
         <p:spPr>
           <a:xfrm>
             <a:off x="1206360" y="6001920"/>
-            <a:ext cx="21967920" cy="1083960"/>
+            <a:ext cx="21967560" cy="1083600"/>
           </a:xfrm>
           <a:prstGeom prst="rect">
             <a:avLst/>
@@ -16317,7 +16425,7 @@
             <a:normAutofit/>
           </a:bodyPr>
           <a:p>
-            <a:pPr marL="698400" indent="-695160">
+            <a:pPr marL="698400" indent="-694800">
               <a:lnSpc>
                 <a:spcPct val="100000"/>
               </a:lnSpc>
@@ -16332,7 +16440,7 @@
               <a:buChar char=""/>
             </a:pPr>
             <a:r>
-              <a:rPr b="1" lang="en-US" sz="5500" spc="-75" strike="noStrike">
+              <a:rPr b="1" lang="en-US" sz="5500" spc="-72" strike="noStrike">
                 <a:solidFill>
                   <a:srgbClr val="000000"/>
                 </a:solidFill>
@@ -16342,7 +16450,7 @@
               <a:t>Spark</a:t>
             </a:r>
             <a:r>
-              <a:rPr b="1" lang="en-US" sz="5500" spc="-75" strike="noStrike">
+              <a:rPr b="1" lang="en-US" sz="5500" spc="-72" strike="noStrike">
                 <a:solidFill>
                   <a:srgbClr val="000000"/>
                 </a:solidFill>
@@ -16366,7 +16474,7 @@
         <p:spPr>
           <a:xfrm>
             <a:off x="1650960" y="7592400"/>
-            <a:ext cx="22349880" cy="5297400"/>
+            <a:ext cx="22349520" cy="5297040"/>
           </a:xfrm>
           <a:prstGeom prst="rect">
             <a:avLst/>
@@ -16387,7 +16495,7 @@
             <a:normAutofit/>
           </a:bodyPr>
           <a:p>
-            <a:pPr marL="774000" indent="-770760">
+            <a:pPr marL="774000" indent="-770400">
               <a:lnSpc>
                 <a:spcPct val="100000"/>
               </a:lnSpc>
@@ -16401,7 +16509,7 @@
               <a:buAutoNum type="arabicPeriod"/>
             </a:pPr>
             <a:r>
-              <a:rPr b="0" lang="en-US" sz="4100" spc="-75" strike="noStrike">
+              <a:rPr b="0" lang="en-US" sz="4100" spc="-72" strike="noStrike">
                 <a:solidFill>
                   <a:srgbClr val="000000"/>
                 </a:solidFill>
@@ -16411,7 +16519,7 @@
               <a:t>2009</a:t>
             </a:r>
             <a:r>
-              <a:rPr b="0" lang="en-US" sz="4100" spc="-75" strike="noStrike">
+              <a:rPr b="0" lang="en-US" sz="4100" spc="-72" strike="noStrike">
                 <a:solidFill>
                   <a:srgbClr val="000000"/>
                 </a:solidFill>
@@ -16421,7 +16529,7 @@
               <a:t>年，</a:t>
             </a:r>
             <a:r>
-              <a:rPr b="0" lang="en-US" sz="4100" spc="-75" strike="noStrike">
+              <a:rPr b="0" lang="en-US" sz="4100" spc="-72" strike="noStrike">
                 <a:solidFill>
                   <a:srgbClr val="000000"/>
                 </a:solidFill>
@@ -16431,7 +16539,7 @@
               <a:t>Spark</a:t>
             </a:r>
             <a:r>
-              <a:rPr b="0" lang="en-US" sz="4100" spc="-75" strike="noStrike">
+              <a:rPr b="0" lang="en-US" sz="4100" spc="-72" strike="noStrike">
                 <a:solidFill>
                   <a:srgbClr val="000000"/>
                 </a:solidFill>
@@ -16441,7 +16549,7 @@
               <a:t>诞生于美国加州大学伯克利分校 </a:t>
             </a:r>
             <a:r>
-              <a:rPr b="0" lang="en-US" sz="4100" spc="-75" strike="noStrike">
+              <a:rPr b="0" lang="en-US" sz="4100" spc="-72" strike="noStrike">
                 <a:solidFill>
                   <a:srgbClr val="000000"/>
                 </a:solidFill>
@@ -16451,7 +16559,7 @@
               <a:t>(UC Berkeley) </a:t>
             </a:r>
             <a:r>
-              <a:rPr b="0" lang="en-US" sz="4100" spc="-75" strike="noStrike">
+              <a:rPr b="0" lang="en-US" sz="4100" spc="-72" strike="noStrike">
                 <a:solidFill>
                   <a:srgbClr val="000000"/>
                 </a:solidFill>
@@ -16461,7 +16569,7 @@
               <a:t>的</a:t>
             </a:r>
             <a:r>
-              <a:rPr b="0" lang="en-US" sz="4100" spc="-75" strike="noStrike">
+              <a:rPr b="0" lang="en-US" sz="4100" spc="-72" strike="noStrike">
                 <a:solidFill>
                   <a:srgbClr val="000000"/>
                 </a:solidFill>
@@ -16471,7 +16579,7 @@
               <a:t>AMP (Algorithms, Machines and People) </a:t>
             </a:r>
             <a:r>
-              <a:rPr b="0" lang="en-US" sz="4100" spc="-75" strike="noStrike">
+              <a:rPr b="0" lang="en-US" sz="4100" spc="-72" strike="noStrike">
                 <a:solidFill>
                   <a:srgbClr val="000000"/>
                 </a:solidFill>
@@ -16481,7 +16589,7 @@
               <a:t>实验室，项目采用</a:t>
             </a:r>
             <a:r>
-              <a:rPr b="0" lang="en-US" sz="4100" spc="-75" strike="noStrike">
+              <a:rPr b="0" lang="en-US" sz="4100" spc="-72" strike="noStrike">
                 <a:solidFill>
                   <a:srgbClr val="000000"/>
                 </a:solidFill>
@@ -16491,7 +16599,7 @@
               <a:t>Scala</a:t>
             </a:r>
             <a:r>
-              <a:rPr b="0" lang="en-US" sz="4100" spc="-75" strike="noStrike">
+              <a:rPr b="0" lang="en-US" sz="4100" spc="-72" strike="noStrike">
                 <a:solidFill>
                   <a:srgbClr val="000000"/>
                 </a:solidFill>
@@ -16505,7 +16613,7 @@
             </a:endParaRPr>
           </a:p>
           <a:p>
-            <a:pPr marL="774000" indent="-770760">
+            <a:pPr marL="774000" indent="-770400">
               <a:lnSpc>
                 <a:spcPct val="100000"/>
               </a:lnSpc>
@@ -16519,7 +16627,7 @@
               <a:buAutoNum type="arabicPeriod"/>
             </a:pPr>
             <a:r>
-              <a:rPr b="0" lang="en-US" sz="4100" spc="-75" strike="noStrike">
+              <a:rPr b="0" lang="en-US" sz="4100" spc="-72" strike="noStrike">
                 <a:solidFill>
                   <a:srgbClr val="000000"/>
                 </a:solidFill>
@@ -16529,7 +16637,7 @@
               <a:t>2010</a:t>
             </a:r>
             <a:r>
-              <a:rPr b="0" lang="en-US" sz="4100" spc="-75" strike="noStrike">
+              <a:rPr b="0" lang="en-US" sz="4100" spc="-72" strike="noStrike">
                 <a:solidFill>
                   <a:srgbClr val="000000"/>
                 </a:solidFill>
@@ -16539,7 +16647,7 @@
               <a:t>年，</a:t>
             </a:r>
             <a:r>
-              <a:rPr b="0" lang="en-US" sz="4100" spc="-75" strike="noStrike">
+              <a:rPr b="0" lang="en-US" sz="4100" spc="-72" strike="noStrike">
                 <a:solidFill>
                   <a:srgbClr val="000000"/>
                 </a:solidFill>
@@ -16549,7 +16657,7 @@
               <a:t>Spark </a:t>
             </a:r>
             <a:r>
-              <a:rPr b="0" lang="en-US" sz="4100" spc="-75" strike="noStrike">
+              <a:rPr b="0" lang="en-US" sz="4100" spc="-72" strike="noStrike">
                 <a:solidFill>
                   <a:srgbClr val="000000"/>
                 </a:solidFill>
@@ -16563,7 +16671,7 @@
             </a:endParaRPr>
           </a:p>
           <a:p>
-            <a:pPr marL="774000" indent="-770760">
+            <a:pPr marL="774000" indent="-770400">
               <a:lnSpc>
                 <a:spcPct val="100000"/>
               </a:lnSpc>
@@ -16577,7 +16685,7 @@
               <a:buAutoNum type="arabicPeriod"/>
             </a:pPr>
             <a:r>
-              <a:rPr b="0" lang="en-US" sz="4100" spc="-75" strike="noStrike">
+              <a:rPr b="0" lang="en-US" sz="4100" spc="-72" strike="noStrike">
                 <a:solidFill>
                   <a:srgbClr val="000000"/>
                 </a:solidFill>
@@ -16587,7 +16695,7 @@
               <a:t>2013</a:t>
             </a:r>
             <a:r>
-              <a:rPr b="0" lang="en-US" sz="4100" spc="-75" strike="noStrike">
+              <a:rPr b="0" lang="en-US" sz="4100" spc="-72" strike="noStrike">
                 <a:solidFill>
                   <a:srgbClr val="000000"/>
                 </a:solidFill>
@@ -16597,7 +16705,7 @@
               <a:t>年，</a:t>
             </a:r>
             <a:r>
-              <a:rPr b="0" lang="en-US" sz="4100" spc="-75" strike="noStrike">
+              <a:rPr b="0" lang="en-US" sz="4100" spc="-72" strike="noStrike">
                 <a:solidFill>
                   <a:srgbClr val="000000"/>
                 </a:solidFill>
@@ -16607,7 +16715,7 @@
               <a:t>Spark</a:t>
             </a:r>
             <a:r>
-              <a:rPr b="0" lang="en-US" sz="4100" spc="-75" strike="noStrike">
+              <a:rPr b="0" lang="en-US" sz="4100" spc="-72" strike="noStrike">
                 <a:solidFill>
                   <a:srgbClr val="000000"/>
                 </a:solidFill>
@@ -16617,7 +16725,7 @@
               <a:t>加入</a:t>
             </a:r>
             <a:r>
-              <a:rPr b="0" lang="en-US" sz="4100" spc="-75" strike="noStrike">
+              <a:rPr b="0" lang="en-US" sz="4100" spc="-72" strike="noStrike">
                 <a:solidFill>
                   <a:srgbClr val="000000"/>
                 </a:solidFill>
@@ -16627,7 +16735,7 @@
               <a:t>Apache</a:t>
             </a:r>
             <a:r>
-              <a:rPr b="0" lang="en-US" sz="4100" spc="-75" strike="noStrike">
+              <a:rPr b="0" lang="en-US" sz="4100" spc="-72" strike="noStrike">
                 <a:solidFill>
                   <a:srgbClr val="000000"/>
                 </a:solidFill>
@@ -16641,7 +16749,7 @@
             </a:endParaRPr>
           </a:p>
           <a:p>
-            <a:pPr marL="774000" indent="-770760">
+            <a:pPr marL="774000" indent="-770400">
               <a:lnSpc>
                 <a:spcPct val="100000"/>
               </a:lnSpc>
@@ -16655,7 +16763,7 @@
               <a:buAutoNum type="arabicPeriod"/>
             </a:pPr>
             <a:r>
-              <a:rPr b="0" lang="en-US" sz="4100" spc="-75" strike="noStrike">
+              <a:rPr b="0" lang="en-US" sz="4100" spc="-72" strike="noStrike">
                 <a:solidFill>
                   <a:srgbClr val="000000"/>
                 </a:solidFill>
@@ -16665,7 +16773,7 @@
               <a:t>如今，成为</a:t>
             </a:r>
             <a:r>
-              <a:rPr b="0" lang="en-US" sz="4100" spc="-75" strike="noStrike">
+              <a:rPr b="0" lang="en-US" sz="4100" spc="-72" strike="noStrike">
                 <a:solidFill>
                   <a:srgbClr val="000000"/>
                 </a:solidFill>
@@ -16675,7 +16783,7 @@
               <a:t>Apache</a:t>
             </a:r>
             <a:r>
-              <a:rPr b="0" lang="en-US" sz="4100" spc="-75" strike="noStrike">
+              <a:rPr b="0" lang="en-US" sz="4100" spc="-72" strike="noStrike">
                 <a:solidFill>
                   <a:srgbClr val="000000"/>
                 </a:solidFill>
@@ -16685,7 +16793,7 @@
               <a:t>的最重要的三大分布式计算系统开源项目之一（</a:t>
             </a:r>
             <a:r>
-              <a:rPr b="0" lang="en-US" sz="4100" spc="-75" strike="noStrike">
+              <a:rPr b="0" lang="en-US" sz="4100" spc="-72" strike="noStrike">
                 <a:solidFill>
                   <a:srgbClr val="000000"/>
                 </a:solidFill>
@@ -16695,7 +16803,7 @@
               <a:t>Hadoop</a:t>
             </a:r>
             <a:r>
-              <a:rPr b="0" lang="en-US" sz="4100" spc="-75" strike="noStrike">
+              <a:rPr b="0" lang="en-US" sz="4100" spc="-72" strike="noStrike">
                 <a:solidFill>
                   <a:srgbClr val="000000"/>
                 </a:solidFill>
@@ -16705,7 +16813,7 @@
               <a:t>、</a:t>
             </a:r>
             <a:r>
-              <a:rPr b="0" lang="en-US" sz="4100" spc="-75" strike="noStrike">
+              <a:rPr b="0" lang="en-US" sz="4100" spc="-72" strike="noStrike">
                 <a:solidFill>
                   <a:srgbClr val="000000"/>
                 </a:solidFill>
@@ -16715,7 +16823,7 @@
               <a:t>Spark</a:t>
             </a:r>
             <a:r>
-              <a:rPr b="0" lang="en-US" sz="4100" spc="-75" strike="noStrike">
+              <a:rPr b="0" lang="en-US" sz="4100" spc="-72" strike="noStrike">
                 <a:solidFill>
                   <a:srgbClr val="000000"/>
                 </a:solidFill>
@@ -16725,7 +16833,7 @@
               <a:t>、</a:t>
             </a:r>
             <a:r>
-              <a:rPr b="0" lang="en-US" sz="4100" spc="-75" strike="noStrike">
+              <a:rPr b="0" lang="en-US" sz="4100" spc="-72" strike="noStrike">
                 <a:solidFill>
                   <a:srgbClr val="000000"/>
                 </a:solidFill>
@@ -16735,7 +16843,7 @@
               <a:t>Storm</a:t>
             </a:r>
             <a:r>
-              <a:rPr b="0" lang="en-US" sz="4100" spc="-75" strike="noStrike">
+              <a:rPr b="0" lang="en-US" sz="4100" spc="-72" strike="noStrike">
                 <a:solidFill>
                   <a:srgbClr val="000000"/>
                 </a:solidFill>
@@ -16749,7 +16857,7 @@
             </a:endParaRPr>
           </a:p>
           <a:p>
-            <a:pPr marL="774000" indent="-770760">
+            <a:pPr marL="774000" indent="-770400">
               <a:lnSpc>
                 <a:spcPct val="100000"/>
               </a:lnSpc>
@@ -16763,7 +16871,7 @@
               <a:buAutoNum type="arabicPeriod"/>
             </a:pPr>
             <a:r>
-              <a:rPr b="0" lang="en-US" sz="4100" spc="-75" strike="noStrike">
+              <a:rPr b="0" lang="en-US" sz="4100" spc="-72" strike="noStrike">
                 <a:solidFill>
                   <a:srgbClr val="000000"/>
                 </a:solidFill>
@@ -16773,7 +16881,7 @@
               <a:t>当前版本已经更新到</a:t>
             </a:r>
             <a:r>
-              <a:rPr b="0" lang="en-US" sz="4100" spc="-75" strike="noStrike">
+              <a:rPr b="0" lang="en-US" sz="4100" spc="-72" strike="noStrike">
                 <a:solidFill>
                   <a:srgbClr val="000000"/>
                 </a:solidFill>
@@ -16846,7 +16954,7 @@
         <p:spPr>
           <a:xfrm>
             <a:off x="91440" y="-91440"/>
-            <a:ext cx="8526240" cy="11122560"/>
+            <a:ext cx="8525880" cy="11122200"/>
           </a:xfrm>
           <a:prstGeom prst="rect">
             <a:avLst/>
@@ -17275,7 +17383,7 @@
         <p:spPr>
           <a:xfrm>
             <a:off x="8769240" y="1365120"/>
-            <a:ext cx="15231960" cy="9252720"/>
+            <a:ext cx="15231600" cy="9252360"/>
           </a:xfrm>
           <a:prstGeom prst="rect">
             <a:avLst/>
@@ -17294,7 +17402,7 @@
         <p:spPr>
           <a:xfrm>
             <a:off x="141120" y="10881360"/>
-            <a:ext cx="23081760" cy="2841120"/>
+            <a:ext cx="23081400" cy="2840760"/>
           </a:xfrm>
           <a:prstGeom prst="rect">
             <a:avLst/>
@@ -17659,6 +17767,33 @@
       </p:sp>
     </p:spTree>
   </p:cSld>
+  <p:timing>
+    <p:tnLst>
+      <p:par>
+        <p:cTn id="39" dur="indefinite" restart="never" nodeType="tmRoot">
+          <p:childTnLst>
+            <p:seq>
+              <p:cTn id="40" dur="indefinite" nodeType="mainSeq"/>
+              <p:prevCondLst>
+                <p:cond delay="0" evt="onPrev">
+                  <p:tgtEl>
+                    <p:sldTgt/>
+                  </p:tgtEl>
+                </p:cond>
+              </p:prevCondLst>
+              <p:nextCondLst>
+                <p:cond delay="0" evt="onNext">
+                  <p:tgtEl>
+                    <p:sldTgt/>
+                  </p:tgtEl>
+                </p:cond>
+              </p:nextCondLst>
+            </p:seq>
+          </p:childTnLst>
+        </p:cTn>
+      </p:par>
+    </p:tnLst>
+  </p:timing>
 </p:sld>
 </file>
 
@@ -17688,7 +17823,7 @@
         <p:spPr>
           <a:xfrm>
             <a:off x="19080" y="36000"/>
-            <a:ext cx="24342840" cy="5788800"/>
+            <a:ext cx="24342480" cy="5788440"/>
           </a:xfrm>
           <a:prstGeom prst="rect">
             <a:avLst/>
@@ -18110,7 +18245,7 @@
         <p:spPr>
           <a:xfrm>
             <a:off x="1920240" y="6035040"/>
-            <a:ext cx="19437480" cy="7565760"/>
+            <a:ext cx="19437120" cy="7565400"/>
           </a:xfrm>
           <a:prstGeom prst="rect">
             <a:avLst/>
@@ -18122,6 +18257,33 @@
       </p:pic>
     </p:spTree>
   </p:cSld>
+  <p:timing>
+    <p:tnLst>
+      <p:par>
+        <p:cTn id="41" dur="indefinite" restart="never" nodeType="tmRoot">
+          <p:childTnLst>
+            <p:seq>
+              <p:cTn id="42" dur="indefinite" nodeType="mainSeq"/>
+              <p:prevCondLst>
+                <p:cond delay="0" evt="onPrev">
+                  <p:tgtEl>
+                    <p:sldTgt/>
+                  </p:tgtEl>
+                </p:cond>
+              </p:prevCondLst>
+              <p:nextCondLst>
+                <p:cond delay="0" evt="onNext">
+                  <p:tgtEl>
+                    <p:sldTgt/>
+                  </p:tgtEl>
+                </p:cond>
+              </p:nextCondLst>
+            </p:seq>
+          </p:childTnLst>
+        </p:cTn>
+      </p:par>
+    </p:tnLst>
+  </p:timing>
 </p:sld>
 </file>
 
@@ -18151,7 +18313,7 @@
         <p:spPr>
           <a:xfrm>
             <a:off x="545760" y="1736640"/>
-            <a:ext cx="23621760" cy="8124480"/>
+            <a:ext cx="23621400" cy="8124120"/>
           </a:xfrm>
           <a:prstGeom prst="rect">
             <a:avLst/>
@@ -18615,6 +18777,33 @@
       </p:sp>
     </p:spTree>
   </p:cSld>
+  <p:timing>
+    <p:tnLst>
+      <p:par>
+        <p:cTn id="43" dur="indefinite" restart="never" nodeType="tmRoot">
+          <p:childTnLst>
+            <p:seq>
+              <p:cTn id="44" dur="indefinite" nodeType="mainSeq"/>
+              <p:prevCondLst>
+                <p:cond delay="0" evt="onPrev">
+                  <p:tgtEl>
+                    <p:sldTgt/>
+                  </p:tgtEl>
+                </p:cond>
+              </p:prevCondLst>
+              <p:nextCondLst>
+                <p:cond delay="0" evt="onNext">
+                  <p:tgtEl>
+                    <p:sldTgt/>
+                  </p:tgtEl>
+                </p:cond>
+              </p:nextCondLst>
+            </p:seq>
+          </p:childTnLst>
+        </p:cTn>
+      </p:par>
+    </p:tnLst>
+  </p:timing>
 </p:sld>
 </file>
 
@@ -18644,7 +18833,7 @@
         <p:spPr>
           <a:xfrm>
             <a:off x="379440" y="537840"/>
-            <a:ext cx="23621760" cy="7438680"/>
+            <a:ext cx="23621400" cy="7438320"/>
           </a:xfrm>
           <a:prstGeom prst="rect">
             <a:avLst/>
@@ -18959,6 +19148,33 @@
       </p:sp>
     </p:spTree>
   </p:cSld>
+  <p:timing>
+    <p:tnLst>
+      <p:par>
+        <p:cTn id="45" dur="indefinite" restart="never" nodeType="tmRoot">
+          <p:childTnLst>
+            <p:seq>
+              <p:cTn id="46" dur="indefinite" nodeType="mainSeq"/>
+              <p:prevCondLst>
+                <p:cond delay="0" evt="onPrev">
+                  <p:tgtEl>
+                    <p:sldTgt/>
+                  </p:tgtEl>
+                </p:cond>
+              </p:prevCondLst>
+              <p:nextCondLst>
+                <p:cond delay="0" evt="onNext">
+                  <p:tgtEl>
+                    <p:sldTgt/>
+                  </p:tgtEl>
+                </p:cond>
+              </p:nextCondLst>
+            </p:seq>
+          </p:childTnLst>
+        </p:cTn>
+      </p:par>
+    </p:tnLst>
+  </p:timing>
 </p:sld>
 </file>
 
@@ -18988,7 +19204,7 @@
         <p:spPr>
           <a:xfrm>
             <a:off x="110160" y="1279440"/>
-            <a:ext cx="24160320" cy="4060800"/>
+            <a:ext cx="24159960" cy="4060440"/>
           </a:xfrm>
           <a:prstGeom prst="rect">
             <a:avLst/>
@@ -19154,9 +19370,9 @@
         <p:grpSpPr>
           <a:xfrm>
             <a:off x="239040" y="5439600"/>
-            <a:ext cx="20775600" cy="4700880"/>
+            <a:ext cx="20775240" cy="4700520"/>
             <a:chOff x="239040" y="5439600"/>
-            <a:chExt cx="20775600" cy="4700880"/>
+            <a:chExt cx="20775240" cy="4700520"/>
           </a:xfrm>
         </p:grpSpPr>
         <p:sp>
@@ -19168,7 +19384,7 @@
           <p:spPr>
             <a:xfrm>
               <a:off x="239040" y="5439600"/>
-              <a:ext cx="20775600" cy="4700880"/>
+              <a:ext cx="20775240" cy="4700520"/>
             </a:xfrm>
             <a:prstGeom prst="rect">
               <a:avLst/>
@@ -19196,7 +19412,7 @@
           <p:spPr>
             <a:xfrm>
               <a:off x="239040" y="5798160"/>
-              <a:ext cx="20775600" cy="3983760"/>
+              <a:ext cx="20775240" cy="3983400"/>
             </a:xfrm>
             <a:prstGeom prst="rect">
               <a:avLst/>
@@ -19215,7 +19431,7 @@
           <p:txBody>
             <a:bodyPr lIns="50760" rIns="50760" tIns="50760" bIns="50760" anchor="ctr"/>
             <a:p>
-              <a:pPr marL="457200" indent="-314280">
+              <a:pPr marL="457200" indent="-313920">
                 <a:lnSpc>
                   <a:spcPts val="5100"/>
                 </a:lnSpc>
@@ -19300,7 +19516,7 @@
               </a:endParaRPr>
             </a:p>
             <a:p>
-              <a:pPr marL="457200" indent="-314280">
+              <a:pPr marL="457200" indent="-313920">
                 <a:lnSpc>
                   <a:spcPts val="5100"/>
                 </a:lnSpc>
@@ -19325,7 +19541,7 @@
               </a:endParaRPr>
             </a:p>
             <a:p>
-              <a:pPr marL="457200" indent="-314280">
+              <a:pPr marL="457200" indent="-313920">
                 <a:lnSpc>
                   <a:spcPts val="5100"/>
                 </a:lnSpc>
@@ -19380,7 +19596,7 @@
               </a:endParaRPr>
             </a:p>
             <a:p>
-              <a:pPr marL="457200" indent="-314280">
+              <a:pPr marL="457200" indent="-313920">
                 <a:lnSpc>
                   <a:spcPts val="5100"/>
                 </a:lnSpc>
@@ -19405,7 +19621,7 @@
               </a:endParaRPr>
             </a:p>
             <a:p>
-              <a:pPr marL="457200" indent="-314280">
+              <a:pPr marL="457200" indent="-313920">
                 <a:lnSpc>
                   <a:spcPts val="5100"/>
                 </a:lnSpc>
@@ -19480,7 +19696,7 @@
               </a:endParaRPr>
             </a:p>
             <a:p>
-              <a:pPr marL="457200" indent="-314280">
+              <a:pPr marL="457200" indent="-313920">
                 <a:lnSpc>
                   <a:spcPts val="5100"/>
                 </a:lnSpc>
@@ -19552,10 +19768,10 @@
   <p:timing>
     <p:tnLst>
       <p:par>
-        <p:cTn id="31" dur="indefinite" restart="never" nodeType="tmRoot">
+        <p:cTn id="47" dur="indefinite" restart="never" nodeType="tmRoot">
           <p:childTnLst>
             <p:seq>
-              <p:cTn id="32" dur="indefinite" nodeType="mainSeq"/>
+              <p:cTn id="48" dur="indefinite" nodeType="mainSeq"/>
               <p:prevCondLst>
                 <p:cond delay="0" evt="onPrev">
                   <p:tgtEl>
@@ -19605,7 +19821,7 @@
         <p:spPr>
           <a:xfrm>
             <a:off x="110160" y="471960"/>
-            <a:ext cx="24160320" cy="10564920"/>
+            <a:ext cx="24159960" cy="10564560"/>
           </a:xfrm>
           <a:prstGeom prst="rect">
             <a:avLst/>
@@ -20050,7 +20266,7 @@
         <p:spPr>
           <a:xfrm>
             <a:off x="110160" y="6091560"/>
-            <a:ext cx="24160320" cy="5244120"/>
+            <a:ext cx="24159960" cy="5243760"/>
           </a:xfrm>
           <a:prstGeom prst="rect">
             <a:avLst/>
@@ -20071,7 +20287,7 @@
         <p:txBody>
           <a:bodyPr lIns="50760" rIns="50760" tIns="50760" bIns="50760" anchor="ctr"/>
           <a:p>
-            <a:pPr marL="457200" indent="-314280">
+            <a:pPr marL="457200" indent="-313920">
               <a:lnSpc>
                 <a:spcPts val="5601"/>
               </a:lnSpc>
@@ -20156,7 +20372,7 @@
             </a:endParaRPr>
           </a:p>
           <a:p>
-            <a:pPr marL="457200" indent="-314280">
+            <a:pPr marL="457200" indent="-313920">
               <a:lnSpc>
                 <a:spcPts val="5601"/>
               </a:lnSpc>
@@ -20181,7 +20397,7 @@
             </a:endParaRPr>
           </a:p>
           <a:p>
-            <a:pPr marL="457200" indent="-314280">
+            <a:pPr marL="457200" indent="-313920">
               <a:lnSpc>
                 <a:spcPts val="5601"/>
               </a:lnSpc>
@@ -20276,7 +20492,7 @@
             </a:endParaRPr>
           </a:p>
           <a:p>
-            <a:pPr marL="457200" indent="-314280">
+            <a:pPr marL="457200" indent="-313920">
               <a:lnSpc>
                 <a:spcPts val="5601"/>
               </a:lnSpc>
@@ -20371,7 +20587,7 @@
             </a:endParaRPr>
           </a:p>
           <a:p>
-            <a:pPr marL="457200" indent="-314280">
+            <a:pPr marL="457200" indent="-313920">
               <a:lnSpc>
                 <a:spcPts val="5601"/>
               </a:lnSpc>
@@ -20396,7 +20612,7 @@
             </a:endParaRPr>
           </a:p>
           <a:p>
-            <a:pPr marL="457200" indent="-314280">
+            <a:pPr marL="457200" indent="-313920">
               <a:lnSpc>
                 <a:spcPts val="5601"/>
               </a:lnSpc>
@@ -20481,7 +20697,7 @@
             </a:endParaRPr>
           </a:p>
           <a:p>
-            <a:pPr marL="457200" indent="-314280">
+            <a:pPr marL="457200" indent="-313920">
               <a:lnSpc>
                 <a:spcPts val="5601"/>
               </a:lnSpc>
@@ -20556,7 +20772,7 @@
         <p:spPr>
           <a:xfrm>
             <a:off x="110160" y="11466360"/>
-            <a:ext cx="10620000" cy="783720"/>
+            <a:ext cx="10619640" cy="783360"/>
           </a:xfrm>
           <a:prstGeom prst="rect">
             <a:avLst/>
@@ -20644,10 +20860,10 @@
   <p:timing>
     <p:tnLst>
       <p:par>
-        <p:cTn id="33" dur="indefinite" restart="never" nodeType="tmRoot">
+        <p:cTn id="49" dur="indefinite" restart="never" nodeType="tmRoot">
           <p:childTnLst>
             <p:seq>
-              <p:cTn id="34" dur="indefinite" nodeType="mainSeq"/>
+              <p:cTn id="50" dur="indefinite" nodeType="mainSeq"/>
               <p:prevCondLst>
                 <p:cond delay="0" evt="onPrev">
                   <p:tgtEl>
@@ -20697,7 +20913,7 @@
         <p:spPr>
           <a:xfrm>
             <a:off x="1206360" y="532800"/>
-            <a:ext cx="21967920" cy="1128960"/>
+            <a:ext cx="21967560" cy="1128600"/>
           </a:xfrm>
           <a:prstGeom prst="rect">
             <a:avLst/>
@@ -20716,7 +20932,7 @@
         <p:txBody>
           <a:bodyPr lIns="50760" rIns="50760" tIns="50760" bIns="50760"/>
           <a:p>
-            <a:pPr marL="698400" indent="-695160">
+            <a:pPr marL="698400" indent="-694800">
               <a:lnSpc>
                 <a:spcPct val="100000"/>
               </a:lnSpc>
@@ -20731,7 +20947,7 @@
               <a:buChar char=""/>
             </a:pPr>
             <a:r>
-              <a:rPr b="1" lang="en-US" sz="5500" spc="-75" strike="noStrike">
+              <a:rPr b="1" lang="en-US" sz="5500" spc="-72" strike="noStrike">
                 <a:solidFill>
                   <a:srgbClr val="000000"/>
                 </a:solidFill>
@@ -20755,7 +20971,7 @@
         <p:spPr>
           <a:xfrm>
             <a:off x="1650960" y="1860840"/>
-            <a:ext cx="22349880" cy="3223800"/>
+            <a:ext cx="22349520" cy="3223440"/>
           </a:xfrm>
           <a:prstGeom prst="rect">
             <a:avLst/>
@@ -20785,7 +21001,7 @@
               </a:spcBef>
             </a:pPr>
             <a:r>
-              <a:rPr b="0" lang="en-US" sz="4100" spc="-75" strike="noStrike">
+              <a:rPr b="0" lang="en-US" sz="4100" spc="-72" strike="noStrike">
                 <a:solidFill>
                   <a:srgbClr val="000000"/>
                 </a:solidFill>
@@ -20795,7 +21011,7 @@
               <a:t>Spark SQL</a:t>
             </a:r>
             <a:r>
-              <a:rPr b="0" lang="en-US" sz="4100" spc="-75" strike="noStrike">
+              <a:rPr b="0" lang="en-US" sz="4100" spc="-72" strike="noStrike">
                 <a:solidFill>
                   <a:srgbClr val="000000"/>
                 </a:solidFill>
@@ -20805,7 +21021,7 @@
               <a:t>是</a:t>
             </a:r>
             <a:r>
-              <a:rPr b="0" lang="en-US" sz="4100" spc="-75" strike="noStrike">
+              <a:rPr b="0" lang="en-US" sz="4100" spc="-72" strike="noStrike">
                 <a:solidFill>
                   <a:srgbClr val="000000"/>
                 </a:solidFill>
@@ -20815,7 +21031,7 @@
               <a:t>Spark</a:t>
             </a:r>
             <a:r>
-              <a:rPr b="0" lang="en-US" sz="4100" spc="-75" strike="noStrike">
+              <a:rPr b="0" lang="en-US" sz="4100" spc="-72" strike="noStrike">
                 <a:solidFill>
                   <a:srgbClr val="000000"/>
                 </a:solidFill>
@@ -20825,7 +21041,7 @@
               <a:t>生态系统中非常重要的组件，其前身为</a:t>
             </a:r>
             <a:r>
-              <a:rPr b="0" lang="en-US" sz="4100" spc="-75" strike="noStrike">
+              <a:rPr b="0" lang="en-US" sz="4100" spc="-72" strike="noStrike">
                 <a:solidFill>
                   <a:srgbClr val="000000"/>
                 </a:solidFill>
@@ -20835,7 +21051,7 @@
               <a:t>Shark</a:t>
             </a:r>
             <a:r>
-              <a:rPr b="0" lang="en-US" sz="4100" spc="-75" strike="noStrike">
+              <a:rPr b="0" lang="en-US" sz="4100" spc="-72" strike="noStrike">
                 <a:solidFill>
                   <a:srgbClr val="000000"/>
                 </a:solidFill>
@@ -20845,7 +21061,7 @@
               <a:t>。</a:t>
             </a:r>
             <a:r>
-              <a:rPr b="0" lang="en-US" sz="4100" spc="-75" strike="noStrike">
+              <a:rPr b="0" lang="en-US" sz="4100" spc="-72" strike="noStrike">
                 <a:solidFill>
                   <a:srgbClr val="000000"/>
                 </a:solidFill>
@@ -20855,7 +21071,7 @@
               <a:t>Shark</a:t>
             </a:r>
             <a:r>
-              <a:rPr b="0" lang="en-US" sz="4100" spc="-75" strike="noStrike">
+              <a:rPr b="0" lang="en-US" sz="4100" spc="-72" strike="noStrike">
                 <a:solidFill>
                   <a:srgbClr val="000000"/>
                 </a:solidFill>
@@ -20865,7 +21081,7 @@
               <a:t>是</a:t>
             </a:r>
             <a:r>
-              <a:rPr b="0" lang="en-US" sz="4100" spc="-75" strike="noStrike">
+              <a:rPr b="0" lang="en-US" sz="4100" spc="-72" strike="noStrike">
                 <a:solidFill>
                   <a:srgbClr val="000000"/>
                 </a:solidFill>
@@ -20875,7 +21091,7 @@
               <a:t>Spark</a:t>
             </a:r>
             <a:r>
-              <a:rPr b="0" lang="en-US" sz="4100" spc="-75" strike="noStrike">
+              <a:rPr b="0" lang="en-US" sz="4100" spc="-72" strike="noStrike">
                 <a:solidFill>
                   <a:srgbClr val="000000"/>
                 </a:solidFill>
@@ -20885,7 +21101,7 @@
               <a:t>上的数据仓库，最初设计成与</a:t>
             </a:r>
             <a:r>
-              <a:rPr b="0" lang="en-US" sz="4100" spc="-75" strike="noStrike">
+              <a:rPr b="0" lang="en-US" sz="4100" spc="-72" strike="noStrike">
                 <a:solidFill>
                   <a:srgbClr val="000000"/>
                 </a:solidFill>
@@ -20895,7 +21111,7 @@
               <a:t>Hive</a:t>
             </a:r>
             <a:r>
-              <a:rPr b="0" lang="en-US" sz="4100" spc="-75" strike="noStrike">
+              <a:rPr b="0" lang="en-US" sz="4100" spc="-72" strike="noStrike">
                 <a:solidFill>
                   <a:srgbClr val="000000"/>
                 </a:solidFill>
@@ -20905,7 +21121,7 @@
               <a:t>兼容，但是该项目于</a:t>
             </a:r>
             <a:r>
-              <a:rPr b="0" lang="en-US" sz="4100" spc="-75" strike="noStrike">
+              <a:rPr b="0" lang="en-US" sz="4100" spc="-72" strike="noStrike">
                 <a:solidFill>
                   <a:srgbClr val="000000"/>
                 </a:solidFill>
@@ -20915,7 +21131,7 @@
               <a:t>2014</a:t>
             </a:r>
             <a:r>
-              <a:rPr b="0" lang="en-US" sz="4100" spc="-75" strike="noStrike">
+              <a:rPr b="0" lang="en-US" sz="4100" spc="-72" strike="noStrike">
                 <a:solidFill>
                   <a:srgbClr val="000000"/>
                 </a:solidFill>
@@ -20925,7 +21141,7 @@
               <a:t>年开始停止开发，转向</a:t>
             </a:r>
             <a:r>
-              <a:rPr b="0" lang="en-US" sz="4100" spc="-75" strike="noStrike">
+              <a:rPr b="0" lang="en-US" sz="4100" spc="-72" strike="noStrike">
                 <a:solidFill>
                   <a:srgbClr val="000000"/>
                 </a:solidFill>
@@ -20935,7 +21151,7 @@
               <a:t>Spark SQL</a:t>
             </a:r>
             <a:r>
-              <a:rPr b="0" lang="en-US" sz="4100" spc="-75" strike="noStrike">
+              <a:rPr b="0" lang="en-US" sz="4100" spc="-72" strike="noStrike">
                 <a:solidFill>
                   <a:srgbClr val="000000"/>
                 </a:solidFill>
@@ -20945,7 +21161,7 @@
               <a:t>。</a:t>
             </a:r>
             <a:r>
-              <a:rPr b="0" lang="en-US" sz="4100" spc="-75" strike="noStrike">
+              <a:rPr b="0" lang="en-US" sz="4100" spc="-72" strike="noStrike">
                 <a:solidFill>
                   <a:srgbClr val="000000"/>
                 </a:solidFill>
@@ -20955,7 +21171,7 @@
               <a:t>Spark SQL</a:t>
             </a:r>
             <a:r>
-              <a:rPr b="0" lang="en-US" sz="4100" spc="-75" strike="noStrike">
+              <a:rPr b="0" lang="en-US" sz="4100" spc="-72" strike="noStrike">
                 <a:solidFill>
                   <a:srgbClr val="000000"/>
                 </a:solidFill>
@@ -20965,7 +21181,7 @@
               <a:t>全面继承了</a:t>
             </a:r>
             <a:r>
-              <a:rPr b="0" lang="en-US" sz="4100" spc="-75" strike="noStrike">
+              <a:rPr b="0" lang="en-US" sz="4100" spc="-72" strike="noStrike">
                 <a:solidFill>
                   <a:srgbClr val="000000"/>
                 </a:solidFill>
@@ -20975,7 +21191,7 @@
               <a:t>Shark</a:t>
             </a:r>
             <a:r>
-              <a:rPr b="0" lang="en-US" sz="4100" spc="-75" strike="noStrike">
+              <a:rPr b="0" lang="en-US" sz="4100" spc="-72" strike="noStrike">
                 <a:solidFill>
                   <a:srgbClr val="000000"/>
                 </a:solidFill>
@@ -21003,7 +21219,7 @@
         <p:spPr>
           <a:xfrm>
             <a:off x="3666960" y="4489560"/>
-            <a:ext cx="16617240" cy="5460120"/>
+            <a:ext cx="16616880" cy="5459760"/>
           </a:xfrm>
           <a:prstGeom prst="rect">
             <a:avLst/>
@@ -21022,7 +21238,7 @@
         <p:spPr>
           <a:xfrm>
             <a:off x="1771200" y="10228680"/>
-            <a:ext cx="22109400" cy="3248280"/>
+            <a:ext cx="22109040" cy="3247920"/>
           </a:xfrm>
           <a:prstGeom prst="rect">
             <a:avLst/>
@@ -21277,10 +21493,10 @@
   <p:timing>
     <p:tnLst>
       <p:par>
-        <p:cTn id="35" dur="indefinite" restart="never" nodeType="tmRoot">
+        <p:cTn id="51" dur="indefinite" restart="never" nodeType="tmRoot">
           <p:childTnLst>
             <p:seq>
-              <p:cTn id="36" dur="indefinite" nodeType="mainSeq"/>
+              <p:cTn id="52" dur="indefinite" nodeType="mainSeq"/>
               <p:prevCondLst>
                 <p:cond delay="0" evt="onPrev">
                   <p:tgtEl>
@@ -21330,7 +21546,7 @@
         <p:spPr>
           <a:xfrm>
             <a:off x="695880" y="-482400"/>
-            <a:ext cx="21279600" cy="9622080"/>
+            <a:ext cx="21279240" cy="9621720"/>
           </a:xfrm>
           <a:prstGeom prst="rect">
             <a:avLst/>
@@ -22004,7 +22220,7 @@
         <p:spPr>
           <a:xfrm>
             <a:off x="806400" y="8743680"/>
-            <a:ext cx="6258960" cy="2155680"/>
+            <a:ext cx="6258600" cy="2155320"/>
           </a:xfrm>
           <a:prstGeom prst="rect">
             <a:avLst/>
@@ -22093,7 +22309,7 @@
         <p:spPr>
           <a:xfrm>
             <a:off x="10327320" y="8743680"/>
-            <a:ext cx="6785640" cy="2155680"/>
+            <a:ext cx="6785280" cy="2155320"/>
           </a:xfrm>
           <a:prstGeom prst="rect">
             <a:avLst/>
@@ -22178,10 +22394,10 @@
   <p:timing>
     <p:tnLst>
       <p:par>
-        <p:cTn id="37" dur="indefinite" restart="never" nodeType="tmRoot">
+        <p:cTn id="53" dur="indefinite" restart="never" nodeType="tmRoot">
           <p:childTnLst>
             <p:seq>
-              <p:cTn id="38" dur="indefinite" nodeType="mainSeq"/>
+              <p:cTn id="54" dur="indefinite" nodeType="mainSeq"/>
               <p:prevCondLst>
                 <p:cond delay="0" evt="onPrev">
                   <p:tgtEl>
@@ -22231,7 +22447,7 @@
         <p:spPr>
           <a:xfrm>
             <a:off x="695880" y="339480"/>
-            <a:ext cx="21279600" cy="1177920"/>
+            <a:ext cx="21279240" cy="1177560"/>
           </a:xfrm>
           <a:prstGeom prst="rect">
             <a:avLst/>
@@ -22303,7 +22519,7 @@
         <p:spPr>
           <a:xfrm>
             <a:off x="601200" y="1699200"/>
-            <a:ext cx="18649800" cy="6448680"/>
+            <a:ext cx="18649440" cy="6448320"/>
           </a:xfrm>
           <a:prstGeom prst="rect">
             <a:avLst/>
@@ -22568,10 +22784,10 @@
   <p:timing>
     <p:tnLst>
       <p:par>
-        <p:cTn id="39" dur="indefinite" restart="never" nodeType="tmRoot">
+        <p:cTn id="55" dur="indefinite" restart="never" nodeType="tmRoot">
           <p:childTnLst>
             <p:seq>
-              <p:cTn id="40" dur="indefinite" nodeType="mainSeq"/>
+              <p:cTn id="56" dur="indefinite" nodeType="mainSeq"/>
               <p:prevCondLst>
                 <p:cond delay="0" evt="onPrev">
                   <p:tgtEl>
@@ -22621,7 +22837,7 @@
         <p:spPr>
           <a:xfrm>
             <a:off x="776880" y="773640"/>
-            <a:ext cx="11778840" cy="886680"/>
+            <a:ext cx="11778480" cy="886320"/>
           </a:xfrm>
           <a:prstGeom prst="rect">
             <a:avLst/>
@@ -22690,7 +22906,7 @@
         <p:spPr>
           <a:xfrm>
             <a:off x="753480" y="2405160"/>
-            <a:ext cx="22874040" cy="9623880"/>
+            <a:ext cx="22873680" cy="9623520"/>
           </a:xfrm>
           <a:prstGeom prst="rect">
             <a:avLst/>
@@ -23055,10 +23271,10 @@
   <p:timing>
     <p:tnLst>
       <p:par>
-        <p:cTn id="41" dur="indefinite" restart="never" nodeType="tmRoot">
+        <p:cTn id="57" dur="indefinite" restart="never" nodeType="tmRoot">
           <p:childTnLst>
             <p:seq>
-              <p:cTn id="42" dur="indefinite" nodeType="mainSeq"/>
+              <p:cTn id="58" dur="indefinite" nodeType="mainSeq"/>
               <p:prevCondLst>
                 <p:cond delay="0" evt="onPrev">
                   <p:tgtEl>
@@ -23108,7 +23324,7 @@
         <p:spPr>
           <a:xfrm>
             <a:off x="1206360" y="746280"/>
-            <a:ext cx="21967920" cy="1083960"/>
+            <a:ext cx="21967560" cy="1083600"/>
           </a:xfrm>
           <a:prstGeom prst="rect">
             <a:avLst/>
@@ -23127,7 +23343,7 @@
         <p:txBody>
           <a:bodyPr lIns="50760" rIns="50760" tIns="50760" bIns="50760"/>
           <a:p>
-            <a:pPr marL="698400" indent="-695160">
+            <a:pPr marL="698400" indent="-694800">
               <a:lnSpc>
                 <a:spcPct val="100000"/>
               </a:lnSpc>
@@ -23142,7 +23358,7 @@
               <a:buChar char=""/>
             </a:pPr>
             <a:r>
-              <a:rPr b="1" lang="en-US" sz="5500" spc="-75" strike="noStrike">
+              <a:rPr b="1" lang="en-US" sz="5500" spc="-72" strike="noStrike">
                 <a:solidFill>
                   <a:srgbClr val="000000"/>
                 </a:solidFill>
@@ -23152,7 +23368,7 @@
               <a:t>Spark</a:t>
             </a:r>
             <a:r>
-              <a:rPr b="1" lang="en-US" sz="5500" spc="-75" strike="noStrike">
+              <a:rPr b="1" lang="en-US" sz="5500" spc="-72" strike="noStrike">
                 <a:solidFill>
                   <a:srgbClr val="000000"/>
                 </a:solidFill>
@@ -23176,7 +23392,7 @@
         <p:spPr>
           <a:xfrm>
             <a:off x="1627200" y="2043360"/>
-            <a:ext cx="15749280" cy="2743920"/>
+            <a:ext cx="15748920" cy="2743560"/>
           </a:xfrm>
           <a:prstGeom prst="rect">
             <a:avLst/>
@@ -23206,7 +23422,7 @@
               </a:spcBef>
             </a:pPr>
             <a:r>
-              <a:rPr b="0" lang="en-US" sz="3900" spc="-75" strike="noStrike">
+              <a:rPr b="0" lang="en-US" sz="3900" spc="-72" strike="noStrike">
                 <a:solidFill>
                   <a:srgbClr val="000000"/>
                 </a:solidFill>
@@ -23216,7 +23432,7 @@
               <a:t>运行快速 </a:t>
             </a:r>
             <a:r>
-              <a:rPr b="0" lang="en-US" sz="3900" spc="-75" strike="noStrike">
+              <a:rPr b="0" lang="en-US" sz="3900" spc="-72" strike="noStrike">
                 <a:solidFill>
                   <a:srgbClr val="000000"/>
                 </a:solidFill>
@@ -23226,7 +23442,7 @@
               <a:t>(Speed): Spark</a:t>
             </a:r>
             <a:r>
-              <a:rPr b="0" lang="en-US" sz="3900" spc="-75" strike="noStrike">
+              <a:rPr b="0" lang="en-US" sz="3900" spc="-72" strike="noStrike">
                 <a:solidFill>
                   <a:srgbClr val="000000"/>
                 </a:solidFill>
@@ -23236,7 +23452,7 @@
               <a:t>使用先进的</a:t>
             </a:r>
             <a:r>
-              <a:rPr b="0" lang="en-US" sz="3900" spc="-75" strike="noStrike">
+              <a:rPr b="0" lang="en-US" sz="3900" spc="-72" strike="noStrike">
                 <a:solidFill>
                   <a:srgbClr val="000000"/>
                 </a:solidFill>
@@ -23246,7 +23462,7 @@
               <a:t>DAG (Directed Acyclic Graph, </a:t>
             </a:r>
             <a:r>
-              <a:rPr b="0" lang="en-US" sz="3900" spc="-75" strike="noStrike">
+              <a:rPr b="0" lang="en-US" sz="3900" spc="-72" strike="noStrike">
                 <a:solidFill>
                   <a:srgbClr val="000000"/>
                 </a:solidFill>
@@ -23256,7 +23472,7 @@
               <a:t>有向无环图</a:t>
             </a:r>
             <a:r>
-              <a:rPr b="0" lang="en-US" sz="3900" spc="-75" strike="noStrike">
+              <a:rPr b="0" lang="en-US" sz="3900" spc="-72" strike="noStrike">
                 <a:solidFill>
                   <a:srgbClr val="000000"/>
                 </a:solidFill>
@@ -23266,7 +23482,7 @@
               <a:t>)</a:t>
             </a:r>
             <a:r>
-              <a:rPr b="0" lang="en-US" sz="3900" spc="-75" strike="noStrike">
+              <a:rPr b="0" lang="en-US" sz="3900" spc="-72" strike="noStrike">
                 <a:solidFill>
                   <a:srgbClr val="000000"/>
                 </a:solidFill>
@@ -23276,7 +23492,7 @@
               <a:t>执行引擎，以支持循环数据流与内存计算，基于内存的执行速度可比</a:t>
             </a:r>
             <a:r>
-              <a:rPr b="0" lang="en-US" sz="3900" spc="-75" strike="noStrike">
+              <a:rPr b="0" lang="en-US" sz="3900" spc="-72" strike="noStrike">
                 <a:solidFill>
                   <a:srgbClr val="000000"/>
                 </a:solidFill>
@@ -23286,7 +23502,7 @@
               <a:t>Hadoop MapReduce</a:t>
             </a:r>
             <a:r>
-              <a:rPr b="0" lang="en-US" sz="3900" spc="-75" strike="noStrike">
+              <a:rPr b="0" lang="en-US" sz="3900" spc="-72" strike="noStrike">
                 <a:solidFill>
                   <a:srgbClr val="000000"/>
                 </a:solidFill>
@@ -23314,7 +23530,7 @@
         <p:spPr>
           <a:xfrm>
             <a:off x="17757720" y="548640"/>
-            <a:ext cx="5830920" cy="3007080"/>
+            <a:ext cx="5830560" cy="3006720"/>
           </a:xfrm>
           <a:prstGeom prst="rect">
             <a:avLst/>
@@ -23333,7 +23549,7 @@
         <p:spPr>
           <a:xfrm>
             <a:off x="1531440" y="5743800"/>
-            <a:ext cx="15465960" cy="2225160"/>
+            <a:ext cx="15465600" cy="2224800"/>
           </a:xfrm>
           <a:prstGeom prst="rect">
             <a:avLst/>
@@ -23363,7 +23579,7 @@
               </a:spcBef>
             </a:pPr>
             <a:r>
-              <a:rPr b="0" lang="en-US" sz="3900" spc="-75" strike="noStrike">
+              <a:rPr b="0" lang="en-US" sz="3900" spc="-72" strike="noStrike">
                 <a:solidFill>
                   <a:srgbClr val="000000"/>
                 </a:solidFill>
@@ -23373,7 +23589,7 @@
               <a:t>易用性 </a:t>
             </a:r>
             <a:r>
-              <a:rPr b="0" lang="en-US" sz="3900" spc="-75" strike="noStrike">
+              <a:rPr b="0" lang="en-US" sz="3900" spc="-72" strike="noStrike">
                 <a:solidFill>
                   <a:srgbClr val="000000"/>
                 </a:solidFill>
@@ -23383,7 +23599,7 @@
               <a:t>(Ease of Use): Spark</a:t>
             </a:r>
             <a:r>
-              <a:rPr b="0" lang="en-US" sz="3900" spc="-75" strike="noStrike">
+              <a:rPr b="0" lang="en-US" sz="3900" spc="-72" strike="noStrike">
                 <a:solidFill>
                   <a:srgbClr val="000000"/>
                 </a:solidFill>
@@ -23393,7 +23609,7 @@
               <a:t>支持使用</a:t>
             </a:r>
             <a:r>
-              <a:rPr b="0" lang="en-US" sz="3900" spc="-75" strike="noStrike">
+              <a:rPr b="0" lang="en-US" sz="3900" spc="-72" strike="noStrike">
                 <a:solidFill>
                   <a:srgbClr val="000000"/>
                 </a:solidFill>
@@ -23403,7 +23619,7 @@
               <a:t>Scala</a:t>
             </a:r>
             <a:r>
-              <a:rPr b="0" lang="en-US" sz="3900" spc="-75" strike="noStrike">
+              <a:rPr b="0" lang="en-US" sz="3900" spc="-72" strike="noStrike">
                 <a:solidFill>
                   <a:srgbClr val="000000"/>
                 </a:solidFill>
@@ -23413,7 +23629,7 @@
               <a:t>、</a:t>
             </a:r>
             <a:r>
-              <a:rPr b="0" lang="en-US" sz="3900" spc="-75" strike="noStrike">
+              <a:rPr b="0" lang="en-US" sz="3900" spc="-72" strike="noStrike">
                 <a:solidFill>
                   <a:srgbClr val="000000"/>
                 </a:solidFill>
@@ -23423,7 +23639,7 @@
               <a:t>Java</a:t>
             </a:r>
             <a:r>
-              <a:rPr b="0" lang="en-US" sz="3900" spc="-75" strike="noStrike">
+              <a:rPr b="0" lang="en-US" sz="3900" spc="-72" strike="noStrike">
                 <a:solidFill>
                   <a:srgbClr val="000000"/>
                 </a:solidFill>
@@ -23433,7 +23649,7 @@
               <a:t>、</a:t>
             </a:r>
             <a:r>
-              <a:rPr b="0" lang="en-US" sz="3900" spc="-75" strike="noStrike">
+              <a:rPr b="0" lang="en-US" sz="3900" spc="-72" strike="noStrike">
                 <a:solidFill>
                   <a:srgbClr val="000000"/>
                 </a:solidFill>
@@ -23443,7 +23659,7 @@
               <a:t>Python</a:t>
             </a:r>
             <a:r>
-              <a:rPr b="0" lang="en-US" sz="3900" spc="-75" strike="noStrike">
+              <a:rPr b="0" lang="en-US" sz="3900" spc="-72" strike="noStrike">
                 <a:solidFill>
                   <a:srgbClr val="000000"/>
                 </a:solidFill>
@@ -23453,7 +23669,7 @@
               <a:t>和</a:t>
             </a:r>
             <a:r>
-              <a:rPr b="0" lang="en-US" sz="3900" spc="-75" strike="noStrike">
+              <a:rPr b="0" lang="en-US" sz="3900" spc="-72" strike="noStrike">
                 <a:solidFill>
                   <a:srgbClr val="000000"/>
                 </a:solidFill>
@@ -23463,7 +23679,7 @@
               <a:t>R</a:t>
             </a:r>
             <a:r>
-              <a:rPr b="0" lang="en-US" sz="3900" spc="-75" strike="noStrike">
+              <a:rPr b="0" lang="en-US" sz="3900" spc="-72" strike="noStrike">
                 <a:solidFill>
                   <a:srgbClr val="000000"/>
                 </a:solidFill>
@@ -23473,7 +23689,7 @@
               <a:t>语言进行          编程，简洁的</a:t>
             </a:r>
             <a:r>
-              <a:rPr b="0" lang="en-US" sz="3900" spc="-75" strike="noStrike">
+              <a:rPr b="0" lang="en-US" sz="3900" spc="-72" strike="noStrike">
                 <a:solidFill>
                   <a:srgbClr val="000000"/>
                 </a:solidFill>
@@ -23483,7 +23699,7 @@
               <a:t>API</a:t>
             </a:r>
             <a:r>
-              <a:rPr b="0" lang="en-US" sz="3900" spc="-75" strike="noStrike">
+              <a:rPr b="0" lang="en-US" sz="3900" spc="-72" strike="noStrike">
                 <a:solidFill>
                   <a:srgbClr val="000000"/>
                 </a:solidFill>
@@ -23493,7 +23709,7 @@
               <a:t>设计有助于用户轻松构建并行程序，并且可以通过</a:t>
             </a:r>
             <a:r>
-              <a:rPr b="0" lang="en-US" sz="3900" spc="-75" strike="noStrike">
+              <a:rPr b="0" lang="en-US" sz="3900" spc="-72" strike="noStrike">
                 <a:solidFill>
                   <a:srgbClr val="000000"/>
                 </a:solidFill>
@@ -23503,7 +23719,7 @@
               <a:t>Spark Shell</a:t>
             </a:r>
             <a:r>
-              <a:rPr b="0" lang="en-US" sz="3900" spc="-75" strike="noStrike">
+              <a:rPr b="0" lang="en-US" sz="3900" spc="-72" strike="noStrike">
                 <a:solidFill>
                   <a:srgbClr val="000000"/>
                 </a:solidFill>
@@ -23527,7 +23743,7 @@
         <p:spPr>
           <a:xfrm>
             <a:off x="17925480" y="4868640"/>
-            <a:ext cx="5609160" cy="4403160"/>
+            <a:ext cx="5608800" cy="4402800"/>
           </a:xfrm>
           <a:prstGeom prst="rect">
             <a:avLst/>
@@ -23826,7 +24042,7 @@
         <p:spPr>
           <a:xfrm>
             <a:off x="17849160" y="3445200"/>
-            <a:ext cx="5830920" cy="1215360"/>
+            <a:ext cx="5830560" cy="1215000"/>
           </a:xfrm>
           <a:prstGeom prst="rect">
             <a:avLst/>
@@ -23875,7 +24091,7 @@
         <p:spPr>
           <a:xfrm>
             <a:off x="1531440" y="9479520"/>
-            <a:ext cx="15465960" cy="2225160"/>
+            <a:ext cx="15465600" cy="2224800"/>
           </a:xfrm>
           <a:prstGeom prst="rect">
             <a:avLst/>
@@ -23905,7 +24121,7 @@
               </a:spcBef>
             </a:pPr>
             <a:r>
-              <a:rPr b="0" lang="en-US" sz="3900" spc="-75" strike="noStrike">
+              <a:rPr b="0" lang="en-US" sz="3900" spc="-72" strike="noStrike">
                 <a:solidFill>
                   <a:srgbClr val="000000"/>
                 </a:solidFill>
@@ -23915,7 +24131,7 @@
               <a:t>通用性 </a:t>
             </a:r>
             <a:r>
-              <a:rPr b="0" lang="en-US" sz="3900" spc="-75" strike="noStrike">
+              <a:rPr b="0" lang="en-US" sz="3900" spc="-72" strike="noStrike">
                 <a:solidFill>
                   <a:srgbClr val="000000"/>
                 </a:solidFill>
@@ -23925,7 +24141,7 @@
               <a:t>(Generality): Spark</a:t>
             </a:r>
             <a:r>
-              <a:rPr b="0" lang="en-US" sz="3900" spc="-75" strike="noStrike">
+              <a:rPr b="0" lang="en-US" sz="3900" spc="-72" strike="noStrike">
                 <a:solidFill>
                   <a:srgbClr val="000000"/>
                 </a:solidFill>
@@ -23935,7 +24151,7 @@
               <a:t>提供了完整而强大的技术栈，包括</a:t>
             </a:r>
             <a:r>
-              <a:rPr b="0" lang="en-US" sz="3900" spc="-75" strike="noStrike">
+              <a:rPr b="0" lang="en-US" sz="3900" spc="-72" strike="noStrike">
                 <a:solidFill>
                   <a:srgbClr val="000000"/>
                 </a:solidFill>
@@ -23945,7 +24161,7 @@
               <a:t>SQL</a:t>
             </a:r>
             <a:r>
-              <a:rPr b="0" lang="en-US" sz="3900" spc="-75" strike="noStrike">
+              <a:rPr b="0" lang="en-US" sz="3900" spc="-72" strike="noStrike">
                 <a:solidFill>
                   <a:srgbClr val="000000"/>
                 </a:solidFill>
@@ -23969,9 +24185,9 @@
         <p:grpSpPr>
           <a:xfrm>
             <a:off x="17567640" y="9380880"/>
-            <a:ext cx="1401840" cy="2076480"/>
+            <a:ext cx="1401480" cy="2076120"/>
             <a:chOff x="17567640" y="9380880"/>
-            <a:chExt cx="1401840" cy="2076480"/>
+            <a:chExt cx="1401480" cy="2076120"/>
           </a:xfrm>
         </p:grpSpPr>
         <p:sp>
@@ -23983,7 +24199,7 @@
           <p:spPr>
             <a:xfrm>
               <a:off x="17567640" y="9380880"/>
-              <a:ext cx="1401840" cy="2076480"/>
+              <a:ext cx="1401480" cy="2076120"/>
             </a:xfrm>
             <a:prstGeom prst="rect">
               <a:avLst/>
@@ -24011,7 +24227,7 @@
           <p:spPr>
             <a:xfrm>
               <a:off x="17567640" y="9882000"/>
-              <a:ext cx="1401840" cy="1074240"/>
+              <a:ext cx="1401480" cy="1073880"/>
             </a:xfrm>
             <a:prstGeom prst="rect">
               <a:avLst/>
@@ -24081,9 +24297,9 @@
         <p:grpSpPr>
           <a:xfrm>
             <a:off x="22658400" y="9380880"/>
-            <a:ext cx="1436760" cy="2076480"/>
+            <a:ext cx="1436400" cy="2076120"/>
             <a:chOff x="22658400" y="9380880"/>
-            <a:chExt cx="1436760" cy="2076480"/>
+            <a:chExt cx="1436400" cy="2076120"/>
           </a:xfrm>
         </p:grpSpPr>
         <p:sp>
@@ -24095,7 +24311,7 @@
           <p:spPr>
             <a:xfrm>
               <a:off x="22658400" y="9380880"/>
-              <a:ext cx="1436760" cy="2076480"/>
+              <a:ext cx="1436400" cy="2076120"/>
             </a:xfrm>
             <a:prstGeom prst="rect">
               <a:avLst/>
@@ -24123,7 +24339,7 @@
           <p:spPr>
             <a:xfrm>
               <a:off x="22658400" y="9669600"/>
-              <a:ext cx="1436760" cy="1499040"/>
+              <a:ext cx="1436400" cy="1498680"/>
             </a:xfrm>
             <a:prstGeom prst="rect">
               <a:avLst/>
@@ -24203,9 +24419,9 @@
         <p:grpSpPr>
           <a:xfrm>
             <a:off x="19234800" y="9380880"/>
-            <a:ext cx="1436760" cy="2076480"/>
+            <a:ext cx="1436400" cy="2076120"/>
             <a:chOff x="19234800" y="9380880"/>
-            <a:chExt cx="1436760" cy="2076480"/>
+            <a:chExt cx="1436400" cy="2076120"/>
           </a:xfrm>
         </p:grpSpPr>
         <p:sp>
@@ -24217,7 +24433,7 @@
           <p:spPr>
             <a:xfrm>
               <a:off x="19234800" y="9380880"/>
-              <a:ext cx="1436760" cy="2076480"/>
+              <a:ext cx="1436400" cy="2076120"/>
             </a:xfrm>
             <a:prstGeom prst="rect">
               <a:avLst/>
@@ -24245,7 +24461,7 @@
           <p:spPr>
             <a:xfrm>
               <a:off x="19234800" y="9821520"/>
-              <a:ext cx="1436760" cy="1194840"/>
+              <a:ext cx="1436400" cy="1194480"/>
             </a:xfrm>
             <a:prstGeom prst="rect">
               <a:avLst/>
@@ -24315,9 +24531,9 @@
         <p:grpSpPr>
           <a:xfrm>
             <a:off x="20936520" y="9357120"/>
-            <a:ext cx="1401840" cy="2123640"/>
+            <a:ext cx="1401480" cy="2123280"/>
             <a:chOff x="20936520" y="9357120"/>
-            <a:chExt cx="1401840" cy="2123640"/>
+            <a:chExt cx="1401480" cy="2123280"/>
           </a:xfrm>
         </p:grpSpPr>
         <p:sp>
@@ -24329,7 +24545,7 @@
           <p:spPr>
             <a:xfrm>
               <a:off x="20936520" y="9380880"/>
-              <a:ext cx="1401840" cy="2076480"/>
+              <a:ext cx="1401480" cy="2076120"/>
             </a:xfrm>
             <a:prstGeom prst="rect">
               <a:avLst/>
@@ -24357,7 +24573,7 @@
           <p:spPr>
             <a:xfrm>
               <a:off x="20936520" y="9357120"/>
-              <a:ext cx="1401840" cy="2123640"/>
+              <a:ext cx="1401480" cy="2123280"/>
             </a:xfrm>
             <a:prstGeom prst="rect">
               <a:avLst/>
@@ -24437,9 +24653,9 @@
         <p:grpSpPr>
           <a:xfrm>
             <a:off x="17603640" y="11707560"/>
-            <a:ext cx="6611400" cy="820440"/>
+            <a:ext cx="6611040" cy="820080"/>
             <a:chOff x="17603640" y="11707560"/>
-            <a:chExt cx="6611400" cy="820440"/>
+            <a:chExt cx="6611040" cy="820080"/>
           </a:xfrm>
         </p:grpSpPr>
         <p:sp>
@@ -24451,7 +24667,7 @@
           <p:spPr>
             <a:xfrm>
               <a:off x="17603640" y="11707560"/>
-              <a:ext cx="6611400" cy="820440"/>
+              <a:ext cx="6611040" cy="820080"/>
             </a:xfrm>
             <a:prstGeom prst="rect">
               <a:avLst/>
@@ -24479,7 +24695,7 @@
           <p:spPr>
             <a:xfrm>
               <a:off x="17603640" y="11824920"/>
-              <a:ext cx="6611400" cy="585360"/>
+              <a:ext cx="6611040" cy="585000"/>
             </a:xfrm>
             <a:prstGeom prst="rect">
               <a:avLst/>
@@ -24578,7 +24794,7 @@
         <p:spPr>
           <a:xfrm>
             <a:off x="44280" y="572400"/>
-            <a:ext cx="10882440" cy="12670200"/>
+            <a:ext cx="10882080" cy="12669840"/>
           </a:xfrm>
           <a:prstGeom prst="rect">
             <a:avLst/>
@@ -24987,7 +25203,7 @@
         <p:spPr>
           <a:xfrm>
             <a:off x="12893040" y="0"/>
-            <a:ext cx="11437920" cy="14067000"/>
+            <a:ext cx="11437560" cy="14066640"/>
           </a:xfrm>
           <a:prstGeom prst="rect">
             <a:avLst/>
@@ -25422,10 +25638,10 @@
   <p:timing>
     <p:tnLst>
       <p:par>
-        <p:cTn id="43" dur="indefinite" restart="never" nodeType="tmRoot">
+        <p:cTn id="59" dur="indefinite" restart="never" nodeType="tmRoot">
           <p:childTnLst>
             <p:seq>
-              <p:cTn id="44" dur="indefinite" nodeType="mainSeq"/>
+              <p:cTn id="60" dur="indefinite" nodeType="mainSeq"/>
               <p:prevCondLst>
                 <p:cond delay="0" evt="onPrev">
                   <p:tgtEl>
@@ -25475,7 +25691,7 @@
         <p:spPr>
           <a:xfrm>
             <a:off x="106560" y="79560"/>
-            <a:ext cx="12417840" cy="6384600"/>
+            <a:ext cx="12417480" cy="6384240"/>
           </a:xfrm>
           <a:prstGeom prst="rect">
             <a:avLst/>
@@ -26024,7 +26240,7 @@
         <p:spPr>
           <a:xfrm>
             <a:off x="13167360" y="111240"/>
-            <a:ext cx="11305080" cy="12506400"/>
+            <a:ext cx="11304720" cy="12506040"/>
           </a:xfrm>
           <a:prstGeom prst="rect">
             <a:avLst/>
@@ -26499,10 +26715,10 @@
   <p:timing>
     <p:tnLst>
       <p:par>
-        <p:cTn id="45" dur="indefinite" restart="never" nodeType="tmRoot">
+        <p:cTn id="61" dur="indefinite" restart="never" nodeType="tmRoot">
           <p:childTnLst>
             <p:seq>
-              <p:cTn id="46" dur="indefinite" nodeType="mainSeq"/>
+              <p:cTn id="62" dur="indefinite" nodeType="mainSeq"/>
               <p:prevCondLst>
                 <p:cond delay="0" evt="onPrev">
                   <p:tgtEl>
@@ -26552,7 +26768,7 @@
         <p:spPr>
           <a:xfrm>
             <a:off x="1206360" y="1079640"/>
-            <a:ext cx="21969000" cy="1432800"/>
+            <a:ext cx="21968640" cy="1432440"/>
           </a:xfrm>
           <a:prstGeom prst="rect">
             <a:avLst/>
@@ -26577,7 +26793,7 @@
               </a:lnSpc>
             </a:pPr>
             <a:r>
-              <a:rPr b="1" lang="en-US" sz="8500" spc="-154" strike="noStrike">
+              <a:rPr b="1" lang="en-US" sz="8500" spc="-151" strike="noStrike">
                 <a:solidFill>
                   <a:srgbClr val="000000"/>
                 </a:solidFill>
@@ -26587,7 +26803,7 @@
               <a:t>从</a:t>
             </a:r>
             <a:r>
-              <a:rPr b="1" lang="en-US" sz="8500" spc="-154" strike="noStrike">
+              <a:rPr b="1" lang="en-US" sz="8500" spc="-151" strike="noStrike">
                 <a:solidFill>
                   <a:srgbClr val="000000"/>
                 </a:solidFill>
@@ -26597,7 +26813,7 @@
               <a:t>pandas</a:t>
             </a:r>
             <a:r>
-              <a:rPr b="1" lang="en-US" sz="8500" spc="-154" strike="noStrike">
+              <a:rPr b="1" lang="en-US" sz="8500" spc="-151" strike="noStrike">
                 <a:solidFill>
                   <a:srgbClr val="000000"/>
                 </a:solidFill>
@@ -26607,7 +26823,7 @@
               <a:t>到</a:t>
             </a:r>
             <a:r>
-              <a:rPr b="1" lang="en-US" sz="8500" spc="-154" strike="noStrike">
+              <a:rPr b="1" lang="en-US" sz="8500" spc="-151" strike="noStrike">
                 <a:solidFill>
                   <a:srgbClr val="000000"/>
                 </a:solidFill>
@@ -26631,7 +26847,7 @@
         <p:spPr>
           <a:xfrm>
             <a:off x="1206360" y="2373120"/>
-            <a:ext cx="21969000" cy="932760"/>
+            <a:ext cx="21968640" cy="932400"/>
           </a:xfrm>
           <a:prstGeom prst="rect">
             <a:avLst/>
@@ -26690,7 +26906,7 @@
         <p:spPr>
           <a:xfrm>
             <a:off x="1206360" y="3808080"/>
-            <a:ext cx="21969000" cy="9255960"/>
+            <a:ext cx="21968640" cy="9255600"/>
           </a:xfrm>
           <a:prstGeom prst="rect">
             <a:avLst/>
@@ -26711,7 +26927,7 @@
             <a:normAutofit/>
           </a:bodyPr>
           <a:p>
-            <a:pPr marL="685800" indent="-683640">
+            <a:pPr marL="685800" indent="-683280">
               <a:lnSpc>
                 <a:spcPct val="100000"/>
               </a:lnSpc>
@@ -26725,7 +26941,7 @@
               <a:buChar char="•"/>
             </a:pPr>
             <a:r>
-              <a:rPr b="1" lang="en-US" sz="5500" spc="-83" strike="noStrike">
+              <a:rPr b="1" lang="en-US" sz="5500" spc="-80" strike="noStrike">
                 <a:solidFill>
                   <a:srgbClr val="000000"/>
                 </a:solidFill>
@@ -26748,7 +26964,7 @@
               </a:spcBef>
             </a:pPr>
             <a:r>
-              <a:rPr b="0" lang="en-US" sz="5500" spc="-83" strike="noStrike">
+              <a:rPr b="0" lang="en-US" sz="5500" spc="-80" strike="noStrike">
                 <a:solidFill>
                   <a:srgbClr val="000000"/>
                 </a:solidFill>
@@ -26758,7 +26974,7 @@
               <a:t>pandas</a:t>
             </a:r>
             <a:r>
-              <a:rPr b="0" lang="en-US" sz="5500" spc="-83" strike="noStrike">
+              <a:rPr b="0" lang="en-US" sz="5500" spc="-80" strike="noStrike">
                 <a:solidFill>
                   <a:srgbClr val="000000"/>
                 </a:solidFill>
@@ -26768,7 +26984,7 @@
               <a:t>只能单机处理， 把</a:t>
             </a:r>
             <a:r>
-              <a:rPr b="0" lang="en-US" sz="5500" spc="-83" strike="noStrike">
+              <a:rPr b="0" lang="en-US" sz="5500" spc="-80" strike="noStrike">
                 <a:solidFill>
                   <a:srgbClr val="000000"/>
                 </a:solidFill>
@@ -26778,7 +26994,7 @@
               <a:t>dataframe</a:t>
             </a:r>
             <a:r>
-              <a:rPr b="0" lang="en-US" sz="5500" spc="-83" strike="noStrike">
+              <a:rPr b="0" lang="en-US" sz="5500" spc="-80" strike="noStrike">
                 <a:solidFill>
                   <a:srgbClr val="000000"/>
                 </a:solidFill>
@@ -26788,7 +27004,7 @@
               <a:t>放进内存计算。</a:t>
             </a:r>
             <a:r>
-              <a:rPr b="0" lang="en-US" sz="5500" spc="-83" strike="noStrike">
+              <a:rPr b="0" lang="en-US" sz="5500" spc="-80" strike="noStrike">
                 <a:solidFill>
                   <a:srgbClr val="000000"/>
                 </a:solidFill>
@@ -26798,7 +27014,7 @@
               <a:t>spark</a:t>
             </a:r>
             <a:r>
-              <a:rPr b="0" lang="en-US" sz="5500" spc="-83" strike="noStrike">
+              <a:rPr b="0" lang="en-US" sz="5500" spc="-80" strike="noStrike">
                 <a:solidFill>
                   <a:srgbClr val="000000"/>
                 </a:solidFill>
@@ -26812,7 +27028,7 @@
             </a:endParaRPr>
           </a:p>
           <a:p>
-            <a:pPr marL="685800" indent="-683640">
+            <a:pPr marL="685800" indent="-683280">
               <a:lnSpc>
                 <a:spcPct val="100000"/>
               </a:lnSpc>
@@ -26826,7 +27042,7 @@
               <a:buChar char="•"/>
             </a:pPr>
             <a:r>
-              <a:rPr b="1" lang="en-US" sz="5500" spc="-83" strike="noStrike">
+              <a:rPr b="1" lang="en-US" sz="5500" spc="-80" strike="noStrike">
                 <a:solidFill>
                   <a:srgbClr val="000000"/>
                 </a:solidFill>
@@ -26849,7 +27065,7 @@
               </a:spcBef>
             </a:pPr>
             <a:r>
-              <a:rPr b="0" lang="en-US" sz="5500" spc="-83" strike="noStrike">
+              <a:rPr b="0" lang="en-US" sz="5500" spc="-80" strike="noStrike">
                 <a:solidFill>
                   <a:srgbClr val="000000"/>
                 </a:solidFill>
@@ -26859,7 +27075,7 @@
               <a:t>spark</a:t>
             </a:r>
             <a:r>
-              <a:rPr b="0" lang="en-US" sz="5500" spc="-83" strike="noStrike">
+              <a:rPr b="0" lang="en-US" sz="5500" spc="-80" strike="noStrike">
                 <a:solidFill>
                   <a:srgbClr val="000000"/>
                 </a:solidFill>
@@ -26869,7 +27085,7 @@
               <a:t>不执行任何</a:t>
             </a:r>
             <a:r>
-              <a:rPr b="0" lang="en-US" sz="5500" spc="-83" strike="noStrike">
+              <a:rPr b="0" lang="en-US" sz="5500" spc="-80" strike="noStrike">
                 <a:solidFill>
                   <a:srgbClr val="000000"/>
                 </a:solidFill>
@@ -26879,7 +27095,7 @@
               <a:t>transformation</a:t>
             </a:r>
             <a:r>
-              <a:rPr b="0" lang="en-US" sz="5500" spc="-83" strike="noStrike">
+              <a:rPr b="0" lang="en-US" sz="5500" spc="-80" strike="noStrike">
                 <a:solidFill>
                   <a:srgbClr val="000000"/>
                 </a:solidFill>
@@ -26889,7 +27105,7 @@
               <a:t>直到需要运行</a:t>
             </a:r>
             <a:r>
-              <a:rPr b="0" lang="en-US" sz="5500" spc="-83" strike="noStrike">
+              <a:rPr b="0" lang="en-US" sz="5500" spc="-80" strike="noStrike">
                 <a:solidFill>
                   <a:srgbClr val="000000"/>
                 </a:solidFill>
@@ -26899,7 +27115,7 @@
               <a:t>action</a:t>
             </a:r>
             <a:r>
-              <a:rPr b="0" lang="en-US" sz="5500" spc="-83" strike="noStrike">
+              <a:rPr b="0" lang="en-US" sz="5500" spc="-80" strike="noStrike">
                 <a:solidFill>
                   <a:srgbClr val="000000"/>
                 </a:solidFill>
@@ -26909,7 +27125,7 @@
               <a:t>方法，</a:t>
             </a:r>
             <a:r>
-              <a:rPr b="0" lang="en-US" sz="5500" spc="-83" strike="noStrike">
+              <a:rPr b="0" lang="en-US" sz="5500" spc="-80" strike="noStrike">
                 <a:solidFill>
                   <a:srgbClr val="000000"/>
                 </a:solidFill>
@@ -26919,7 +27135,7 @@
               <a:t>action</a:t>
             </a:r>
             <a:r>
-              <a:rPr b="0" lang="en-US" sz="5500" spc="-83" strike="noStrike">
+              <a:rPr b="0" lang="en-US" sz="5500" spc="-80" strike="noStrike">
                 <a:solidFill>
                   <a:srgbClr val="000000"/>
                 </a:solidFill>
@@ -26929,7 +27145,7 @@
               <a:t>一般是存储或者展示数据的操作。这种将</a:t>
             </a:r>
             <a:r>
-              <a:rPr b="0" lang="en-US" sz="5500" spc="-83" strike="noStrike">
+              <a:rPr b="0" lang="en-US" sz="5500" spc="-80" strike="noStrike">
                 <a:solidFill>
                   <a:srgbClr val="000000"/>
                 </a:solidFill>
@@ -26939,7 +27155,7 @@
               <a:t>transformation</a:t>
             </a:r>
             <a:r>
-              <a:rPr b="0" lang="en-US" sz="5500" spc="-83" strike="noStrike">
+              <a:rPr b="0" lang="en-US" sz="5500" spc="-80" strike="noStrike">
                 <a:solidFill>
                   <a:srgbClr val="000000"/>
                 </a:solidFill>
@@ -26949,7 +27165,7 @@
               <a:t>延后的做法可以让</a:t>
             </a:r>
             <a:r>
-              <a:rPr b="0" lang="en-US" sz="5500" spc="-83" strike="noStrike">
+              <a:rPr b="0" lang="en-US" sz="5500" spc="-80" strike="noStrike">
                 <a:solidFill>
                   <a:srgbClr val="000000"/>
                 </a:solidFill>
@@ -26959,7 +27175,7 @@
               <a:t>spark</a:t>
             </a:r>
             <a:r>
-              <a:rPr b="0" lang="en-US" sz="5500" spc="-83" strike="noStrike">
+              <a:rPr b="0" lang="en-US" sz="5500" spc="-80" strike="noStrike">
                 <a:solidFill>
                   <a:srgbClr val="000000"/>
                 </a:solidFill>
@@ -26969,7 +27185,7 @@
               <a:t>调度知道所有的执行情况，用于优化执行顺序和读取需要的数据。懒执行也是</a:t>
             </a:r>
             <a:r>
-              <a:rPr b="0" lang="en-US" sz="5500" spc="-83" strike="noStrike">
+              <a:rPr b="0" lang="en-US" sz="5500" spc="-80" strike="noStrike">
                 <a:solidFill>
                   <a:srgbClr val="000000"/>
                 </a:solidFill>
@@ -26979,7 +27195,7 @@
               <a:t>scala</a:t>
             </a:r>
             <a:r>
-              <a:rPr b="0" lang="en-US" sz="5500" spc="-83" strike="noStrike">
+              <a:rPr b="0" lang="en-US" sz="5500" spc="-80" strike="noStrike">
                 <a:solidFill>
                   <a:srgbClr val="000000"/>
                 </a:solidFill>
@@ -26989,7 +27205,7 @@
               <a:t>的特性之一。通常，在</a:t>
             </a:r>
             <a:r>
-              <a:rPr b="0" lang="en-US" sz="5500" spc="-83" strike="noStrike">
+              <a:rPr b="0" lang="en-US" sz="5500" spc="-80" strike="noStrike">
                 <a:solidFill>
                   <a:srgbClr val="000000"/>
                 </a:solidFill>
@@ -26999,7 +27215,7 @@
               <a:t>pandas</a:t>
             </a:r>
             <a:r>
-              <a:rPr b="0" lang="en-US" sz="5500" spc="-83" strike="noStrike">
+              <a:rPr b="0" lang="en-US" sz="5500" spc="-80" strike="noStrike">
                 <a:solidFill>
                   <a:srgbClr val="000000"/>
                 </a:solidFill>
@@ -27009,7 +27225,7 @@
               <a:t>我们总是和数据打交道， 而在</a:t>
             </a:r>
             <a:r>
-              <a:rPr b="0" lang="en-US" sz="5500" spc="-83" strike="noStrike">
+              <a:rPr b="0" lang="en-US" sz="5500" spc="-80" strike="noStrike">
                 <a:solidFill>
                   <a:srgbClr val="000000"/>
                 </a:solidFill>
@@ -27019,7 +27235,7 @@
               <a:t>spark,</a:t>
             </a:r>
             <a:r>
-              <a:rPr b="0" lang="en-US" sz="5500" spc="-83" strike="noStrike">
+              <a:rPr b="0" lang="en-US" sz="5500" spc="-80" strike="noStrike">
                 <a:solidFill>
                   <a:srgbClr val="000000"/>
                 </a:solidFill>
@@ -27033,7 +27249,7 @@
             </a:endParaRPr>
           </a:p>
           <a:p>
-            <a:pPr marL="685800" indent="-683640">
+            <a:pPr marL="685800" indent="-683280">
               <a:lnSpc>
                 <a:spcPct val="100000"/>
               </a:lnSpc>
@@ -27047,7 +27263,7 @@
               <a:buChar char="•"/>
             </a:pPr>
             <a:r>
-              <a:rPr b="1" lang="en-US" sz="5500" spc="-83" strike="noStrike">
+              <a:rPr b="1" lang="en-US" sz="5500" spc="-80" strike="noStrike">
                 <a:solidFill>
                   <a:srgbClr val="000000"/>
                 </a:solidFill>
@@ -27070,7 +27286,7 @@
               </a:spcBef>
             </a:pPr>
             <a:r>
-              <a:rPr b="0" lang="en-US" sz="5500" spc="-83" strike="noStrike">
+              <a:rPr b="0" lang="en-US" sz="5500" spc="-80" strike="noStrike">
                 <a:solidFill>
                   <a:srgbClr val="000000"/>
                 </a:solidFill>
@@ -27080,7 +27296,7 @@
               <a:t>scala</a:t>
             </a:r>
             <a:r>
-              <a:rPr b="0" lang="en-US" sz="5500" spc="-83" strike="noStrike">
+              <a:rPr b="0" lang="en-US" sz="5500" spc="-80" strike="noStrike">
                 <a:solidFill>
                   <a:srgbClr val="000000"/>
                 </a:solidFill>
@@ -27090,7 +27306,7 @@
               <a:t>的函数式编程通常倾向使用不可变对象， 每一个</a:t>
             </a:r>
             <a:r>
-              <a:rPr b="0" lang="en-US" sz="5500" spc="-83" strike="noStrike">
+              <a:rPr b="0" lang="en-US" sz="5500" spc="-80" strike="noStrike">
                 <a:solidFill>
                   <a:srgbClr val="000000"/>
                 </a:solidFill>
@@ -27100,7 +27316,7 @@
               <a:t>spark transformation</a:t>
             </a:r>
             <a:r>
-              <a:rPr b="0" lang="en-US" sz="5500" spc="-83" strike="noStrike">
+              <a:rPr b="0" lang="en-US" sz="5500" spc="-80" strike="noStrike">
                 <a:solidFill>
                   <a:srgbClr val="000000"/>
                 </a:solidFill>
@@ -27110,7 +27326,7 @@
               <a:t>会返回一个新的</a:t>
             </a:r>
             <a:r>
-              <a:rPr b="0" lang="en-US" sz="5500" spc="-83" strike="noStrike">
+              <a:rPr b="0" lang="en-US" sz="5500" spc="-80" strike="noStrike">
                 <a:solidFill>
                   <a:srgbClr val="000000"/>
                 </a:solidFill>
@@ -27120,7 +27336,7 @@
               <a:t>dataframe(</a:t>
             </a:r>
             <a:r>
-              <a:rPr b="0" lang="en-US" sz="5500" spc="-83" strike="noStrike">
+              <a:rPr b="0" lang="en-US" sz="5500" spc="-80" strike="noStrike">
                 <a:solidFill>
                   <a:srgbClr val="000000"/>
                 </a:solidFill>
@@ -27130,7 +27346,7 @@
               <a:t>除了一些</a:t>
             </a:r>
             <a:r>
-              <a:rPr b="0" lang="en-US" sz="5500" spc="-83" strike="noStrike">
+              <a:rPr b="0" lang="en-US" sz="5500" spc="-80" strike="noStrike">
                 <a:solidFill>
                   <a:srgbClr val="000000"/>
                 </a:solidFill>
@@ -27140,7 +27356,7 @@
               <a:t>meta info</a:t>
             </a:r>
             <a:r>
-              <a:rPr b="0" lang="en-US" sz="5500" spc="-83" strike="noStrike">
+              <a:rPr b="0" lang="en-US" sz="5500" spc="-80" strike="noStrike">
                 <a:solidFill>
                   <a:srgbClr val="000000"/>
                 </a:solidFill>
@@ -27154,7 +27370,7 @@
             </a:endParaRPr>
           </a:p>
           <a:p>
-            <a:pPr marL="685800" indent="-683640">
+            <a:pPr marL="685800" indent="-683280">
               <a:lnSpc>
                 <a:spcPct val="100000"/>
               </a:lnSpc>
@@ -27168,7 +27384,7 @@
               <a:buChar char="•"/>
             </a:pPr>
             <a:r>
-              <a:rPr b="1" lang="en-US" sz="5500" spc="-83" strike="noStrike">
+              <a:rPr b="1" lang="en-US" sz="5500" spc="-80" strike="noStrike">
                 <a:solidFill>
                   <a:srgbClr val="000000"/>
                 </a:solidFill>
@@ -27191,7 +27407,7 @@
               </a:spcBef>
             </a:pPr>
             <a:r>
-              <a:rPr b="0" lang="en-US" sz="5500" spc="-83" strike="noStrike">
+              <a:rPr b="0" lang="en-US" sz="5500" spc="-80" strike="noStrike">
                 <a:solidFill>
                   <a:srgbClr val="000000"/>
                 </a:solidFill>
@@ -27201,7 +27417,7 @@
               <a:t>spark</a:t>
             </a:r>
             <a:r>
-              <a:rPr b="0" lang="en-US" sz="5500" spc="-83" strike="noStrike">
+              <a:rPr b="0" lang="en-US" sz="5500" spc="-80" strike="noStrike">
                 <a:solidFill>
                   <a:srgbClr val="000000"/>
                 </a:solidFill>
@@ -27211,7 +27427,7 @@
               <a:t>是没有索引概念的</a:t>
             </a:r>
             <a:r>
-              <a:rPr b="0" lang="en-US" sz="5500" spc="-83" strike="noStrike">
+              <a:rPr b="0" lang="en-US" sz="5500" spc="-80" strike="noStrike">
                 <a:solidFill>
                   <a:srgbClr val="000000"/>
                 </a:solidFill>
@@ -27225,7 +27441,7 @@
             </a:endParaRPr>
           </a:p>
           <a:p>
-            <a:pPr marL="685800" indent="-683640">
+            <a:pPr marL="685800" indent="-683280">
               <a:lnSpc>
                 <a:spcPct val="100000"/>
               </a:lnSpc>
@@ -27239,7 +27455,7 @@
               <a:buChar char="•"/>
             </a:pPr>
             <a:r>
-              <a:rPr b="1" lang="en-US" sz="5500" spc="-83" strike="noStrike">
+              <a:rPr b="1" lang="en-US" sz="5500" spc="-80" strike="noStrike">
                 <a:solidFill>
                   <a:srgbClr val="000000"/>
                 </a:solidFill>
@@ -27262,7 +27478,7 @@
               </a:spcBef>
             </a:pPr>
             <a:r>
-              <a:rPr b="0" lang="en-US" sz="5500" spc="-83" strike="noStrike">
+              <a:rPr b="0" lang="en-US" sz="5500" spc="-80" strike="noStrike">
                 <a:solidFill>
                   <a:srgbClr val="000000"/>
                 </a:solidFill>
@@ -27272,7 +27488,7 @@
               <a:t>pandas</a:t>
             </a:r>
             <a:r>
-              <a:rPr b="0" lang="en-US" sz="5500" spc="-83" strike="noStrike">
+              <a:rPr b="0" lang="en-US" sz="5500" spc="-80" strike="noStrike">
                 <a:solidFill>
                   <a:srgbClr val="000000"/>
                 </a:solidFill>
@@ -27282,7 +27498,7 @@
               <a:t>可以快速使用索引找到数据，</a:t>
             </a:r>
             <a:r>
-              <a:rPr b="0" lang="en-US" sz="5500" spc="-83" strike="noStrike">
+              <a:rPr b="0" lang="en-US" sz="5500" spc="-80" strike="noStrike">
                 <a:solidFill>
                   <a:srgbClr val="000000"/>
                 </a:solidFill>
@@ -27292,7 +27508,7 @@
               <a:t>spark</a:t>
             </a:r>
             <a:r>
-              <a:rPr b="0" lang="en-US" sz="5500" spc="-83" strike="noStrike">
+              <a:rPr b="0" lang="en-US" sz="5500" spc="-80" strike="noStrike">
                 <a:solidFill>
                   <a:srgbClr val="000000"/>
                 </a:solidFill>
@@ -27302,7 +27518,7 @@
               <a:t>没有这个功能，因为在</a:t>
             </a:r>
             <a:r>
-              <a:rPr b="0" lang="en-US" sz="5500" spc="-83" strike="noStrike">
+              <a:rPr b="0" lang="en-US" sz="5500" spc="-80" strike="noStrike">
                 <a:solidFill>
                   <a:srgbClr val="000000"/>
                 </a:solidFill>
@@ -27312,7 +27528,7 @@
               <a:t>spark</a:t>
             </a:r>
             <a:r>
-              <a:rPr b="0" lang="en-US" sz="5500" spc="-83" strike="noStrike">
+              <a:rPr b="0" lang="en-US" sz="5500" spc="-80" strike="noStrike">
                 <a:solidFill>
                   <a:srgbClr val="000000"/>
                 </a:solidFill>
@@ -27326,7 +27542,7 @@
             </a:endParaRPr>
           </a:p>
           <a:p>
-            <a:pPr marL="685800" indent="-683640">
+            <a:pPr marL="685800" indent="-683280">
               <a:lnSpc>
                 <a:spcPct val="100000"/>
               </a:lnSpc>
@@ -27340,7 +27556,7 @@
               <a:buChar char="•"/>
             </a:pPr>
             <a:r>
-              <a:rPr b="1" lang="en-US" sz="5500" spc="-83" strike="noStrike">
+              <a:rPr b="1" lang="en-US" sz="5500" spc="-80" strike="noStrike">
                 <a:solidFill>
                   <a:srgbClr val="000000"/>
                 </a:solidFill>
@@ -27363,7 +27579,7 @@
               </a:spcBef>
             </a:pPr>
             <a:r>
-              <a:rPr b="0" lang="en-US" sz="5500" spc="-83" strike="noStrike">
+              <a:rPr b="0" lang="en-US" sz="5500" spc="-80" strike="noStrike">
                 <a:solidFill>
                   <a:srgbClr val="000000"/>
                 </a:solidFill>
@@ -27373,7 +27589,7 @@
               <a:t>因为有了</a:t>
             </a:r>
             <a:r>
-              <a:rPr b="0" lang="en-US" sz="5500" spc="-83" strike="noStrike">
+              <a:rPr b="0" lang="en-US" sz="5500" spc="-80" strike="noStrike">
                 <a:solidFill>
                   <a:srgbClr val="000000"/>
                 </a:solidFill>
@@ -27383,7 +27599,7 @@
               <a:t>SQL</a:t>
             </a:r>
             <a:r>
-              <a:rPr b="0" lang="en-US" sz="5500" spc="-83" strike="noStrike">
+              <a:rPr b="0" lang="en-US" sz="5500" spc="-80" strike="noStrike">
                 <a:solidFill>
                   <a:srgbClr val="000000"/>
                 </a:solidFill>
@@ -27393,7 +27609,7 @@
               <a:t>功能的支持， </a:t>
             </a:r>
             <a:r>
-              <a:rPr b="0" lang="en-US" sz="5500" spc="-83" strike="noStrike">
+              <a:rPr b="0" lang="en-US" sz="5500" spc="-80" strike="noStrike">
                 <a:solidFill>
                   <a:srgbClr val="000000"/>
                 </a:solidFill>
@@ -27403,7 +27619,7 @@
               <a:t>spark</a:t>
             </a:r>
             <a:r>
-              <a:rPr b="0" lang="en-US" sz="5500" spc="-83" strike="noStrike">
+              <a:rPr b="0" lang="en-US" sz="5500" spc="-80" strike="noStrike">
                 <a:solidFill>
                   <a:srgbClr val="000000"/>
                 </a:solidFill>
@@ -27423,10 +27639,10 @@
   <p:timing>
     <p:tnLst>
       <p:par>
-        <p:cTn id="47" dur="indefinite" restart="never" nodeType="tmRoot">
+        <p:cTn id="63" dur="indefinite" restart="never" nodeType="tmRoot">
           <p:childTnLst>
             <p:seq>
-              <p:cTn id="48" dur="indefinite" nodeType="mainSeq"/>
+              <p:cTn id="64" dur="indefinite" nodeType="mainSeq"/>
               <p:prevCondLst>
                 <p:cond delay="0" evt="onPrev">
                   <p:tgtEl>
@@ -27476,7 +27692,7 @@
         <p:spPr>
           <a:xfrm>
             <a:off x="1206360" y="1076040"/>
-            <a:ext cx="21967920" cy="7238520"/>
+            <a:ext cx="21967560" cy="7238160"/>
           </a:xfrm>
           <a:prstGeom prst="rect">
             <a:avLst/>
@@ -27521,10 +27737,10 @@
   <p:timing>
     <p:tnLst>
       <p:par>
-        <p:cTn id="49" dur="indefinite" restart="never" nodeType="tmRoot">
+        <p:cTn id="65" dur="indefinite" restart="never" nodeType="tmRoot">
           <p:childTnLst>
             <p:seq>
-              <p:cTn id="50" dur="indefinite" nodeType="mainSeq"/>
+              <p:cTn id="66" dur="indefinite" nodeType="mainSeq"/>
               <p:prevCondLst>
                 <p:cond delay="0" evt="onPrev">
                   <p:tgtEl>
@@ -27574,7 +27790,7 @@
         <p:spPr>
           <a:xfrm>
             <a:off x="1342440" y="792360"/>
-            <a:ext cx="15367680" cy="2322720"/>
+            <a:ext cx="15367320" cy="2322360"/>
           </a:xfrm>
           <a:prstGeom prst="rect">
             <a:avLst/>
@@ -27604,7 +27820,7 @@
               </a:spcBef>
             </a:pPr>
             <a:r>
-              <a:rPr b="0" lang="en-US" sz="4000" spc="-75" strike="noStrike">
+              <a:rPr b="0" lang="en-US" sz="4000" spc="-72" strike="noStrike">
                 <a:solidFill>
                   <a:srgbClr val="000000"/>
                 </a:solidFill>
@@ -27614,7 +27830,7 @@
               <a:t>运行模式多样</a:t>
             </a:r>
             <a:r>
-              <a:rPr b="0" lang="en-US" sz="4000" spc="-75" strike="noStrike">
+              <a:rPr b="0" lang="en-US" sz="4000" spc="-72" strike="noStrike">
                 <a:solidFill>
                   <a:srgbClr val="000000"/>
                 </a:solidFill>
@@ -27624,7 +27840,7 @@
               <a:t>(Runs Everywhere)</a:t>
             </a:r>
             <a:r>
-              <a:rPr b="0" lang="en-US" sz="4000" spc="-75" strike="noStrike">
+              <a:rPr b="0" lang="en-US" sz="4000" spc="-72" strike="noStrike">
                 <a:solidFill>
                   <a:srgbClr val="000000"/>
                 </a:solidFill>
@@ -27634,7 +27850,7 @@
               <a:t>：</a:t>
             </a:r>
             <a:r>
-              <a:rPr b="0" lang="en-US" sz="4000" spc="-75" strike="noStrike">
+              <a:rPr b="0" lang="en-US" sz="4000" spc="-72" strike="noStrike">
                 <a:solidFill>
                   <a:srgbClr val="000000"/>
                 </a:solidFill>
@@ -27644,7 +27860,7 @@
               <a:t>Spark</a:t>
             </a:r>
             <a:r>
-              <a:rPr b="0" lang="en-US" sz="4000" spc="-75" strike="noStrike">
+              <a:rPr b="0" lang="en-US" sz="4000" spc="-72" strike="noStrike">
                 <a:solidFill>
                   <a:srgbClr val="000000"/>
                 </a:solidFill>
@@ -27654,7 +27870,7 @@
               <a:t>可运行于独立的集群模式中，或者运行于</a:t>
             </a:r>
             <a:r>
-              <a:rPr b="0" lang="en-US" sz="4000" spc="-75" strike="noStrike">
+              <a:rPr b="0" lang="en-US" sz="4000" spc="-72" strike="noStrike">
                 <a:solidFill>
                   <a:srgbClr val="000000"/>
                 </a:solidFill>
@@ -27664,7 +27880,7 @@
               <a:t>Hadoop</a:t>
             </a:r>
             <a:r>
-              <a:rPr b="0" lang="en-US" sz="4000" spc="-75" strike="noStrike">
+              <a:rPr b="0" lang="en-US" sz="4000" spc="-72" strike="noStrike">
                 <a:solidFill>
                   <a:srgbClr val="000000"/>
                 </a:solidFill>
@@ -27674,7 +27890,7 @@
               <a:t>中，也可运行于</a:t>
             </a:r>
             <a:r>
-              <a:rPr b="0" lang="en-US" sz="4000" spc="-75" strike="noStrike">
+              <a:rPr b="0" lang="en-US" sz="4000" spc="-72" strike="noStrike">
                 <a:solidFill>
                   <a:srgbClr val="000000"/>
                 </a:solidFill>
@@ -27684,7 +27900,7 @@
               <a:t>Amazon EC2</a:t>
             </a:r>
             <a:r>
-              <a:rPr b="0" lang="en-US" sz="4000" spc="-75" strike="noStrike">
+              <a:rPr b="0" lang="en-US" sz="4000" spc="-72" strike="noStrike">
                 <a:solidFill>
                   <a:srgbClr val="000000"/>
                 </a:solidFill>
@@ -27694,7 +27910,7 @@
               <a:t>等云环境中，并且可以访问</a:t>
             </a:r>
             <a:r>
-              <a:rPr b="0" lang="en-US" sz="4000" spc="-75" strike="noStrike">
+              <a:rPr b="0" lang="en-US" sz="4000" spc="-72" strike="noStrike">
                 <a:solidFill>
                   <a:srgbClr val="000000"/>
                 </a:solidFill>
@@ -27704,7 +27920,7 @@
               <a:t>HDFS</a:t>
             </a:r>
             <a:r>
-              <a:rPr b="0" lang="en-US" sz="4000" spc="-75" strike="noStrike">
+              <a:rPr b="0" lang="en-US" sz="4000" spc="-72" strike="noStrike">
                 <a:solidFill>
                   <a:srgbClr val="000000"/>
                 </a:solidFill>
@@ -27714,7 +27930,7 @@
               <a:t>、</a:t>
             </a:r>
             <a:r>
-              <a:rPr b="0" lang="en-US" sz="4000" spc="-75" strike="noStrike">
+              <a:rPr b="0" lang="en-US" sz="4000" spc="-72" strike="noStrike">
                 <a:solidFill>
                   <a:srgbClr val="000000"/>
                 </a:solidFill>
@@ -27724,7 +27940,7 @@
               <a:t>Cassandra</a:t>
             </a:r>
             <a:r>
-              <a:rPr b="0" lang="en-US" sz="4000" spc="-75" strike="noStrike">
+              <a:rPr b="0" lang="en-US" sz="4000" spc="-72" strike="noStrike">
                 <a:solidFill>
                   <a:srgbClr val="000000"/>
                 </a:solidFill>
@@ -27734,7 +27950,7 @@
               <a:t>、</a:t>
             </a:r>
             <a:r>
-              <a:rPr b="0" lang="en-US" sz="4000" spc="-75" strike="noStrike">
+              <a:rPr b="0" lang="en-US" sz="4000" spc="-72" strike="noStrike">
                 <a:solidFill>
                   <a:srgbClr val="000000"/>
                 </a:solidFill>
@@ -27744,7 +27960,7 @@
               <a:t>HBase</a:t>
             </a:r>
             <a:r>
-              <a:rPr b="0" lang="en-US" sz="4000" spc="-75" strike="noStrike">
+              <a:rPr b="0" lang="en-US" sz="4000" spc="-72" strike="noStrike">
                 <a:solidFill>
                   <a:srgbClr val="000000"/>
                 </a:solidFill>
@@ -27754,7 +27970,7 @@
               <a:t>、</a:t>
             </a:r>
             <a:r>
-              <a:rPr b="0" lang="en-US" sz="4000" spc="-75" strike="noStrike">
+              <a:rPr b="0" lang="en-US" sz="4000" spc="-72" strike="noStrike">
                 <a:solidFill>
                   <a:srgbClr val="000000"/>
                 </a:solidFill>
@@ -27764,7 +27980,7 @@
               <a:t>Hive</a:t>
             </a:r>
             <a:r>
-              <a:rPr b="0" lang="en-US" sz="4000" spc="-75" strike="noStrike">
+              <a:rPr b="0" lang="en-US" sz="4000" spc="-72" strike="noStrike">
                 <a:solidFill>
                   <a:srgbClr val="000000"/>
                 </a:solidFill>
@@ -27792,7 +28008,7 @@
         <p:spPr>
           <a:xfrm>
             <a:off x="17817480" y="-104760"/>
-            <a:ext cx="4511880" cy="4760640"/>
+            <a:ext cx="4511520" cy="4760280"/>
           </a:xfrm>
           <a:prstGeom prst="rect">
             <a:avLst/>
@@ -27811,7 +28027,7 @@
         <p:spPr>
           <a:xfrm>
             <a:off x="684000" y="3950640"/>
-            <a:ext cx="21967920" cy="1083960"/>
+            <a:ext cx="21967560" cy="1083600"/>
           </a:xfrm>
           <a:prstGeom prst="rect">
             <a:avLst/>
@@ -27830,7 +28046,7 @@
         <p:txBody>
           <a:bodyPr lIns="50760" rIns="50760" tIns="50760" bIns="50760"/>
           <a:p>
-            <a:pPr marL="698400" indent="-695160">
+            <a:pPr marL="698400" indent="-694800">
               <a:lnSpc>
                 <a:spcPct val="100000"/>
               </a:lnSpc>
@@ -27845,7 +28061,7 @@
               <a:buChar char=""/>
             </a:pPr>
             <a:r>
-              <a:rPr b="1" lang="en-US" sz="5500" spc="-75" strike="noStrike">
+              <a:rPr b="1" lang="en-US" sz="5500" spc="-72" strike="noStrike">
                 <a:solidFill>
                   <a:srgbClr val="000000"/>
                 </a:solidFill>
@@ -27855,7 +28071,7 @@
               <a:t>Spark</a:t>
             </a:r>
             <a:r>
-              <a:rPr b="1" lang="en-US" sz="5500" spc="-75" strike="noStrike">
+              <a:rPr b="1" lang="en-US" sz="5500" spc="-72" strike="noStrike">
                 <a:solidFill>
                   <a:srgbClr val="000000"/>
                 </a:solidFill>
@@ -27879,7 +28095,7 @@
         <p:spPr>
           <a:xfrm>
             <a:off x="1323720" y="5229000"/>
-            <a:ext cx="16859520" cy="7358040"/>
+            <a:ext cx="16859160" cy="7357680"/>
           </a:xfrm>
           <a:prstGeom prst="rect">
             <a:avLst/>
@@ -27907,9 +28123,9 @@
         <p:grpSpPr>
           <a:xfrm>
             <a:off x="2297160" y="5650200"/>
-            <a:ext cx="2639880" cy="1266840"/>
+            <a:ext cx="2639520" cy="1266480"/>
             <a:chOff x="2297160" y="5650200"/>
-            <a:chExt cx="2639880" cy="1266840"/>
+            <a:chExt cx="2639520" cy="1266480"/>
           </a:xfrm>
         </p:grpSpPr>
         <p:sp>
@@ -27921,7 +28137,7 @@
           <p:spPr>
             <a:xfrm>
               <a:off x="2297160" y="5650200"/>
-              <a:ext cx="2639880" cy="1266840"/>
+              <a:ext cx="2639520" cy="1266480"/>
             </a:xfrm>
             <a:prstGeom prst="rect">
               <a:avLst/>
@@ -27949,7 +28165,7 @@
           <p:spPr>
             <a:xfrm>
               <a:off x="2297160" y="5990760"/>
-              <a:ext cx="2639880" cy="585360"/>
+              <a:ext cx="2639520" cy="585000"/>
             </a:xfrm>
             <a:prstGeom prst="rect">
               <a:avLst/>
@@ -27999,9 +28215,9 @@
         <p:grpSpPr>
           <a:xfrm>
             <a:off x="6075360" y="5650200"/>
-            <a:ext cx="2639880" cy="1266840"/>
+            <a:ext cx="2639520" cy="1266480"/>
             <a:chOff x="6075360" y="5650200"/>
-            <a:chExt cx="2639880" cy="1266840"/>
+            <a:chExt cx="2639520" cy="1266480"/>
           </a:xfrm>
         </p:grpSpPr>
         <p:sp>
@@ -28013,7 +28229,7 @@
           <p:spPr>
             <a:xfrm>
               <a:off x="6075360" y="5650200"/>
-              <a:ext cx="2639880" cy="1266840"/>
+              <a:ext cx="2639520" cy="1266480"/>
             </a:xfrm>
             <a:prstGeom prst="rect">
               <a:avLst/>
@@ -28041,7 +28257,7 @@
           <p:spPr>
             <a:xfrm>
               <a:off x="6075360" y="5746320"/>
-              <a:ext cx="2639880" cy="1074240"/>
+              <a:ext cx="2639520" cy="1073880"/>
             </a:xfrm>
             <a:prstGeom prst="rect">
               <a:avLst/>
@@ -28091,9 +28307,9 @@
         <p:grpSpPr>
           <a:xfrm>
             <a:off x="10348200" y="5650200"/>
-            <a:ext cx="2639880" cy="1266840"/>
+            <a:ext cx="2639520" cy="1266480"/>
             <a:chOff x="10348200" y="5650200"/>
-            <a:chExt cx="2639880" cy="1266840"/>
+            <a:chExt cx="2639520" cy="1266480"/>
           </a:xfrm>
         </p:grpSpPr>
         <p:sp>
@@ -28105,7 +28321,7 @@
           <p:spPr>
             <a:xfrm>
               <a:off x="10348200" y="5650200"/>
-              <a:ext cx="2639880" cy="1266840"/>
+              <a:ext cx="2639520" cy="1266480"/>
             </a:xfrm>
             <a:prstGeom prst="rect">
               <a:avLst/>
@@ -28133,7 +28349,7 @@
           <p:spPr>
             <a:xfrm>
               <a:off x="10348200" y="5990760"/>
-              <a:ext cx="2639880" cy="585360"/>
+              <a:ext cx="2639520" cy="585000"/>
             </a:xfrm>
             <a:prstGeom prst="rect">
               <a:avLst/>
@@ -28183,9 +28399,9 @@
         <p:grpSpPr>
           <a:xfrm>
             <a:off x="14621040" y="5650200"/>
-            <a:ext cx="2639880" cy="1266840"/>
+            <a:ext cx="2639520" cy="1266480"/>
             <a:chOff x="14621040" y="5650200"/>
-            <a:chExt cx="2639880" cy="1266840"/>
+            <a:chExt cx="2639520" cy="1266480"/>
           </a:xfrm>
         </p:grpSpPr>
         <p:sp>
@@ -28197,7 +28413,7 @@
           <p:spPr>
             <a:xfrm>
               <a:off x="14621040" y="5650200"/>
-              <a:ext cx="2639880" cy="1266840"/>
+              <a:ext cx="2639520" cy="1266480"/>
             </a:xfrm>
             <a:prstGeom prst="rect">
               <a:avLst/>
@@ -28225,7 +28441,7 @@
           <p:spPr>
             <a:xfrm>
               <a:off x="14621040" y="5746320"/>
-              <a:ext cx="2639880" cy="1074240"/>
+              <a:ext cx="2639520" cy="1073880"/>
             </a:xfrm>
             <a:prstGeom prst="rect">
               <a:avLst/>
@@ -28275,9 +28491,9 @@
         <p:grpSpPr>
           <a:xfrm>
             <a:off x="2217240" y="7402680"/>
-            <a:ext cx="15072840" cy="1266840"/>
+            <a:ext cx="15072480" cy="1266480"/>
             <a:chOff x="2217240" y="7402680"/>
-            <a:chExt cx="15072840" cy="1266840"/>
+            <a:chExt cx="15072480" cy="1266480"/>
           </a:xfrm>
         </p:grpSpPr>
         <p:sp>
@@ -28289,7 +28505,7 @@
           <p:spPr>
             <a:xfrm>
               <a:off x="2217240" y="7402680"/>
-              <a:ext cx="15072840" cy="1266840"/>
+              <a:ext cx="15072480" cy="1266480"/>
             </a:xfrm>
             <a:prstGeom prst="rect">
               <a:avLst/>
@@ -28317,7 +28533,7 @@
           <p:spPr>
             <a:xfrm>
               <a:off x="2217240" y="7743240"/>
-              <a:ext cx="15072840" cy="585360"/>
+              <a:ext cx="15072480" cy="585000"/>
             </a:xfrm>
             <a:prstGeom prst="rect">
               <a:avLst/>
@@ -28367,9 +28583,9 @@
         <p:grpSpPr>
           <a:xfrm>
             <a:off x="2297160" y="9155160"/>
-            <a:ext cx="2639880" cy="1266840"/>
+            <a:ext cx="2639520" cy="1266480"/>
             <a:chOff x="2297160" y="9155160"/>
-            <a:chExt cx="2639880" cy="1266840"/>
+            <a:chExt cx="2639520" cy="1266480"/>
           </a:xfrm>
         </p:grpSpPr>
         <p:sp>
@@ -28381,7 +28597,7 @@
           <p:spPr>
             <a:xfrm>
               <a:off x="2297160" y="9155160"/>
-              <a:ext cx="2639880" cy="1266840"/>
+              <a:ext cx="2639520" cy="1266480"/>
             </a:xfrm>
             <a:prstGeom prst="rect">
               <a:avLst/>
@@ -28409,7 +28625,7 @@
           <p:spPr>
             <a:xfrm>
               <a:off x="2297160" y="9495720"/>
-              <a:ext cx="2639880" cy="585360"/>
+              <a:ext cx="2639520" cy="585000"/>
             </a:xfrm>
             <a:prstGeom prst="rect">
               <a:avLst/>
@@ -28459,9 +28675,9 @@
         <p:grpSpPr>
           <a:xfrm>
             <a:off x="6075360" y="9155160"/>
-            <a:ext cx="2639880" cy="1266840"/>
+            <a:ext cx="2639520" cy="1266480"/>
             <a:chOff x="6075360" y="9155160"/>
-            <a:chExt cx="2639880" cy="1266840"/>
+            <a:chExt cx="2639520" cy="1266480"/>
           </a:xfrm>
         </p:grpSpPr>
         <p:sp>
@@ -28473,7 +28689,7 @@
           <p:spPr>
             <a:xfrm>
               <a:off x="6075360" y="9155160"/>
-              <a:ext cx="2639880" cy="1266840"/>
+              <a:ext cx="2639520" cy="1266480"/>
             </a:xfrm>
             <a:prstGeom prst="rect">
               <a:avLst/>
@@ -28501,7 +28717,7 @@
           <p:spPr>
             <a:xfrm>
               <a:off x="6075360" y="9495720"/>
-              <a:ext cx="2639880" cy="585360"/>
+              <a:ext cx="2639520" cy="585000"/>
             </a:xfrm>
             <a:prstGeom prst="rect">
               <a:avLst/>
@@ -28551,9 +28767,9 @@
         <p:grpSpPr>
           <a:xfrm>
             <a:off x="14621040" y="9155160"/>
-            <a:ext cx="2639880" cy="1266840"/>
+            <a:ext cx="2639520" cy="1266480"/>
             <a:chOff x="14621040" y="9155160"/>
-            <a:chExt cx="2639880" cy="1266840"/>
+            <a:chExt cx="2639520" cy="1266480"/>
           </a:xfrm>
         </p:grpSpPr>
         <p:sp>
@@ -28565,7 +28781,7 @@
           <p:spPr>
             <a:xfrm>
               <a:off x="14621040" y="9155160"/>
-              <a:ext cx="2639880" cy="1266840"/>
+              <a:ext cx="2639520" cy="1266480"/>
             </a:xfrm>
             <a:prstGeom prst="rect">
               <a:avLst/>
@@ -28593,7 +28809,7 @@
           <p:spPr>
             <a:xfrm>
               <a:off x="14621040" y="9495720"/>
-              <a:ext cx="2639880" cy="585360"/>
+              <a:ext cx="2639520" cy="585000"/>
             </a:xfrm>
             <a:prstGeom prst="rect">
               <a:avLst/>
@@ -28643,9 +28859,9 @@
         <p:grpSpPr>
           <a:xfrm>
             <a:off x="10348200" y="9155160"/>
-            <a:ext cx="2639880" cy="1266840"/>
+            <a:ext cx="2639520" cy="1266480"/>
             <a:chOff x="10348200" y="9155160"/>
-            <a:chExt cx="2639880" cy="1266840"/>
+            <a:chExt cx="2639520" cy="1266480"/>
           </a:xfrm>
         </p:grpSpPr>
         <p:sp>
@@ -28657,7 +28873,7 @@
           <p:spPr>
             <a:xfrm>
               <a:off x="10348200" y="9155160"/>
-              <a:ext cx="2639880" cy="1266840"/>
+              <a:ext cx="2639520" cy="1266480"/>
             </a:xfrm>
             <a:prstGeom prst="rect">
               <a:avLst/>
@@ -28685,7 +28901,7 @@
           <p:spPr>
             <a:xfrm>
               <a:off x="10348200" y="9495720"/>
-              <a:ext cx="2639880" cy="585360"/>
+              <a:ext cx="2639520" cy="585000"/>
             </a:xfrm>
             <a:prstGeom prst="rect">
               <a:avLst/>
@@ -28735,9 +28951,9 @@
         <p:grpSpPr>
           <a:xfrm>
             <a:off x="2297160" y="10907640"/>
-            <a:ext cx="9019440" cy="1266840"/>
+            <a:ext cx="9019080" cy="1266480"/>
             <a:chOff x="2297160" y="10907640"/>
-            <a:chExt cx="9019440" cy="1266840"/>
+            <a:chExt cx="9019080" cy="1266480"/>
           </a:xfrm>
         </p:grpSpPr>
         <p:sp>
@@ -28749,7 +28965,7 @@
           <p:spPr>
             <a:xfrm>
               <a:off x="2297160" y="10907640"/>
-              <a:ext cx="9019440" cy="1266840"/>
+              <a:ext cx="9019080" cy="1266480"/>
             </a:xfrm>
             <a:prstGeom prst="rect">
               <a:avLst/>
@@ -28777,7 +28993,7 @@
           <p:spPr>
             <a:xfrm>
               <a:off x="2297160" y="11248560"/>
-              <a:ext cx="9019440" cy="585360"/>
+              <a:ext cx="9019080" cy="585000"/>
             </a:xfrm>
             <a:prstGeom prst="rect">
               <a:avLst/>
@@ -28827,9 +29043,9 @@
         <p:grpSpPr>
           <a:xfrm>
             <a:off x="12038040" y="10907640"/>
-            <a:ext cx="5238720" cy="1266840"/>
+            <a:ext cx="5238360" cy="1266480"/>
             <a:chOff x="12038040" y="10907640"/>
-            <a:chExt cx="5238720" cy="1266840"/>
+            <a:chExt cx="5238360" cy="1266480"/>
           </a:xfrm>
         </p:grpSpPr>
         <p:sp>
@@ -28841,7 +29057,7 @@
           <p:spPr>
             <a:xfrm>
               <a:off x="12038040" y="10907640"/>
-              <a:ext cx="5238720" cy="1266840"/>
+              <a:ext cx="5238360" cy="1266480"/>
             </a:xfrm>
             <a:prstGeom prst="rect">
               <a:avLst/>
@@ -28869,7 +29085,7 @@
           <p:spPr>
             <a:xfrm>
               <a:off x="12038040" y="11248560"/>
-              <a:ext cx="5238720" cy="585360"/>
+              <a:ext cx="5238360" cy="585000"/>
             </a:xfrm>
             <a:prstGeom prst="rect">
               <a:avLst/>
@@ -28919,7 +29135,7 @@
         <p:spPr>
           <a:xfrm>
             <a:off x="1279440" y="12660480"/>
-            <a:ext cx="20469600" cy="941400"/>
+            <a:ext cx="20469240" cy="941040"/>
           </a:xfrm>
           <a:prstGeom prst="rect">
             <a:avLst/>
@@ -28949,7 +29165,7 @@
               </a:spcBef>
             </a:pPr>
             <a:r>
-              <a:rPr b="0" lang="en-US" sz="4700" spc="-75" strike="noStrike">
+              <a:rPr b="0" lang="en-US" sz="4700" spc="-72" strike="noStrike">
                 <a:solidFill>
                   <a:srgbClr val="000000"/>
                 </a:solidFill>
@@ -28959,7 +29175,7 @@
               <a:t>spark</a:t>
             </a:r>
             <a:r>
-              <a:rPr b="0" lang="en-US" sz="4700" spc="-75" strike="noStrike">
+              <a:rPr b="0" lang="en-US" sz="4700" spc="-72" strike="noStrike">
                 <a:solidFill>
                   <a:srgbClr val="000000"/>
                 </a:solidFill>
@@ -28969,7 +29185,7 @@
               <a:t>的数据源支持</a:t>
             </a:r>
             <a:r>
-              <a:rPr b="0" lang="en-US" sz="4700" spc="-75" strike="noStrike">
+              <a:rPr b="0" lang="en-US" sz="4700" spc="-72" strike="noStrike">
                 <a:solidFill>
                   <a:srgbClr val="000000"/>
                 </a:solidFill>
@@ -28979,7 +29195,7 @@
               <a:t>hdfs</a:t>
             </a:r>
             <a:r>
-              <a:rPr b="0" lang="en-US" sz="4700" spc="-75" strike="noStrike">
+              <a:rPr b="0" lang="en-US" sz="4700" spc="-72" strike="noStrike">
                 <a:solidFill>
                   <a:srgbClr val="000000"/>
                 </a:solidFill>
@@ -28989,7 +29205,7 @@
               <a:t>、</a:t>
             </a:r>
             <a:r>
-              <a:rPr b="0" lang="en-US" sz="4700" spc="-75" strike="noStrike">
+              <a:rPr b="0" lang="en-US" sz="4700" spc="-72" strike="noStrike">
                 <a:solidFill>
                   <a:srgbClr val="000000"/>
                 </a:solidFill>
@@ -28999,7 +29215,7 @@
               <a:t>hbase, </a:t>
             </a:r>
             <a:r>
-              <a:rPr b="0" lang="en-US" sz="4700" spc="-75" strike="noStrike">
+              <a:rPr b="0" lang="en-US" sz="4700" spc="-72" strike="noStrike">
                 <a:solidFill>
                   <a:srgbClr val="000000"/>
                 </a:solidFill>
@@ -29009,7 +29225,7 @@
               <a:t>还包括</a:t>
             </a:r>
             <a:r>
-              <a:rPr b="0" lang="en-US" sz="4700" spc="-75" strike="noStrike">
+              <a:rPr b="0" lang="en-US" sz="4700" spc="-72" strike="noStrike">
                 <a:solidFill>
                   <a:srgbClr val="000000"/>
                 </a:solidFill>
@@ -29019,7 +29235,7 @@
               <a:t>s3</a:t>
             </a:r>
             <a:r>
-              <a:rPr b="0" lang="en-US" sz="4700" spc="-75" strike="noStrike">
+              <a:rPr b="0" lang="en-US" sz="4700" spc="-72" strike="noStrike">
                 <a:solidFill>
                   <a:srgbClr val="000000"/>
                 </a:solidFill>
@@ -29029,7 +29245,7 @@
               <a:t>、</a:t>
             </a:r>
             <a:r>
-              <a:rPr b="0" lang="en-US" sz="4700" spc="-75" strike="noStrike">
+              <a:rPr b="0" lang="en-US" sz="4700" spc="-72" strike="noStrike">
                 <a:solidFill>
                   <a:srgbClr val="000000"/>
                 </a:solidFill>
@@ -29039,7 +29255,7 @@
               <a:t>cassdra</a:t>
             </a:r>
             <a:r>
-              <a:rPr b="0" lang="en-US" sz="4700" spc="-75" strike="noStrike">
+              <a:rPr b="0" lang="en-US" sz="4700" spc="-72" strike="noStrike">
                 <a:solidFill>
                   <a:srgbClr val="000000"/>
                 </a:solidFill>
@@ -29049,7 +29265,7 @@
               <a:t>、</a:t>
             </a:r>
             <a:r>
-              <a:rPr b="0" lang="en-US" sz="4700" spc="-75" strike="noStrike">
+              <a:rPr b="0" lang="en-US" sz="4700" spc="-72" strike="noStrike">
                 <a:solidFill>
                   <a:srgbClr val="000000"/>
                 </a:solidFill>
@@ -29059,7 +29275,7 @@
               <a:t>mongoDB</a:t>
             </a:r>
             <a:r>
-              <a:rPr b="0" lang="en-US" sz="4700" spc="-75" strike="noStrike">
+              <a:rPr b="0" lang="en-US" sz="4700" spc="-72" strike="noStrike">
                 <a:solidFill>
                   <a:srgbClr val="000000"/>
                 </a:solidFill>
@@ -29069,7 +29285,7 @@
               <a:t>、</a:t>
             </a:r>
             <a:r>
-              <a:rPr b="0" lang="en-US" sz="4700" spc="-75" strike="noStrike">
+              <a:rPr b="0" lang="en-US" sz="4700" spc="-72" strike="noStrike">
                 <a:solidFill>
                   <a:srgbClr val="000000"/>
                 </a:solidFill>
@@ -29079,7 +29295,7 @@
               <a:t>mysql</a:t>
             </a:r>
             <a:r>
-              <a:rPr b="0" lang="en-US" sz="4700" spc="-75" strike="noStrike">
+              <a:rPr b="0" lang="en-US" sz="4700" spc="-72" strike="noStrike">
                 <a:solidFill>
                   <a:srgbClr val="000000"/>
                 </a:solidFill>
@@ -29103,9 +29319,9 @@
         <p:grpSpPr>
           <a:xfrm>
             <a:off x="18398880" y="5225760"/>
-            <a:ext cx="3113640" cy="1577520"/>
+            <a:ext cx="3113280" cy="1577160"/>
             <a:chOff x="18398880" y="5225760"/>
-            <a:chExt cx="3113640" cy="1577520"/>
+            <a:chExt cx="3113280" cy="1577160"/>
           </a:xfrm>
         </p:grpSpPr>
         <p:sp>
@@ -29117,7 +29333,7 @@
           <p:spPr>
             <a:xfrm>
               <a:off x="18398880" y="5225760"/>
-              <a:ext cx="3113640" cy="1577520"/>
+              <a:ext cx="3113280" cy="1577160"/>
             </a:xfrm>
             <a:prstGeom prst="rect">
               <a:avLst/>
@@ -29145,7 +29361,7 @@
           <p:spPr>
             <a:xfrm>
               <a:off x="18398880" y="5721120"/>
-              <a:ext cx="3113640" cy="586800"/>
+              <a:ext cx="3113280" cy="586440"/>
             </a:xfrm>
             <a:prstGeom prst="rect">
               <a:avLst/>
@@ -29195,9 +29411,9 @@
         <p:grpSpPr>
           <a:xfrm>
             <a:off x="18398880" y="10897200"/>
-            <a:ext cx="3113640" cy="1618200"/>
+            <a:ext cx="3113280" cy="1617840"/>
             <a:chOff x="18398880" y="10897200"/>
-            <a:chExt cx="3113640" cy="1618200"/>
+            <a:chExt cx="3113280" cy="1617840"/>
           </a:xfrm>
         </p:grpSpPr>
         <p:sp>
@@ -29209,7 +29425,7 @@
           <p:spPr>
             <a:xfrm>
               <a:off x="18398880" y="10897200"/>
-              <a:ext cx="3113640" cy="1618200"/>
+              <a:ext cx="3113280" cy="1617840"/>
             </a:xfrm>
             <a:prstGeom prst="rect">
               <a:avLst/>
@@ -29237,7 +29453,7 @@
           <p:spPr>
             <a:xfrm>
               <a:off x="18398880" y="11412720"/>
-              <a:ext cx="3113640" cy="586800"/>
+              <a:ext cx="3113280" cy="586440"/>
             </a:xfrm>
             <a:prstGeom prst="rect">
               <a:avLst/>
@@ -29287,9 +29503,9 @@
         <p:grpSpPr>
           <a:xfrm>
             <a:off x="18398880" y="8979480"/>
-            <a:ext cx="3113640" cy="1618200"/>
+            <a:ext cx="3113280" cy="1617840"/>
             <a:chOff x="18398880" y="8979480"/>
-            <a:chExt cx="3113640" cy="1618200"/>
+            <a:chExt cx="3113280" cy="1617840"/>
           </a:xfrm>
         </p:grpSpPr>
         <p:sp>
@@ -29301,7 +29517,7 @@
           <p:spPr>
             <a:xfrm>
               <a:off x="18398880" y="8979480"/>
-              <a:ext cx="3113640" cy="1618200"/>
+              <a:ext cx="3113280" cy="1617840"/>
             </a:xfrm>
             <a:prstGeom prst="rect">
               <a:avLst/>
@@ -29329,7 +29545,7 @@
           <p:spPr>
             <a:xfrm>
               <a:off x="18398880" y="9495000"/>
-              <a:ext cx="3113640" cy="586800"/>
+              <a:ext cx="3113280" cy="586440"/>
             </a:xfrm>
             <a:prstGeom prst="rect">
               <a:avLst/>
@@ -29379,9 +29595,9 @@
         <p:grpSpPr>
           <a:xfrm>
             <a:off x="18398880" y="7102800"/>
-            <a:ext cx="3113640" cy="1577520"/>
+            <a:ext cx="3113280" cy="1577160"/>
             <a:chOff x="18398880" y="7102800"/>
-            <a:chExt cx="3113640" cy="1577520"/>
+            <a:chExt cx="3113280" cy="1577160"/>
           </a:xfrm>
         </p:grpSpPr>
         <p:sp>
@@ -29393,7 +29609,7 @@
           <p:spPr>
             <a:xfrm>
               <a:off x="18398880" y="7102800"/>
-              <a:ext cx="3113640" cy="1577520"/>
+              <a:ext cx="3113280" cy="1577160"/>
             </a:xfrm>
             <a:prstGeom prst="rect">
               <a:avLst/>
@@ -29421,7 +29637,7 @@
           <p:spPr>
             <a:xfrm>
               <a:off x="18398880" y="7597800"/>
-              <a:ext cx="3113640" cy="586800"/>
+              <a:ext cx="3113280" cy="586440"/>
             </a:xfrm>
             <a:prstGeom prst="rect">
               <a:avLst/>
@@ -29520,7 +29736,7 @@
         <p:spPr>
           <a:xfrm>
             <a:off x="1280160" y="746280"/>
-            <a:ext cx="21967920" cy="167760"/>
+            <a:ext cx="21967560" cy="167400"/>
           </a:xfrm>
           <a:prstGeom prst="rect">
             <a:avLst/>
@@ -29539,7 +29755,7 @@
         <p:txBody>
           <a:bodyPr lIns="50760" rIns="50760" tIns="50760" bIns="50760"/>
           <a:p>
-            <a:pPr marL="698400" indent="-695160">
+            <a:pPr marL="698400" indent="-694800">
               <a:lnSpc>
                 <a:spcPct val="100000"/>
               </a:lnSpc>
@@ -29554,7 +29770,7 @@
               <a:buChar char=""/>
             </a:pPr>
             <a:r>
-              <a:rPr b="1" lang="en-US" sz="5500" spc="-75" strike="noStrike">
+              <a:rPr b="1" lang="en-US" sz="5500" spc="-72" strike="noStrike">
                 <a:solidFill>
                   <a:srgbClr val="000000"/>
                 </a:solidFill>
@@ -29578,7 +29794,7 @@
         <p:spPr>
           <a:xfrm>
             <a:off x="1353960" y="1737360"/>
-            <a:ext cx="22676760" cy="11977560"/>
+            <a:ext cx="22676400" cy="11977200"/>
           </a:xfrm>
           <a:prstGeom prst="rect">
             <a:avLst/>
@@ -29621,7 +29837,7 @@
               </a:spcBef>
             </a:pPr>
             <a:r>
-              <a:rPr b="0" lang="en-US" sz="3900" spc="-75" strike="noStrike">
+              <a:rPr b="0" lang="en-US" sz="3900" spc="-72" strike="noStrike">
                 <a:solidFill>
                   <a:srgbClr val="000000"/>
                 </a:solidFill>
@@ -29631,7 +29847,7 @@
               <a:t>*  RDD</a:t>
             </a:r>
             <a:r>
-              <a:rPr b="0" lang="en-US" sz="3900" spc="-75" strike="noStrike">
+              <a:rPr b="0" lang="en-US" sz="3900" spc="-72" strike="noStrike">
                 <a:solidFill>
                   <a:srgbClr val="000000"/>
                 </a:solidFill>
@@ -29641,7 +29857,7 @@
               <a:t>：是弹性分布式数据集（</a:t>
             </a:r>
             <a:r>
-              <a:rPr b="0" lang="en-US" sz="3900" spc="-75" strike="noStrike">
+              <a:rPr b="0" lang="en-US" sz="3900" spc="-72" strike="noStrike">
                 <a:solidFill>
                   <a:srgbClr val="000000"/>
                 </a:solidFill>
@@ -29651,7 +29867,7 @@
               <a:t>Resilient Distributed Dataset</a:t>
             </a:r>
             <a:r>
-              <a:rPr b="0" lang="en-US" sz="3900" spc="-75" strike="noStrike">
+              <a:rPr b="0" lang="en-US" sz="3900" spc="-72" strike="noStrike">
                 <a:solidFill>
                   <a:srgbClr val="000000"/>
                 </a:solidFill>
@@ -29674,7 +29890,7 @@
               </a:spcBef>
             </a:pPr>
             <a:r>
-              <a:rPr b="0" lang="en-US" sz="3900" spc="-75" strike="noStrike">
+              <a:rPr b="0" lang="en-US" sz="3900" spc="-72" strike="noStrike">
                 <a:solidFill>
                   <a:srgbClr val="000000"/>
                 </a:solidFill>
@@ -29684,7 +29900,7 @@
               <a:t>*  DAG</a:t>
             </a:r>
             <a:r>
-              <a:rPr b="0" lang="en-US" sz="3900" spc="-75" strike="noStrike">
+              <a:rPr b="0" lang="en-US" sz="3900" spc="-72" strike="noStrike">
                 <a:solidFill>
                   <a:srgbClr val="000000"/>
                 </a:solidFill>
@@ -29694,7 +29910,7 @@
               <a:t>：是</a:t>
             </a:r>
             <a:r>
-              <a:rPr b="0" lang="en-US" sz="3900" spc="-75" strike="noStrike">
+              <a:rPr b="0" lang="en-US" sz="3900" spc="-72" strike="noStrike">
                 <a:solidFill>
                   <a:srgbClr val="000000"/>
                 </a:solidFill>
@@ -29704,7 +29920,7 @@
               <a:t>Directed Acyclic Graph</a:t>
             </a:r>
             <a:r>
-              <a:rPr b="0" lang="en-US" sz="3900" spc="-75" strike="noStrike">
+              <a:rPr b="0" lang="en-US" sz="3900" spc="-72" strike="noStrike">
                 <a:solidFill>
                   <a:srgbClr val="000000"/>
                 </a:solidFill>
@@ -29714,7 +29930,7 @@
               <a:t>（有向无环图）的简称，反映</a:t>
             </a:r>
             <a:r>
-              <a:rPr b="0" lang="en-US" sz="3900" spc="-75" strike="noStrike">
+              <a:rPr b="0" lang="en-US" sz="3900" spc="-72" strike="noStrike">
                 <a:solidFill>
                   <a:srgbClr val="000000"/>
                 </a:solidFill>
@@ -29724,7 +29940,7 @@
               <a:t>RDD</a:t>
             </a:r>
             <a:r>
-              <a:rPr b="0" lang="en-US" sz="3900" spc="-75" strike="noStrike">
+              <a:rPr b="0" lang="en-US" sz="3900" spc="-72" strike="noStrike">
                 <a:solidFill>
                   <a:srgbClr val="000000"/>
                 </a:solidFill>
@@ -29747,7 +29963,7 @@
               </a:spcBef>
             </a:pPr>
             <a:r>
-              <a:rPr b="0" lang="en-US" sz="3900" spc="-75" strike="noStrike">
+              <a:rPr b="0" lang="en-US" sz="3900" spc="-72" strike="noStrike">
                 <a:solidFill>
                   <a:srgbClr val="000000"/>
                 </a:solidFill>
@@ -29757,7 +29973,7 @@
               <a:t>*  Executor</a:t>
             </a:r>
             <a:r>
-              <a:rPr b="0" lang="en-US" sz="3900" spc="-75" strike="noStrike">
+              <a:rPr b="0" lang="en-US" sz="3900" spc="-72" strike="noStrike">
                 <a:solidFill>
                   <a:srgbClr val="000000"/>
                 </a:solidFill>
@@ -29767,7 +29983,7 @@
               <a:t>：是运行在工作节点（</a:t>
             </a:r>
             <a:r>
-              <a:rPr b="0" lang="en-US" sz="3900" spc="-75" strike="noStrike">
+              <a:rPr b="0" lang="en-US" sz="3900" spc="-72" strike="noStrike">
                 <a:solidFill>
                   <a:srgbClr val="000000"/>
                 </a:solidFill>
@@ -29777,7 +29993,7 @@
               <a:t>Worker Node</a:t>
             </a:r>
             <a:r>
-              <a:rPr b="0" lang="en-US" sz="3900" spc="-75" strike="noStrike">
+              <a:rPr b="0" lang="en-US" sz="3900" spc="-72" strike="noStrike">
                 <a:solidFill>
                   <a:srgbClr val="000000"/>
                 </a:solidFill>
@@ -29800,7 +30016,7 @@
               </a:spcBef>
             </a:pPr>
             <a:r>
-              <a:rPr b="0" lang="en-US" sz="3900" spc="-75" strike="noStrike">
+              <a:rPr b="0" lang="en-US" sz="3900" spc="-72" strike="noStrike">
                 <a:solidFill>
                   <a:srgbClr val="000000"/>
                 </a:solidFill>
@@ -29810,7 +30026,7 @@
               <a:t>*  </a:t>
             </a:r>
             <a:r>
-              <a:rPr b="0" lang="en-US" sz="3900" spc="-75" strike="noStrike">
+              <a:rPr b="0" lang="en-US" sz="3900" spc="-72" strike="noStrike">
                 <a:solidFill>
                   <a:srgbClr val="000000"/>
                 </a:solidFill>
@@ -29820,7 +30036,7 @@
               <a:t>应用：用户编写的</a:t>
             </a:r>
             <a:r>
-              <a:rPr b="0" lang="en-US" sz="3900" spc="-75" strike="noStrike">
+              <a:rPr b="0" lang="en-US" sz="3900" spc="-72" strike="noStrike">
                 <a:solidFill>
                   <a:srgbClr val="000000"/>
                 </a:solidFill>
@@ -29830,7 +30046,7 @@
               <a:t>Spark</a:t>
             </a:r>
             <a:r>
-              <a:rPr b="0" lang="en-US" sz="3900" spc="-75" strike="noStrike">
+              <a:rPr b="0" lang="en-US" sz="3900" spc="-72" strike="noStrike">
                 <a:solidFill>
                   <a:srgbClr val="000000"/>
                 </a:solidFill>
@@ -29853,7 +30069,7 @@
               </a:spcBef>
             </a:pPr>
             <a:r>
-              <a:rPr b="0" lang="en-US" sz="3900" spc="-75" strike="noStrike">
+              <a:rPr b="0" lang="en-US" sz="3900" spc="-72" strike="noStrike">
                 <a:solidFill>
                   <a:srgbClr val="000000"/>
                 </a:solidFill>
@@ -29863,7 +30079,7 @@
               <a:t>*  </a:t>
             </a:r>
             <a:r>
-              <a:rPr b="0" lang="en-US" sz="3900" spc="-75" strike="noStrike">
+              <a:rPr b="0" lang="en-US" sz="3900" spc="-72" strike="noStrike">
                 <a:solidFill>
                   <a:srgbClr val="000000"/>
                 </a:solidFill>
@@ -29873,7 +30089,7 @@
               <a:t>任务：运行在</a:t>
             </a:r>
             <a:r>
-              <a:rPr b="0" lang="en-US" sz="3900" spc="-75" strike="noStrike">
+              <a:rPr b="0" lang="en-US" sz="3900" spc="-72" strike="noStrike">
                 <a:solidFill>
                   <a:srgbClr val="000000"/>
                 </a:solidFill>
@@ -29883,7 +30099,7 @@
               <a:t>Executor</a:t>
             </a:r>
             <a:r>
-              <a:rPr b="0" lang="en-US" sz="3900" spc="-75" strike="noStrike">
+              <a:rPr b="0" lang="en-US" sz="3900" spc="-72" strike="noStrike">
                 <a:solidFill>
                   <a:srgbClr val="000000"/>
                 </a:solidFill>
@@ -29906,7 +30122,7 @@
               </a:spcBef>
             </a:pPr>
             <a:r>
-              <a:rPr b="0" lang="en-US" sz="3900" spc="-75" strike="noStrike">
+              <a:rPr b="0" lang="en-US" sz="3900" spc="-72" strike="noStrike">
                 <a:solidFill>
                   <a:srgbClr val="000000"/>
                 </a:solidFill>
@@ -29916,7 +30132,7 @@
               <a:t>*  </a:t>
             </a:r>
             <a:r>
-              <a:rPr b="0" lang="en-US" sz="3900" spc="-75" strike="noStrike">
+              <a:rPr b="0" lang="en-US" sz="3900" spc="-72" strike="noStrike">
                 <a:solidFill>
                   <a:srgbClr val="000000"/>
                 </a:solidFill>
@@ -29926,7 +30142,7 @@
               <a:t>作业：一个作业包含多个</a:t>
             </a:r>
             <a:r>
-              <a:rPr b="0" lang="en-US" sz="3900" spc="-75" strike="noStrike">
+              <a:rPr b="0" lang="en-US" sz="3900" spc="-72" strike="noStrike">
                 <a:solidFill>
                   <a:srgbClr val="000000"/>
                 </a:solidFill>
@@ -29936,7 +30152,7 @@
               <a:t>RDD</a:t>
             </a:r>
             <a:r>
-              <a:rPr b="0" lang="en-US" sz="3900" spc="-75" strike="noStrike">
+              <a:rPr b="0" lang="en-US" sz="3900" spc="-72" strike="noStrike">
                 <a:solidFill>
                   <a:srgbClr val="000000"/>
                 </a:solidFill>
@@ -29946,7 +30162,7 @@
               <a:t>及作用于相应</a:t>
             </a:r>
             <a:r>
-              <a:rPr b="0" lang="en-US" sz="3900" spc="-75" strike="noStrike">
+              <a:rPr b="0" lang="en-US" sz="3900" spc="-72" strike="noStrike">
                 <a:solidFill>
                   <a:srgbClr val="000000"/>
                 </a:solidFill>
@@ -29956,7 +30172,7 @@
               <a:t>RDD</a:t>
             </a:r>
             <a:r>
-              <a:rPr b="0" lang="en-US" sz="3900" spc="-75" strike="noStrike">
+              <a:rPr b="0" lang="en-US" sz="3900" spc="-72" strike="noStrike">
                 <a:solidFill>
                   <a:srgbClr val="000000"/>
                 </a:solidFill>
@@ -29979,7 +30195,7 @@
               </a:spcBef>
             </a:pPr>
             <a:r>
-              <a:rPr b="0" lang="en-US" sz="3900" spc="-75" strike="noStrike">
+              <a:rPr b="0" lang="en-US" sz="3900" spc="-72" strike="noStrike">
                 <a:solidFill>
                   <a:srgbClr val="000000"/>
                 </a:solidFill>
@@ -29989,7 +30205,7 @@
               <a:t>*  </a:t>
             </a:r>
             <a:r>
-              <a:rPr b="0" lang="en-US" sz="3900" spc="-75" strike="noStrike">
+              <a:rPr b="0" lang="en-US" sz="3900" spc="-72" strike="noStrike">
                 <a:solidFill>
                   <a:srgbClr val="000000"/>
                 </a:solidFill>
@@ -30062,7 +30278,7 @@
         <p:spPr>
           <a:xfrm>
             <a:off x="1206360" y="746280"/>
-            <a:ext cx="21967920" cy="513360"/>
+            <a:ext cx="21967560" cy="513000"/>
           </a:xfrm>
           <a:prstGeom prst="rect">
             <a:avLst/>
@@ -30088,7 +30304,7 @@
         <p:spPr>
           <a:xfrm>
             <a:off x="1280160" y="746280"/>
-            <a:ext cx="21967920" cy="489960"/>
+            <a:ext cx="21967560" cy="489600"/>
           </a:xfrm>
           <a:prstGeom prst="rect">
             <a:avLst/>
@@ -30107,7 +30323,7 @@
         <p:txBody>
           <a:bodyPr lIns="50760" rIns="50760" tIns="50760" bIns="50760"/>
           <a:p>
-            <a:pPr marL="698400" indent="-695160">
+            <a:pPr marL="698400" indent="-694800">
               <a:lnSpc>
                 <a:spcPct val="100000"/>
               </a:lnSpc>
@@ -30122,7 +30338,7 @@
               <a:buChar char=""/>
             </a:pPr>
             <a:r>
-              <a:rPr b="1" lang="en-US" sz="5500" spc="-75" strike="noStrike">
+              <a:rPr b="1" lang="en-US" sz="5500" spc="-72" strike="noStrike">
                 <a:solidFill>
                   <a:srgbClr val="000000"/>
                 </a:solidFill>
@@ -30146,7 +30362,7 @@
         <p:spPr>
           <a:xfrm>
             <a:off x="5821920" y="2031840"/>
-            <a:ext cx="18561960" cy="9783720"/>
+            <a:ext cx="18561600" cy="9783360"/>
           </a:xfrm>
           <a:prstGeom prst="rect">
             <a:avLst/>
@@ -30176,7 +30392,7 @@
         <p:spPr>
           <a:xfrm>
             <a:off x="5821920" y="5338440"/>
-            <a:ext cx="3748680" cy="2819520"/>
+            <a:ext cx="3748320" cy="2819160"/>
           </a:xfrm>
           <a:prstGeom prst="rect">
             <a:avLst/>
@@ -30234,7 +30450,7 @@
         <p:spPr>
           <a:xfrm>
             <a:off x="6096240" y="6603840"/>
-            <a:ext cx="3200040" cy="1462680"/>
+            <a:ext cx="3199680" cy="1462320"/>
           </a:xfrm>
           <a:prstGeom prst="rect">
             <a:avLst/>
@@ -30292,7 +30508,7 @@
         <p:spPr>
           <a:xfrm>
             <a:off x="9479520" y="6512400"/>
-            <a:ext cx="1279800" cy="731160"/>
+            <a:ext cx="1279440" cy="730800"/>
           </a:xfrm>
           <a:custGeom>
             <a:avLst/>
@@ -30367,7 +30583,7 @@
         <p:spPr>
           <a:xfrm>
             <a:off x="10759680" y="6055200"/>
-            <a:ext cx="3748680" cy="1737000"/>
+            <a:ext cx="3748320" cy="1736640"/>
           </a:xfrm>
           <a:prstGeom prst="rect">
             <a:avLst/>
@@ -30425,7 +30641,7 @@
         <p:spPr>
           <a:xfrm>
             <a:off x="19263600" y="2011680"/>
-            <a:ext cx="5120280" cy="3200040"/>
+            <a:ext cx="5119920" cy="3199680"/>
           </a:xfrm>
           <a:prstGeom prst="rect">
             <a:avLst/>
@@ -30483,7 +30699,7 @@
         <p:spPr>
           <a:xfrm>
             <a:off x="19263600" y="2926080"/>
-            <a:ext cx="5028840" cy="2305800"/>
+            <a:ext cx="5028480" cy="2305440"/>
           </a:xfrm>
           <a:prstGeom prst="rect">
             <a:avLst/>
@@ -30541,7 +30757,7 @@
         <p:spPr>
           <a:xfrm>
             <a:off x="21823920" y="2946240"/>
-            <a:ext cx="2468520" cy="914040"/>
+            <a:ext cx="2468160" cy="913680"/>
           </a:xfrm>
           <a:prstGeom prst="rect">
             <a:avLst/>
@@ -30599,7 +30815,7 @@
         <p:spPr>
           <a:xfrm>
             <a:off x="21823920" y="4134960"/>
-            <a:ext cx="2468520" cy="914040"/>
+            <a:ext cx="2468160" cy="913680"/>
           </a:xfrm>
           <a:prstGeom prst="rect">
             <a:avLst/>
@@ -30657,7 +30873,7 @@
         <p:spPr>
           <a:xfrm>
             <a:off x="19263600" y="4134960"/>
-            <a:ext cx="2468520" cy="914040"/>
+            <a:ext cx="2468160" cy="913680"/>
           </a:xfrm>
           <a:prstGeom prst="rect">
             <a:avLst/>
@@ -30715,7 +30931,7 @@
         <p:spPr>
           <a:xfrm>
             <a:off x="19263600" y="6146640"/>
-            <a:ext cx="5120280" cy="3200040"/>
+            <a:ext cx="5119920" cy="3199680"/>
           </a:xfrm>
           <a:prstGeom prst="rect">
             <a:avLst/>
@@ -30773,7 +30989,7 @@
         <p:spPr>
           <a:xfrm>
             <a:off x="19263600" y="7061040"/>
-            <a:ext cx="5028840" cy="2305800"/>
+            <a:ext cx="5028480" cy="2305440"/>
           </a:xfrm>
           <a:prstGeom prst="rect">
             <a:avLst/>
@@ -30831,7 +31047,7 @@
         <p:spPr>
           <a:xfrm>
             <a:off x="21823920" y="7081200"/>
-            <a:ext cx="2468520" cy="914040"/>
+            <a:ext cx="2468160" cy="913680"/>
           </a:xfrm>
           <a:prstGeom prst="rect">
             <a:avLst/>
@@ -30889,7 +31105,7 @@
         <p:spPr>
           <a:xfrm>
             <a:off x="21823920" y="8269920"/>
-            <a:ext cx="2468520" cy="914040"/>
+            <a:ext cx="2468160" cy="913680"/>
           </a:xfrm>
           <a:prstGeom prst="rect">
             <a:avLst/>
@@ -30947,7 +31163,7 @@
         <p:spPr>
           <a:xfrm>
             <a:off x="19263600" y="8269920"/>
-            <a:ext cx="2468520" cy="914040"/>
+            <a:ext cx="2468160" cy="913680"/>
           </a:xfrm>
           <a:prstGeom prst="rect">
             <a:avLst/>
@@ -31005,7 +31221,7 @@
         <p:spPr>
           <a:xfrm>
             <a:off x="19263600" y="10535760"/>
-            <a:ext cx="5120280" cy="1279800"/>
+            <a:ext cx="5119920" cy="1279440"/>
           </a:xfrm>
           <a:prstGeom prst="rect">
             <a:avLst/>
@@ -31082,8 +31298,8 @@
         </p:nvSpPr>
         <p:spPr>
           <a:xfrm rot="20197200">
-            <a:off x="14335560" y="5115240"/>
-            <a:ext cx="5074560" cy="639720"/>
+            <a:off x="14335200" y="5115240"/>
+            <a:ext cx="5074200" cy="639360"/>
           </a:xfrm>
           <a:custGeom>
             <a:avLst/>
@@ -31148,8 +31364,8 @@
         </p:nvSpPr>
         <p:spPr>
           <a:xfrm rot="576600">
-            <a:off x="14583240" y="6987600"/>
-            <a:ext cx="4658760" cy="639720"/>
+            <a:off x="14582880" y="6987240"/>
+            <a:ext cx="4658400" cy="639360"/>
           </a:xfrm>
           <a:custGeom>
             <a:avLst/>
@@ -31266,14 +31482,14 @@
       </p:sp>
       <p:sp>
         <p:nvSpPr>
-          <p:cNvPr id="332" name="TextShape 23"/>
-          <p:cNvSpPr txBox="1"/>
+          <p:cNvPr id="332" name="CustomShape 23"/>
+          <p:cNvSpPr/>
           <p:nvPr/>
         </p:nvSpPr>
         <p:spPr>
           <a:xfrm>
             <a:off x="106920" y="2194560"/>
-            <a:ext cx="5470920" cy="11338560"/>
+            <a:ext cx="5470560" cy="11338200"/>
           </a:xfrm>
           <a:prstGeom prst="rect">
             <a:avLst/>
@@ -31283,14 +31499,25 @@
             <a:noFill/>
           </a:ln>
         </p:spPr>
+        <p:style>
+          <a:lnRef idx="0"/>
+          <a:fillRef idx="0"/>
+          <a:effectRef idx="0"/>
+          <a:fontRef idx="minor"/>
+        </p:style>
         <p:txBody>
           <a:bodyPr lIns="90000" rIns="90000" tIns="45000" bIns="45000"/>
           <a:p>
+            <a:pPr>
+              <a:lnSpc>
+                <a:spcPct val="100000"/>
+              </a:lnSpc>
+            </a:pPr>
             <a:r>
               <a:rPr b="0" lang="en-US" sz="2400" spc="-1" strike="noStrike">
                 <a:latin typeface="Arial"/>
               </a:rPr>
-              <a:t>如图上图所示，</a:t>
+              <a:t>如图所示，</a:t>
             </a:r>
             <a:r>
               <a:rPr b="0" lang="en-US" sz="2400" spc="-1" strike="noStrike">
@@ -31393,6 +31620,11 @@
             </a:endParaRPr>
           </a:p>
           <a:p>
+            <a:pPr>
+              <a:lnSpc>
+                <a:spcPct val="100000"/>
+              </a:lnSpc>
+            </a:pPr>
             <a:r>
               <a:rPr b="0" lang="en-US" sz="2400" spc="-1" strike="noStrike">
                 <a:latin typeface="Arial"/>
@@ -31571,7 +31803,7 @@
         <p:spPr>
           <a:xfrm>
             <a:off x="1206360" y="532800"/>
-            <a:ext cx="21967920" cy="1083960"/>
+            <a:ext cx="21967560" cy="1083600"/>
           </a:xfrm>
           <a:prstGeom prst="rect">
             <a:avLst/>
@@ -31590,7 +31822,7 @@
         <p:txBody>
           <a:bodyPr lIns="50760" rIns="50760" tIns="50760" bIns="50760"/>
           <a:p>
-            <a:pPr marL="698400" indent="-695160">
+            <a:pPr marL="698400" indent="-694800">
               <a:lnSpc>
                 <a:spcPct val="100000"/>
               </a:lnSpc>
@@ -31605,7 +31837,7 @@
               <a:buChar char=""/>
             </a:pPr>
             <a:r>
-              <a:rPr b="1" lang="en-US" sz="5500" spc="-75" strike="noStrike">
+              <a:rPr b="1" lang="en-US" sz="5500" spc="-72" strike="noStrike">
                 <a:solidFill>
                   <a:srgbClr val="000000"/>
                 </a:solidFill>
@@ -31615,7 +31847,7 @@
               <a:t>Spark</a:t>
             </a:r>
             <a:r>
-              <a:rPr b="1" lang="en-US" sz="5500" spc="-75" strike="noStrike">
+              <a:rPr b="1" lang="en-US" sz="5500" spc="-72" strike="noStrike">
                 <a:solidFill>
                   <a:srgbClr val="000000"/>
                 </a:solidFill>
@@ -31639,9 +31871,9 @@
         <p:grpSpPr>
           <a:xfrm>
             <a:off x="1817280" y="1514520"/>
-            <a:ext cx="22350240" cy="13305600"/>
+            <a:ext cx="22349880" cy="13305240"/>
             <a:chOff x="1817280" y="1514520"/>
-            <a:chExt cx="22350240" cy="13305600"/>
+            <a:chExt cx="22349880" cy="13305240"/>
           </a:xfrm>
         </p:grpSpPr>
         <p:sp>
@@ -31653,7 +31885,7 @@
           <p:spPr>
             <a:xfrm>
               <a:off x="1817280" y="1514520"/>
-              <a:ext cx="22350240" cy="13305600"/>
+              <a:ext cx="22349880" cy="13305240"/>
             </a:xfrm>
             <a:prstGeom prst="rect">
               <a:avLst/>
@@ -31681,7 +31913,7 @@
           <p:spPr>
             <a:xfrm>
               <a:off x="1817280" y="1514520"/>
-              <a:ext cx="22350240" cy="13305600"/>
+              <a:ext cx="22349880" cy="13305240"/>
             </a:xfrm>
             <a:prstGeom prst="rect">
               <a:avLst/>
@@ -31702,7 +31934,7 @@
               <a:normAutofit/>
             </a:bodyPr>
             <a:p>
-              <a:pPr marL="611280" indent="-608040">
+              <a:pPr marL="611280" indent="-607680">
                 <a:lnSpc>
                   <a:spcPct val="100000"/>
                 </a:lnSpc>
@@ -31716,7 +31948,7 @@
                 <a:buAutoNum type="alphaUcPeriod"/>
               </a:pPr>
               <a:r>
-                <a:rPr b="1" lang="en-US" sz="3700" spc="-75" strike="noStrike">
+                <a:rPr b="1" lang="en-US" sz="3700" spc="-72" strike="noStrike">
                   <a:solidFill>
                     <a:srgbClr val="000000"/>
                   </a:solidFill>
@@ -31726,7 +31958,7 @@
                 <a:t>Local </a:t>
               </a:r>
               <a:r>
-                <a:rPr b="1" lang="en-US" sz="3700" spc="-75" strike="noStrike">
+                <a:rPr b="1" lang="en-US" sz="3700" spc="-72" strike="noStrike">
                   <a:solidFill>
                     <a:srgbClr val="000000"/>
                   </a:solidFill>
@@ -31736,7 +31968,7 @@
                 <a:t>模式</a:t>
               </a:r>
               <a:r>
-                <a:rPr b="1" lang="en-US" sz="3700" spc="-75" strike="noStrike">
+                <a:rPr b="1" lang="en-US" sz="3700" spc="-72" strike="noStrike">
                   <a:solidFill>
                     <a:srgbClr val="000000"/>
                   </a:solidFill>
@@ -31759,7 +31991,7 @@
                 </a:spcBef>
               </a:pPr>
               <a:r>
-                <a:rPr b="0" lang="en-US" sz="3400" spc="-75" strike="noStrike">
+                <a:rPr b="0" lang="en-US" sz="3400" spc="-72" strike="noStrike">
                   <a:solidFill>
                     <a:srgbClr val="000000"/>
                   </a:solidFill>
@@ -31769,7 +32001,7 @@
                 <a:t>Local </a:t>
               </a:r>
               <a:r>
-                <a:rPr b="0" lang="en-US" sz="3400" spc="-75" strike="noStrike">
+                <a:rPr b="0" lang="en-US" sz="3400" spc="-72" strike="noStrike">
                   <a:solidFill>
                     <a:srgbClr val="000000"/>
                   </a:solidFill>
@@ -31779,7 +32011,7 @@
                 <a:t>模式就是指的只在一台计算机上来运行</a:t>
               </a:r>
               <a:r>
-                <a:rPr b="0" lang="en-US" sz="3400" spc="-75" strike="noStrike">
+                <a:rPr b="0" lang="en-US" sz="3400" spc="-72" strike="noStrike">
                   <a:solidFill>
                     <a:srgbClr val="000000"/>
                   </a:solidFill>
@@ -31802,7 +32034,7 @@
                 </a:spcBef>
               </a:pPr>
               <a:r>
-                <a:rPr b="0" lang="en-US" sz="3400" spc="-75" strike="noStrike">
+                <a:rPr b="0" lang="en-US" sz="3400" spc="-72" strike="noStrike">
                   <a:solidFill>
                     <a:srgbClr val="000000"/>
                   </a:solidFill>
@@ -31812,7 +32044,7 @@
                 <a:t>通常用于测试的目的来使用</a:t>
               </a:r>
               <a:r>
-                <a:rPr b="0" lang="en-US" sz="3400" spc="-75" strike="noStrike">
+                <a:rPr b="0" lang="en-US" sz="3400" spc="-72" strike="noStrike">
                   <a:solidFill>
                     <a:srgbClr val="000000"/>
                   </a:solidFill>
@@ -31822,7 +32054,7 @@
                 <a:t>Local</a:t>
               </a:r>
               <a:r>
-                <a:rPr b="0" lang="en-US" sz="3400" spc="-75" strike="noStrike">
+                <a:rPr b="0" lang="en-US" sz="3400" spc="-72" strike="noStrike">
                   <a:solidFill>
                     <a:srgbClr val="000000"/>
                   </a:solidFill>
@@ -31832,7 +32064,7 @@
                 <a:t>模式，实际的生产环境中不会使用</a:t>
               </a:r>
               <a:r>
-                <a:rPr b="0" lang="en-US" sz="3400" spc="-75" strike="noStrike">
+                <a:rPr b="0" lang="en-US" sz="3400" spc="-72" strike="noStrike">
                   <a:solidFill>
                     <a:srgbClr val="000000"/>
                   </a:solidFill>
@@ -31842,7 +32074,7 @@
                 <a:t>Local</a:t>
               </a:r>
               <a:r>
-                <a:rPr b="0" lang="en-US" sz="3400" spc="-75" strike="noStrike">
+                <a:rPr b="0" lang="en-US" sz="3400" spc="-72" strike="noStrike">
                   <a:solidFill>
                     <a:srgbClr val="000000"/>
                   </a:solidFill>
@@ -31852,7 +32084,7 @@
                 <a:t>模</a:t>
               </a:r>
               <a:r>
-                <a:rPr b="0" lang="en-US" sz="2800" spc="-75" strike="noStrike">
+                <a:rPr b="0" lang="en-US" sz="2800" spc="-72" strike="noStrike">
                   <a:solidFill>
                     <a:srgbClr val="000000"/>
                   </a:solidFill>
@@ -31866,7 +32098,7 @@
               </a:endParaRPr>
             </a:p>
             <a:p>
-              <a:pPr lvl="1" marL="1066680" indent="-530280">
+              <a:pPr lvl="1" marL="1066680" indent="-529920">
                 <a:lnSpc>
                   <a:spcPct val="100000"/>
                 </a:lnSpc>
@@ -31880,7 +32112,7 @@
                 <a:buAutoNum type="arabicPeriod"/>
               </a:pPr>
               <a:r>
-                <a:rPr b="1" lang="en-US" sz="3400" spc="-75" strike="noStrike">
+                <a:rPr b="1" lang="en-US" sz="3400" spc="-72" strike="noStrike">
                   <a:solidFill>
                     <a:srgbClr val="000000"/>
                   </a:solidFill>
@@ -31890,7 +32122,7 @@
                 <a:t>解压</a:t>
               </a:r>
               <a:r>
-                <a:rPr b="1" lang="en-US" sz="3400" spc="-75" strike="noStrike">
+                <a:rPr b="1" lang="en-US" sz="3400" spc="-72" strike="noStrike">
                   <a:solidFill>
                     <a:srgbClr val="000000"/>
                   </a:solidFill>
@@ -31900,7 +32132,7 @@
                 <a:t>Spark</a:t>
               </a:r>
               <a:r>
-                <a:rPr b="1" lang="en-US" sz="3400" spc="-75" strike="noStrike">
+                <a:rPr b="1" lang="en-US" sz="3400" spc="-72" strike="noStrike">
                   <a:solidFill>
                     <a:srgbClr val="000000"/>
                   </a:solidFill>
@@ -31923,7 +32155,7 @@
                 </a:spcBef>
               </a:pPr>
               <a:r>
-                <a:rPr b="0" lang="en-US" sz="3400" spc="-75" strike="noStrike">
+                <a:rPr b="0" lang="en-US" sz="3400" spc="-72" strike="noStrike">
                   <a:solidFill>
                     <a:srgbClr val="000000"/>
                   </a:solidFill>
@@ -31933,7 +32165,7 @@
                 <a:t>从</a:t>
               </a:r>
               <a:r>
-                <a:rPr b="0" lang="en-US" sz="3400" spc="-75" strike="noStrike">
+                <a:rPr b="0" lang="en-US" sz="3400" spc="-72" strike="noStrike">
                   <a:solidFill>
                     <a:srgbClr val="000000"/>
                   </a:solidFill>
@@ -31943,7 +32175,7 @@
                 <a:t>Spark</a:t>
               </a:r>
               <a:r>
-                <a:rPr b="0" lang="en-US" sz="3400" spc="-75" strike="noStrike">
+                <a:rPr b="0" lang="en-US" sz="3400" spc="-72" strike="noStrike">
                   <a:solidFill>
                     <a:srgbClr val="000000"/>
                   </a:solidFill>
@@ -31953,7 +32185,7 @@
                 <a:t>官网</a:t>
               </a:r>
               <a:r>
-                <a:rPr b="0" lang="en-US" sz="3400" spc="-75" strike="noStrike">
+                <a:rPr b="0" lang="en-US" sz="3400" spc="-72" strike="noStrike">
                   <a:solidFill>
                     <a:srgbClr val="000000"/>
                   </a:solidFill>
@@ -31963,7 +32195,7 @@
                 <a:t>(</a:t>
               </a:r>
               <a:r>
-                <a:rPr b="0" lang="en-US" sz="3400" spc="-75" strike="noStrike" u="sng">
+                <a:rPr b="0" lang="en-US" sz="3400" spc="-72" strike="noStrike" u="sng">
                   <a:solidFill>
                     <a:srgbClr val="0000ff"/>
                   </a:solidFill>
@@ -31975,7 +32207,7 @@
                 <a:t>https://spark.apache.org/downloads.html</a:t>
               </a:r>
               <a:r>
-                <a:rPr b="0" lang="en-US" sz="3400" spc="-75" strike="noStrike">
+                <a:rPr b="0" lang="en-US" sz="3400" spc="-72" strike="noStrike">
                   <a:solidFill>
                     <a:srgbClr val="000000"/>
                   </a:solidFill>
@@ -31985,7 +32217,7 @@
                 <a:t>)</a:t>
               </a:r>
               <a:r>
-                <a:rPr b="0" lang="en-US" sz="3400" spc="-75" strike="noStrike">
+                <a:rPr b="0" lang="en-US" sz="3400" spc="-72" strike="noStrike">
                   <a:solidFill>
                     <a:srgbClr val="000000"/>
                   </a:solidFill>
@@ -31995,7 +32227,7 @@
                 <a:t>下载安装包</a:t>
               </a:r>
               <a:r>
-                <a:rPr b="0" lang="en-US" sz="3400" spc="-75" strike="noStrike">
+                <a:rPr b="0" lang="en-US" sz="3400" spc="-72" strike="noStrike">
                   <a:solidFill>
                     <a:srgbClr val="000000"/>
                   </a:solidFill>
@@ -32005,7 +32237,7 @@
                 <a:t>,</a:t>
               </a:r>
               <a:r>
-                <a:rPr b="0" lang="en-US" sz="3400" spc="-75" strike="noStrike">
+                <a:rPr b="0" lang="en-US" sz="3400" spc="-72" strike="noStrike">
                   <a:solidFill>
                     <a:srgbClr val="000000"/>
                   </a:solidFill>
@@ -32015,7 +32247,7 @@
                 <a:t>选择</a:t>
               </a:r>
               <a:r>
-                <a:rPr b="0" lang="en-US" sz="3400" spc="-75" strike="noStrike">
+                <a:rPr b="0" lang="en-US" sz="3400" spc="-72" strike="noStrike">
                   <a:solidFill>
                     <a:srgbClr val="000000"/>
                   </a:solidFill>
@@ -32025,7 +32257,7 @@
                 <a:t>Pre-built for Apache Hadoop 2.7,</a:t>
               </a:r>
               <a:r>
-                <a:rPr b="0" lang="en-US" sz="3400" spc="-75" strike="noStrike">
+                <a:rPr b="0" lang="en-US" sz="3400" spc="-72" strike="noStrike">
                   <a:solidFill>
                     <a:srgbClr val="000000"/>
                   </a:solidFill>
@@ -32035,7 +32267,7 @@
                 <a:t>下载对应安装包</a:t>
               </a:r>
               <a:r>
-                <a:rPr b="0" lang="en-US" sz="3400" spc="-75" strike="noStrike">
+                <a:rPr b="0" lang="en-US" sz="3400" spc="-72" strike="noStrike">
                   <a:solidFill>
                     <a:srgbClr val="000000"/>
                   </a:solidFill>
@@ -32045,7 +32277,7 @@
                 <a:t>spark-3.0.0-bin-hadoop2.7.tgz</a:t>
               </a:r>
               <a:r>
-                <a:rPr b="0" lang="en-US" sz="3400" spc="-75" strike="noStrike">
+                <a:rPr b="0" lang="en-US" sz="3400" spc="-72" strike="noStrike">
                   <a:solidFill>
                     <a:srgbClr val="000000"/>
                   </a:solidFill>
@@ -32055,7 +32287,7 @@
                 <a:t>，并解压到指定安装目录</a:t>
               </a:r>
               <a:r>
-                <a:rPr b="0" lang="en-US" sz="3400" spc="-75" strike="noStrike">
+                <a:rPr b="0" lang="en-US" sz="3400" spc="-72" strike="noStrike">
                   <a:solidFill>
                     <a:srgbClr val="000000"/>
                   </a:solidFill>
@@ -32078,7 +32310,7 @@
                 </a:spcBef>
               </a:pPr>
               <a:r>
-                <a:rPr b="1" lang="en-US" sz="3400" spc="-75" strike="noStrike">
+                <a:rPr b="1" lang="en-US" sz="3400" spc="-72" strike="noStrike">
                   <a:solidFill>
                     <a:srgbClr val="000000"/>
                   </a:solidFill>
@@ -32101,7 +32333,7 @@
                 </a:spcBef>
               </a:pPr>
               <a:r>
-                <a:rPr b="0" lang="en-US" sz="3400" spc="-75" strike="noStrike">
+                <a:rPr b="0" lang="en-US" sz="3400" spc="-72" strike="noStrike">
                   <a:solidFill>
                     <a:srgbClr val="000000"/>
                   </a:solidFill>
@@ -32111,7 +32343,7 @@
                 <a:t>然后重命名为</a:t>
               </a:r>
               <a:r>
-                <a:rPr b="0" lang="en-US" sz="3400" spc="-75" strike="noStrike">
+                <a:rPr b="0" lang="en-US" sz="3400" spc="-72" strike="noStrike">
                   <a:solidFill>
                     <a:srgbClr val="000000"/>
                   </a:solidFill>
@@ -32134,7 +32366,7 @@
                 </a:spcBef>
               </a:pPr>
               <a:r>
-                <a:rPr b="1" lang="en-US" sz="3400" spc="-75" strike="noStrike">
+                <a:rPr b="1" lang="en-US" sz="3400" spc="-72" strike="noStrike">
                   <a:solidFill>
                     <a:srgbClr val="000000"/>
                   </a:solidFill>
@@ -32161,7 +32393,7 @@
               </a:endParaRPr>
             </a:p>
             <a:p>
-              <a:pPr lvl="1" marL="1066680" indent="-530280">
+              <a:pPr lvl="1" marL="1066680" indent="-529920">
                 <a:lnSpc>
                   <a:spcPct val="100000"/>
                 </a:lnSpc>
@@ -32175,7 +32407,7 @@
                 <a:buAutoNum type="arabicPeriod"/>
               </a:pPr>
               <a:r>
-                <a:rPr b="1" lang="en-US" sz="3400" spc="-75" strike="noStrike">
+                <a:rPr b="1" lang="en-US" sz="3400" spc="-72" strike="noStrike">
                   <a:solidFill>
                     <a:srgbClr val="000000"/>
                   </a:solidFill>
@@ -32185,7 +32417,7 @@
                 <a:t>设置</a:t>
               </a:r>
               <a:r>
-                <a:rPr b="1" lang="en-US" sz="3400" spc="-75" strike="noStrike">
+                <a:rPr b="1" lang="en-US" sz="3400" spc="-72" strike="noStrike">
                   <a:solidFill>
                     <a:srgbClr val="000000"/>
                   </a:solidFill>
@@ -32195,7 +32427,7 @@
                 <a:t>Spark</a:t>
               </a:r>
               <a:r>
-                <a:rPr b="1" lang="en-US" sz="3400" spc="-75" strike="noStrike">
+                <a:rPr b="1" lang="en-US" sz="3400" spc="-72" strike="noStrike">
                   <a:solidFill>
                     <a:srgbClr val="000000"/>
                   </a:solidFill>
@@ -32205,7 +32437,7 @@
                 <a:t>的环境变量以启动</a:t>
               </a:r>
               <a:r>
-                <a:rPr b="1" lang="en-US" sz="3400" spc="-75" strike="noStrike">
+                <a:rPr b="1" lang="en-US" sz="3400" spc="-72" strike="noStrike">
                   <a:solidFill>
                     <a:srgbClr val="000000"/>
                   </a:solidFill>
@@ -32215,7 +32447,7 @@
                 <a:t>PySpark,</a:t>
               </a:r>
               <a:r>
-                <a:rPr b="1" lang="en-US" sz="3400" spc="-75" strike="noStrike">
+                <a:rPr b="1" lang="en-US" sz="3400" spc="-72" strike="noStrike">
                   <a:solidFill>
                     <a:srgbClr val="000000"/>
                   </a:solidFill>
@@ -32225,7 +32457,7 @@
                 <a:t>将以下内容添加到</a:t>
               </a:r>
               <a:r>
-                <a:rPr b="1" lang="en-US" sz="3400" spc="-75" strike="noStrike">
+                <a:rPr b="1" lang="en-US" sz="3400" spc="-72" strike="noStrike">
                   <a:solidFill>
                     <a:srgbClr val="000000"/>
                   </a:solidFill>
@@ -32235,7 +32467,7 @@
                 <a:t>~/.bashrc, </a:t>
               </a:r>
               <a:r>
-                <a:rPr b="1" lang="en-US" sz="3400" spc="-75" strike="noStrike">
+                <a:rPr b="1" lang="en-US" sz="3400" spc="-72" strike="noStrike">
                   <a:solidFill>
                     <a:srgbClr val="000000"/>
                   </a:solidFill>
@@ -32245,7 +32477,7 @@
                 <a:t>然后</a:t>
               </a:r>
               <a:r>
-                <a:rPr b="1" lang="en-US" sz="3400" spc="-75" strike="noStrike">
+                <a:rPr b="1" lang="en-US" sz="3400" spc="-72" strike="noStrike">
                   <a:solidFill>
                     <a:srgbClr val="000000"/>
                   </a:solidFill>
@@ -32320,7 +32552,7 @@
                 </a:spcBef>
               </a:pPr>
               <a:r>
-                <a:rPr b="1" lang="en-US" sz="2800" spc="-75" strike="noStrike">
+                <a:rPr b="1" lang="en-US" sz="2800" spc="-72" strike="noStrike">
                   <a:solidFill>
                     <a:srgbClr val="000000"/>
                   </a:solidFill>
@@ -32371,9 +32603,9 @@
         <p:grpSpPr>
           <a:xfrm>
             <a:off x="2458440" y="8960400"/>
-            <a:ext cx="21649320" cy="2435040"/>
+            <a:ext cx="21648960" cy="2434680"/>
             <a:chOff x="2458440" y="8960400"/>
-            <a:chExt cx="21649320" cy="2435040"/>
+            <a:chExt cx="21648960" cy="2434680"/>
           </a:xfrm>
         </p:grpSpPr>
         <p:sp>
@@ -32385,7 +32617,7 @@
           <p:spPr>
             <a:xfrm>
               <a:off x="2458440" y="9043200"/>
-              <a:ext cx="21649320" cy="2268720"/>
+              <a:ext cx="21648960" cy="2268360"/>
             </a:xfrm>
             <a:prstGeom prst="rect">
               <a:avLst/>
@@ -32413,7 +32645,7 @@
           <p:spPr>
             <a:xfrm>
               <a:off x="2458440" y="8960400"/>
-              <a:ext cx="21649320" cy="2435040"/>
+              <a:ext cx="21648960" cy="2434680"/>
             </a:xfrm>
             <a:prstGeom prst="rect">
               <a:avLst/>
@@ -32942,9 +33174,9 @@
         <p:grpSpPr>
           <a:xfrm>
             <a:off x="1297440" y="1728360"/>
-            <a:ext cx="19791360" cy="809280"/>
+            <a:ext cx="19791000" cy="808920"/>
             <a:chOff x="1297440" y="1728360"/>
-            <a:chExt cx="19791360" cy="809280"/>
+            <a:chExt cx="19791000" cy="808920"/>
           </a:xfrm>
         </p:grpSpPr>
         <p:sp>
@@ -32956,7 +33188,7 @@
           <p:spPr>
             <a:xfrm>
               <a:off x="1297440" y="1772640"/>
-              <a:ext cx="19791360" cy="720720"/>
+              <a:ext cx="19791000" cy="720360"/>
             </a:xfrm>
             <a:prstGeom prst="rect">
               <a:avLst/>
@@ -32984,7 +33216,7 @@
           <p:spPr>
             <a:xfrm>
               <a:off x="1297440" y="1728360"/>
-              <a:ext cx="19791360" cy="809280"/>
+              <a:ext cx="19791000" cy="808920"/>
             </a:xfrm>
             <a:prstGeom prst="rect">
               <a:avLst/>
@@ -33034,9 +33266,9 @@
         <p:grpSpPr>
           <a:xfrm>
             <a:off x="1297440" y="2713680"/>
-            <a:ext cx="19791360" cy="7109280"/>
+            <a:ext cx="19791000" cy="7108920"/>
             <a:chOff x="1297440" y="2713680"/>
-            <a:chExt cx="19791360" cy="7109280"/>
+            <a:chExt cx="19791000" cy="7108920"/>
           </a:xfrm>
         </p:grpSpPr>
         <p:sp>
@@ -33048,7 +33280,7 @@
           <p:spPr>
             <a:xfrm>
               <a:off x="1297440" y="2746800"/>
-              <a:ext cx="19791360" cy="7042680"/>
+              <a:ext cx="19791000" cy="7042320"/>
             </a:xfrm>
             <a:prstGeom prst="rect">
               <a:avLst/>
@@ -33076,7 +33308,7 @@
           <p:spPr>
             <a:xfrm>
               <a:off x="1297440" y="2713680"/>
-              <a:ext cx="19791360" cy="7109280"/>
+              <a:ext cx="19791000" cy="7108920"/>
             </a:xfrm>
             <a:prstGeom prst="rect">
               <a:avLst/>
@@ -34556,7 +34788,7 @@
         <p:spPr>
           <a:xfrm>
             <a:off x="186120" y="876960"/>
-            <a:ext cx="12828960" cy="601920"/>
+            <a:ext cx="12828600" cy="601560"/>
           </a:xfrm>
           <a:prstGeom prst="rect">
             <a:avLst/>
@@ -34584,7 +34816,7 @@
               </a:spcBef>
             </a:pPr>
             <a:r>
-              <a:rPr b="1" lang="en-US" sz="3300" spc="-75" strike="noStrike">
+              <a:rPr b="1" lang="en-US" sz="3300" spc="-72" strike="noStrike">
                 <a:solidFill>
                   <a:srgbClr val="000000"/>
                 </a:solidFill>
@@ -34594,7 +34826,7 @@
               <a:t>3. </a:t>
             </a:r>
             <a:r>
-              <a:rPr b="1" lang="en-US" sz="3300" spc="-75" strike="noStrike">
+              <a:rPr b="1" lang="en-US" sz="3300" spc="-72" strike="noStrike">
                 <a:solidFill>
                   <a:srgbClr val="000000"/>
                 </a:solidFill>
@@ -34604,7 +34836,7 @@
               <a:t>启动</a:t>
             </a:r>
             <a:r>
-              <a:rPr b="1" lang="en-US" sz="3300" spc="-75" strike="noStrike">
+              <a:rPr b="1" lang="en-US" sz="3300" spc="-72" strike="noStrike">
                 <a:solidFill>
                   <a:srgbClr val="000000"/>
                 </a:solidFill>
@@ -34614,7 +34846,7 @@
               <a:t>PySpark shell,</a:t>
             </a:r>
             <a:r>
-              <a:rPr b="1" lang="en-US" sz="3300" spc="-75" strike="noStrike">
+              <a:rPr b="1" lang="en-US" sz="3300" spc="-72" strike="noStrike">
                 <a:solidFill>
                   <a:srgbClr val="000000"/>
                 </a:solidFill>
@@ -34624,7 +34856,7 @@
               <a:t>就可以在</a:t>
             </a:r>
             <a:r>
-              <a:rPr b="1" lang="en-US" sz="3300" spc="-75" strike="noStrike">
+              <a:rPr b="1" lang="en-US" sz="3300" spc="-72" strike="noStrike">
                 <a:solidFill>
                   <a:srgbClr val="000000"/>
                 </a:solidFill>
@@ -34634,7 +34866,7 @@
               <a:t>shell</a:t>
             </a:r>
             <a:r>
-              <a:rPr b="1" lang="en-US" sz="3300" spc="-75" strike="noStrike">
+              <a:rPr b="1" lang="en-US" sz="3300" spc="-72" strike="noStrike">
                 <a:solidFill>
                   <a:srgbClr val="000000"/>
                 </a:solidFill>
@@ -34707,9 +34939,9 @@
         <p:grpSpPr>
           <a:xfrm>
             <a:off x="1677240" y="1556640"/>
-            <a:ext cx="19791360" cy="809280"/>
+            <a:ext cx="19791000" cy="808920"/>
             <a:chOff x="1677240" y="1556640"/>
-            <a:chExt cx="19791360" cy="809280"/>
+            <a:chExt cx="19791000" cy="808920"/>
           </a:xfrm>
         </p:grpSpPr>
         <p:sp>
@@ -34721,7 +34953,7 @@
           <p:spPr>
             <a:xfrm>
               <a:off x="1677240" y="1600920"/>
-              <a:ext cx="19791360" cy="720720"/>
+              <a:ext cx="19791000" cy="720360"/>
             </a:xfrm>
             <a:prstGeom prst="rect">
               <a:avLst/>
@@ -34749,7 +34981,7 @@
           <p:spPr>
             <a:xfrm>
               <a:off x="1677240" y="1556640"/>
-              <a:ext cx="19791360" cy="809280"/>
+              <a:ext cx="19791000" cy="808920"/>
             </a:xfrm>
             <a:prstGeom prst="rect">
               <a:avLst/>
@@ -34809,7 +35041,7 @@
         <p:spPr>
           <a:xfrm>
             <a:off x="1104120" y="367200"/>
-            <a:ext cx="7993800" cy="662760"/>
+            <a:ext cx="7993440" cy="662400"/>
           </a:xfrm>
           <a:prstGeom prst="rect">
             <a:avLst/>
@@ -34837,7 +35069,7 @@
               </a:spcBef>
             </a:pPr>
             <a:r>
-              <a:rPr b="0" lang="en-US" sz="3700" spc="-111" strike="noStrike">
+              <a:rPr b="0" lang="en-US" sz="3700" spc="-109" strike="noStrike">
                 <a:solidFill>
                   <a:srgbClr val="000000"/>
                 </a:solidFill>
@@ -34847,7 +35079,7 @@
               <a:t>pyspark</a:t>
             </a:r>
             <a:r>
-              <a:rPr b="0" lang="en-US" sz="3700" spc="-111" strike="noStrike">
+              <a:rPr b="0" lang="en-US" sz="3700" spc="-109" strike="noStrike">
                 <a:solidFill>
                   <a:srgbClr val="000000"/>
                 </a:solidFill>
@@ -34871,7 +35103,7 @@
         <p:spPr>
           <a:xfrm>
             <a:off x="1066680" y="2886120"/>
-            <a:ext cx="22247640" cy="7845480"/>
+            <a:ext cx="22247280" cy="7845120"/>
           </a:xfrm>
           <a:prstGeom prst="rect">
             <a:avLst/>
